--- a/Plataformas de desarrollo IoT.pptx
+++ b/Plataformas de desarrollo IoT.pptx
@@ -294,7 +294,7 @@
           <a:p>
             <a:fld id="{665E11CC-8458-44FA-A540-E93D76E42C56}" type="datetimeFigureOut">
               <a:rPr lang="es-PY" smtClean="0"/>
-              <a:t>26/10/2018</a:t>
+              <a:t>31/10/2018</a:t>
             </a:fld>
             <a:endParaRPr lang="es-PY"/>
           </a:p>
@@ -464,7 +464,7 @@
           <a:p>
             <a:fld id="{665E11CC-8458-44FA-A540-E93D76E42C56}" type="datetimeFigureOut">
               <a:rPr lang="es-PY" smtClean="0"/>
-              <a:t>26/10/2018</a:t>
+              <a:t>31/10/2018</a:t>
             </a:fld>
             <a:endParaRPr lang="es-PY"/>
           </a:p>
@@ -644,7 +644,7 @@
           <a:p>
             <a:fld id="{665E11CC-8458-44FA-A540-E93D76E42C56}" type="datetimeFigureOut">
               <a:rPr lang="es-PY" smtClean="0"/>
-              <a:t>26/10/2018</a:t>
+              <a:t>31/10/2018</a:t>
             </a:fld>
             <a:endParaRPr lang="es-PY"/>
           </a:p>
@@ -814,7 +814,7 @@
           <a:p>
             <a:fld id="{665E11CC-8458-44FA-A540-E93D76E42C56}" type="datetimeFigureOut">
               <a:rPr lang="es-PY" smtClean="0"/>
-              <a:t>26/10/2018</a:t>
+              <a:t>31/10/2018</a:t>
             </a:fld>
             <a:endParaRPr lang="es-PY"/>
           </a:p>
@@ -1060,7 +1060,7 @@
           <a:p>
             <a:fld id="{665E11CC-8458-44FA-A540-E93D76E42C56}" type="datetimeFigureOut">
               <a:rPr lang="es-PY" smtClean="0"/>
-              <a:t>26/10/2018</a:t>
+              <a:t>31/10/2018</a:t>
             </a:fld>
             <a:endParaRPr lang="es-PY"/>
           </a:p>
@@ -1348,7 +1348,7 @@
           <a:p>
             <a:fld id="{665E11CC-8458-44FA-A540-E93D76E42C56}" type="datetimeFigureOut">
               <a:rPr lang="es-PY" smtClean="0"/>
-              <a:t>26/10/2018</a:t>
+              <a:t>31/10/2018</a:t>
             </a:fld>
             <a:endParaRPr lang="es-PY"/>
           </a:p>
@@ -1770,7 +1770,7 @@
           <a:p>
             <a:fld id="{665E11CC-8458-44FA-A540-E93D76E42C56}" type="datetimeFigureOut">
               <a:rPr lang="es-PY" smtClean="0"/>
-              <a:t>26/10/2018</a:t>
+              <a:t>31/10/2018</a:t>
             </a:fld>
             <a:endParaRPr lang="es-PY"/>
           </a:p>
@@ -1888,7 +1888,7 @@
           <a:p>
             <a:fld id="{665E11CC-8458-44FA-A540-E93D76E42C56}" type="datetimeFigureOut">
               <a:rPr lang="es-PY" smtClean="0"/>
-              <a:t>26/10/2018</a:t>
+              <a:t>31/10/2018</a:t>
             </a:fld>
             <a:endParaRPr lang="es-PY"/>
           </a:p>
@@ -1983,7 +1983,7 @@
           <a:p>
             <a:fld id="{665E11CC-8458-44FA-A540-E93D76E42C56}" type="datetimeFigureOut">
               <a:rPr lang="es-PY" smtClean="0"/>
-              <a:t>26/10/2018</a:t>
+              <a:t>31/10/2018</a:t>
             </a:fld>
             <a:endParaRPr lang="es-PY"/>
           </a:p>
@@ -2260,7 +2260,7 @@
           <a:p>
             <a:fld id="{665E11CC-8458-44FA-A540-E93D76E42C56}" type="datetimeFigureOut">
               <a:rPr lang="es-PY" smtClean="0"/>
-              <a:t>26/10/2018</a:t>
+              <a:t>31/10/2018</a:t>
             </a:fld>
             <a:endParaRPr lang="es-PY"/>
           </a:p>
@@ -2513,7 +2513,7 @@
           <a:p>
             <a:fld id="{665E11CC-8458-44FA-A540-E93D76E42C56}" type="datetimeFigureOut">
               <a:rPr lang="es-PY" smtClean="0"/>
-              <a:t>26/10/2018</a:t>
+              <a:t>31/10/2018</a:t>
             </a:fld>
             <a:endParaRPr lang="es-PY"/>
           </a:p>
@@ -2726,7 +2726,7 @@
           <a:p>
             <a:fld id="{665E11CC-8458-44FA-A540-E93D76E42C56}" type="datetimeFigureOut">
               <a:rPr lang="es-PY" smtClean="0"/>
-              <a:t>26/10/2018</a:t>
+              <a:t>31/10/2018</a:t>
             </a:fld>
             <a:endParaRPr lang="es-PY"/>
           </a:p>
@@ -3157,7 +3157,23 @@
                   <a:schemeClr val="tx1"/>
                 </a:solidFill>
               </a:rPr>
-              <a:t>El concepto de in fue propuesto por Kevin </a:t>
+              <a:t>El </a:t>
+            </a:r>
+            <a:r>
+              <a:rPr lang="es-PY" dirty="0" smtClean="0">
+                <a:solidFill>
+                  <a:schemeClr val="tx1"/>
+                </a:solidFill>
+              </a:rPr>
+              <a:t>concepto </a:t>
+            </a:r>
+            <a:r>
+              <a:rPr lang="es-PY" dirty="0" smtClean="0">
+                <a:solidFill>
+                  <a:schemeClr val="tx1"/>
+                </a:solidFill>
+              </a:rPr>
+              <a:t>fue propuesto por Kevin </a:t>
             </a:r>
             <a:r>
               <a:rPr lang="es-PY" dirty="0" err="1" smtClean="0">
@@ -3314,7 +3330,7 @@
         </p:blipFill>
         <p:spPr bwMode="auto">
           <a:xfrm>
-            <a:off x="-7557" y="1372529"/>
+            <a:off x="-7557" y="1304763"/>
             <a:ext cx="4291525" cy="3679093"/>
           </a:xfrm>
           <a:prstGeom prst="rect">
@@ -3440,6 +3456,60 @@
           </a:extLst>
         </p:spPr>
       </p:pic>
+      <p:pic>
+        <p:nvPicPr>
+          <p:cNvPr id="7" name="Picture 2"/>
+          <p:cNvPicPr>
+            <a:picLocks noChangeAspect="1" noChangeArrowheads="1"/>
+          </p:cNvPicPr>
+          <p:nvPr/>
+        </p:nvPicPr>
+        <p:blipFill>
+          <a:blip r:embed="rId5" cstate="print">
+            <a:extLst>
+              <a:ext uri="{28A0092B-C50C-407E-A947-70E740481C1C}">
+                <a14:useLocalDpi xmlns:a14="http://schemas.microsoft.com/office/drawing/2010/main" val="0"/>
+              </a:ext>
+            </a:extLst>
+          </a:blip>
+          <a:srcRect/>
+          <a:stretch>
+            <a:fillRect/>
+          </a:stretch>
+        </p:blipFill>
+        <p:spPr bwMode="auto">
+          <a:xfrm>
+            <a:off x="500277" y="4843724"/>
+            <a:ext cx="3275856" cy="1975751"/>
+          </a:xfrm>
+          <a:prstGeom prst="rect">
+            <a:avLst/>
+          </a:prstGeom>
+          <a:noFill/>
+          <a:ln>
+            <a:noFill/>
+          </a:ln>
+          <a:extLst>
+            <a:ext uri="{909E8E84-426E-40DD-AFC4-6F175D3DCCD1}">
+              <a14:hiddenFill xmlns:a14="http://schemas.microsoft.com/office/drawing/2010/main">
+                <a:solidFill>
+                  <a:schemeClr val="accent1"/>
+                </a:solidFill>
+              </a14:hiddenFill>
+            </a:ext>
+            <a:ext uri="{91240B29-F687-4F45-9708-019B960494DF}">
+              <a14:hiddenLine xmlns:a14="http://schemas.microsoft.com/office/drawing/2010/main" w="9525">
+                <a:solidFill>
+                  <a:schemeClr val="tx1"/>
+                </a:solidFill>
+                <a:miter lim="800000"/>
+                <a:headEnd/>
+                <a:tailEnd/>
+              </a14:hiddenLine>
+            </a:ext>
+          </a:extLst>
+        </p:spPr>
+      </p:pic>
     </p:spTree>
     <p:extLst>
       <p:ext uri="{BB962C8B-B14F-4D97-AF65-F5344CB8AC3E}">
@@ -3619,8 +3689,8 @@
         </p:blipFill>
         <p:spPr bwMode="auto">
           <a:xfrm>
-            <a:off x="1" y="3795919"/>
-            <a:ext cx="2339752" cy="2339752"/>
+            <a:off x="179512" y="3820683"/>
+            <a:ext cx="1584177" cy="1584177"/>
           </a:xfrm>
           <a:prstGeom prst="rect">
             <a:avLst/>
@@ -3660,8 +3730,8 @@
         </p:blipFill>
         <p:spPr bwMode="auto">
           <a:xfrm>
-            <a:off x="2337246" y="3875789"/>
-            <a:ext cx="4048125" cy="2600325"/>
+            <a:off x="1979712" y="3726074"/>
+            <a:ext cx="2954834" cy="1898046"/>
           </a:xfrm>
           <a:prstGeom prst="rect">
             <a:avLst/>
@@ -3744,6 +3814,47 @@
           <a:xfrm>
             <a:off x="6876256" y="1137590"/>
             <a:ext cx="1614267" cy="1614267"/>
+          </a:xfrm>
+          <a:prstGeom prst="rect">
+            <a:avLst/>
+          </a:prstGeom>
+          <a:noFill/>
+          <a:extLst>
+            <a:ext uri="{909E8E84-426E-40DD-AFC4-6F175D3DCCD1}">
+              <a14:hiddenFill xmlns:a14="http://schemas.microsoft.com/office/drawing/2010/main">
+                <a:solidFill>
+                  <a:srgbClr val="FFFFFF"/>
+                </a:solidFill>
+              </a14:hiddenFill>
+            </a:ext>
+          </a:extLst>
+        </p:spPr>
+      </p:pic>
+      <p:pic>
+        <p:nvPicPr>
+          <p:cNvPr id="1026" name="Picture 2" descr="Resultado de la imagen para iot boards"/>
+          <p:cNvPicPr>
+            <a:picLocks noChangeAspect="1" noChangeArrowheads="1"/>
+          </p:cNvPicPr>
+          <p:nvPr/>
+        </p:nvPicPr>
+        <p:blipFill>
+          <a:blip r:embed="rId8">
+            <a:extLst>
+              <a:ext uri="{28A0092B-C50C-407E-A947-70E740481C1C}">
+                <a14:useLocalDpi xmlns:a14="http://schemas.microsoft.com/office/drawing/2010/main" val="0"/>
+              </a:ext>
+            </a:extLst>
+          </a:blip>
+          <a:srcRect/>
+          <a:stretch>
+            <a:fillRect/>
+          </a:stretch>
+        </p:blipFill>
+        <p:spPr bwMode="auto">
+          <a:xfrm>
+            <a:off x="4934546" y="4149080"/>
+            <a:ext cx="2280988" cy="1475040"/>
           </a:xfrm>
           <a:prstGeom prst="rect">
             <a:avLst/>
@@ -3797,6 +3908,60 @@
           <a:chExt cx="0" cy="0"/>
         </a:xfrm>
       </p:grpSpPr>
+      <p:pic>
+        <p:nvPicPr>
+          <p:cNvPr id="2050" name="Picture 2"/>
+          <p:cNvPicPr>
+            <a:picLocks noChangeAspect="1" noChangeArrowheads="1"/>
+          </p:cNvPicPr>
+          <p:nvPr/>
+        </p:nvPicPr>
+        <p:blipFill>
+          <a:blip r:embed="rId2">
+            <a:extLst>
+              <a:ext uri="{28A0092B-C50C-407E-A947-70E740481C1C}">
+                <a14:useLocalDpi xmlns:a14="http://schemas.microsoft.com/office/drawing/2010/main" val="0"/>
+              </a:ext>
+            </a:extLst>
+          </a:blip>
+          <a:srcRect/>
+          <a:stretch>
+            <a:fillRect/>
+          </a:stretch>
+        </p:blipFill>
+        <p:spPr bwMode="auto">
+          <a:xfrm>
+            <a:off x="0" y="2021650"/>
+            <a:ext cx="9144000" cy="4814455"/>
+          </a:xfrm>
+          <a:prstGeom prst="rect">
+            <a:avLst/>
+          </a:prstGeom>
+          <a:noFill/>
+          <a:ln>
+            <a:noFill/>
+          </a:ln>
+          <a:extLst>
+            <a:ext uri="{909E8E84-426E-40DD-AFC4-6F175D3DCCD1}">
+              <a14:hiddenFill xmlns:a14="http://schemas.microsoft.com/office/drawing/2010/main">
+                <a:solidFill>
+                  <a:schemeClr val="accent1"/>
+                </a:solidFill>
+              </a14:hiddenFill>
+            </a:ext>
+            <a:ext uri="{91240B29-F687-4F45-9708-019B960494DF}">
+              <a14:hiddenLine xmlns:a14="http://schemas.microsoft.com/office/drawing/2010/main" w="9525">
+                <a:solidFill>
+                  <a:schemeClr val="tx1"/>
+                </a:solidFill>
+                <a:miter lim="800000"/>
+                <a:headEnd/>
+                <a:tailEnd/>
+              </a14:hiddenLine>
+            </a:ext>
+          </a:extLst>
+        </p:spPr>
+      </p:pic>
     </p:spTree>
     <p:extLst>
       <p:ext uri="{BB962C8B-B14F-4D97-AF65-F5344CB8AC3E}">
@@ -3807,6 +3972,13 @@
   <p:clrMapOvr>
     <a:masterClrMapping/>
   </p:clrMapOvr>
+  <p:timing>
+    <p:tnLst>
+      <p:par>
+        <p:cTn id="1" dur="indefinite" restart="never" nodeType="tmRoot"/>
+      </p:par>
+    </p:tnLst>
+  </p:timing>
 </p:sld>
 </file>
 
@@ -4201,60 +4373,6 @@
           <a:chExt cx="0" cy="0"/>
         </a:xfrm>
       </p:grpSpPr>
-      <p:pic>
-        <p:nvPicPr>
-          <p:cNvPr id="5122" name="Picture 2"/>
-          <p:cNvPicPr>
-            <a:picLocks noChangeAspect="1" noChangeArrowheads="1"/>
-          </p:cNvPicPr>
-          <p:nvPr/>
-        </p:nvPicPr>
-        <p:blipFill>
-          <a:blip r:embed="rId2">
-            <a:extLst>
-              <a:ext uri="{28A0092B-C50C-407E-A947-70E740481C1C}">
-                <a14:useLocalDpi xmlns:a14="http://schemas.microsoft.com/office/drawing/2010/main" val="0"/>
-              </a:ext>
-            </a:extLst>
-          </a:blip>
-          <a:srcRect/>
-          <a:stretch>
-            <a:fillRect/>
-          </a:stretch>
-        </p:blipFill>
-        <p:spPr bwMode="auto">
-          <a:xfrm>
-            <a:off x="1547664" y="1196752"/>
-            <a:ext cx="5646524" cy="3405560"/>
-          </a:xfrm>
-          <a:prstGeom prst="rect">
-            <a:avLst/>
-          </a:prstGeom>
-          <a:noFill/>
-          <a:ln>
-            <a:noFill/>
-          </a:ln>
-          <a:extLst>
-            <a:ext uri="{909E8E84-426E-40DD-AFC4-6F175D3DCCD1}">
-              <a14:hiddenFill xmlns:a14="http://schemas.microsoft.com/office/drawing/2010/main">
-                <a:solidFill>
-                  <a:schemeClr val="accent1"/>
-                </a:solidFill>
-              </a14:hiddenFill>
-            </a:ext>
-            <a:ext uri="{91240B29-F687-4F45-9708-019B960494DF}">
-              <a14:hiddenLine xmlns:a14="http://schemas.microsoft.com/office/drawing/2010/main" w="9525">
-                <a:solidFill>
-                  <a:schemeClr val="tx1"/>
-                </a:solidFill>
-                <a:miter lim="800000"/>
-                <a:headEnd/>
-                <a:tailEnd/>
-              </a14:hiddenLine>
-            </a:ext>
-          </a:extLst>
-        </p:spPr>
-      </p:pic>
     </p:spTree>
     <p:extLst>
       <p:ext uri="{BB962C8B-B14F-4D97-AF65-F5344CB8AC3E}">

--- a/Plataformas de desarrollo IoT.pptx
+++ b/Plataformas de desarrollo IoT.pptx
@@ -10,8 +10,11 @@
     <p:sldId id="261" r:id="rId4"/>
     <p:sldId id="262" r:id="rId5"/>
     <p:sldId id="259" r:id="rId6"/>
-    <p:sldId id="258" r:id="rId7"/>
-    <p:sldId id="260" r:id="rId8"/>
+    <p:sldId id="264" r:id="rId7"/>
+    <p:sldId id="263" r:id="rId8"/>
+    <p:sldId id="265" r:id="rId9"/>
+    <p:sldId id="258" r:id="rId10"/>
+    <p:sldId id="260" r:id="rId11"/>
   </p:sldIdLst>
   <p:sldSz cx="9144000" cy="6858000" type="screen4x3"/>
   <p:notesSz cx="6858000" cy="9144000"/>
@@ -294,7 +297,7 @@
           <a:p>
             <a:fld id="{665E11CC-8458-44FA-A540-E93D76E42C56}" type="datetimeFigureOut">
               <a:rPr lang="es-PY" smtClean="0"/>
-              <a:t>31/10/2018</a:t>
+              <a:t>01/11/2018</a:t>
             </a:fld>
             <a:endParaRPr lang="es-PY"/>
           </a:p>
@@ -464,7 +467,7 @@
           <a:p>
             <a:fld id="{665E11CC-8458-44FA-A540-E93D76E42C56}" type="datetimeFigureOut">
               <a:rPr lang="es-PY" smtClean="0"/>
-              <a:t>31/10/2018</a:t>
+              <a:t>01/11/2018</a:t>
             </a:fld>
             <a:endParaRPr lang="es-PY"/>
           </a:p>
@@ -644,7 +647,7 @@
           <a:p>
             <a:fld id="{665E11CC-8458-44FA-A540-E93D76E42C56}" type="datetimeFigureOut">
               <a:rPr lang="es-PY" smtClean="0"/>
-              <a:t>31/10/2018</a:t>
+              <a:t>01/11/2018</a:t>
             </a:fld>
             <a:endParaRPr lang="es-PY"/>
           </a:p>
@@ -814,7 +817,7 @@
           <a:p>
             <a:fld id="{665E11CC-8458-44FA-A540-E93D76E42C56}" type="datetimeFigureOut">
               <a:rPr lang="es-PY" smtClean="0"/>
-              <a:t>31/10/2018</a:t>
+              <a:t>01/11/2018</a:t>
             </a:fld>
             <a:endParaRPr lang="es-PY"/>
           </a:p>
@@ -1060,7 +1063,7 @@
           <a:p>
             <a:fld id="{665E11CC-8458-44FA-A540-E93D76E42C56}" type="datetimeFigureOut">
               <a:rPr lang="es-PY" smtClean="0"/>
-              <a:t>31/10/2018</a:t>
+              <a:t>01/11/2018</a:t>
             </a:fld>
             <a:endParaRPr lang="es-PY"/>
           </a:p>
@@ -1348,7 +1351,7 @@
           <a:p>
             <a:fld id="{665E11CC-8458-44FA-A540-E93D76E42C56}" type="datetimeFigureOut">
               <a:rPr lang="es-PY" smtClean="0"/>
-              <a:t>31/10/2018</a:t>
+              <a:t>01/11/2018</a:t>
             </a:fld>
             <a:endParaRPr lang="es-PY"/>
           </a:p>
@@ -1770,7 +1773,7 @@
           <a:p>
             <a:fld id="{665E11CC-8458-44FA-A540-E93D76E42C56}" type="datetimeFigureOut">
               <a:rPr lang="es-PY" smtClean="0"/>
-              <a:t>31/10/2018</a:t>
+              <a:t>01/11/2018</a:t>
             </a:fld>
             <a:endParaRPr lang="es-PY"/>
           </a:p>
@@ -1888,7 +1891,7 @@
           <a:p>
             <a:fld id="{665E11CC-8458-44FA-A540-E93D76E42C56}" type="datetimeFigureOut">
               <a:rPr lang="es-PY" smtClean="0"/>
-              <a:t>31/10/2018</a:t>
+              <a:t>01/11/2018</a:t>
             </a:fld>
             <a:endParaRPr lang="es-PY"/>
           </a:p>
@@ -1983,7 +1986,7 @@
           <a:p>
             <a:fld id="{665E11CC-8458-44FA-A540-E93D76E42C56}" type="datetimeFigureOut">
               <a:rPr lang="es-PY" smtClean="0"/>
-              <a:t>31/10/2018</a:t>
+              <a:t>01/11/2018</a:t>
             </a:fld>
             <a:endParaRPr lang="es-PY"/>
           </a:p>
@@ -2260,7 +2263,7 @@
           <a:p>
             <a:fld id="{665E11CC-8458-44FA-A540-E93D76E42C56}" type="datetimeFigureOut">
               <a:rPr lang="es-PY" smtClean="0"/>
-              <a:t>31/10/2018</a:t>
+              <a:t>01/11/2018</a:t>
             </a:fld>
             <a:endParaRPr lang="es-PY"/>
           </a:p>
@@ -2513,7 +2516,7 @@
           <a:p>
             <a:fld id="{665E11CC-8458-44FA-A540-E93D76E42C56}" type="datetimeFigureOut">
               <a:rPr lang="es-PY" smtClean="0"/>
-              <a:t>31/10/2018</a:t>
+              <a:t>01/11/2018</a:t>
             </a:fld>
             <a:endParaRPr lang="es-PY"/>
           </a:p>
@@ -2726,7 +2729,7 @@
           <a:p>
             <a:fld id="{665E11CC-8458-44FA-A540-E93D76E42C56}" type="datetimeFigureOut">
               <a:rPr lang="es-PY" smtClean="0"/>
-              <a:t>31/10/2018</a:t>
+              <a:t>01/11/2018</a:t>
             </a:fld>
             <a:endParaRPr lang="es-PY"/>
           </a:p>
@@ -3157,23 +3160,7 @@
                   <a:schemeClr val="tx1"/>
                 </a:solidFill>
               </a:rPr>
-              <a:t>El </a:t>
-            </a:r>
-            <a:r>
-              <a:rPr lang="es-PY" dirty="0" smtClean="0">
-                <a:solidFill>
-                  <a:schemeClr val="tx1"/>
-                </a:solidFill>
-              </a:rPr>
-              <a:t>concepto </a:t>
-            </a:r>
-            <a:r>
-              <a:rPr lang="es-PY" dirty="0" smtClean="0">
-                <a:solidFill>
-                  <a:schemeClr val="tx1"/>
-                </a:solidFill>
-              </a:rPr>
-              <a:t>fue propuesto por Kevin </a:t>
+              <a:t>El concepto fue propuesto por Kevin </a:t>
             </a:r>
             <a:r>
               <a:rPr lang="es-PY" dirty="0" err="1" smtClean="0">
@@ -3244,6 +3231,121 @@
     <p:extLst>
       <p:ext uri="{BB962C8B-B14F-4D97-AF65-F5344CB8AC3E}">
         <p14:creationId xmlns:p14="http://schemas.microsoft.com/office/powerpoint/2010/main" val="2333659172"/>
+      </p:ext>
+    </p:extLst>
+  </p:cSld>
+  <p:clrMapOvr>
+    <a:masterClrMapping/>
+  </p:clrMapOvr>
+  <p:timing>
+    <p:tnLst>
+      <p:par>
+        <p:cTn id="1" dur="indefinite" restart="never" nodeType="tmRoot"/>
+      </p:par>
+    </p:tnLst>
+  </p:timing>
+</p:sld>
+</file>
+
+<file path=ppt/slides/slide10.xml><?xml version="1.0" encoding="utf-8"?>
+<p:sld xmlns:a="http://schemas.openxmlformats.org/drawingml/2006/main" xmlns:r="http://schemas.openxmlformats.org/officeDocument/2006/relationships" xmlns:p="http://schemas.openxmlformats.org/presentationml/2006/main">
+  <p:cSld>
+    <p:spTree>
+      <p:nvGrpSpPr>
+        <p:cNvPr id="1" name=""/>
+        <p:cNvGrpSpPr/>
+        <p:nvPr/>
+      </p:nvGrpSpPr>
+      <p:grpSpPr>
+        <a:xfrm>
+          <a:off x="0" y="0"/>
+          <a:ext cx="0" cy="0"/>
+          <a:chOff x="0" y="0"/>
+          <a:chExt cx="0" cy="0"/>
+        </a:xfrm>
+      </p:grpSpPr>
+      <p:sp>
+        <p:nvSpPr>
+          <p:cNvPr id="2" name="AutoShape 2" descr="Resultado de la imagen para thingspeak"/>
+          <p:cNvSpPr>
+            <a:spLocks noChangeAspect="1" noChangeArrowheads="1"/>
+          </p:cNvSpPr>
+          <p:nvPr/>
+        </p:nvSpPr>
+        <p:spPr bwMode="auto">
+          <a:xfrm>
+            <a:off x="155575" y="-144463"/>
+            <a:ext cx="304800" cy="304801"/>
+          </a:xfrm>
+          <a:prstGeom prst="rect">
+            <a:avLst/>
+          </a:prstGeom>
+          <a:noFill/>
+          <a:extLst>
+            <a:ext uri="{909E8E84-426E-40DD-AFC4-6F175D3DCCD1}">
+              <a14:hiddenFill xmlns:a14="http://schemas.microsoft.com/office/drawing/2010/main">
+                <a:solidFill>
+                  <a:srgbClr val="FFFFFF"/>
+                </a:solidFill>
+              </a14:hiddenFill>
+            </a:ext>
+          </a:extLst>
+        </p:spPr>
+        <p:txBody>
+          <a:bodyPr vert="horz" wrap="square" lIns="91440" tIns="45720" rIns="91440" bIns="45720" numCol="1" anchor="t" anchorCtr="0" compatLnSpc="1">
+            <a:prstTxWarp prst="textNoShape">
+              <a:avLst/>
+            </a:prstTxWarp>
+          </a:bodyPr>
+          <a:lstStyle/>
+          <a:p>
+            <a:endParaRPr lang="es-PY"/>
+          </a:p>
+        </p:txBody>
+      </p:sp>
+      <p:sp>
+        <p:nvSpPr>
+          <p:cNvPr id="3" name="AutoShape 5" descr="Resultado de la imagen para thingspeak"/>
+          <p:cNvSpPr>
+            <a:spLocks noChangeAspect="1" noChangeArrowheads="1"/>
+          </p:cNvSpPr>
+          <p:nvPr/>
+        </p:nvSpPr>
+        <p:spPr bwMode="auto">
+          <a:xfrm>
+            <a:off x="307975" y="7937"/>
+            <a:ext cx="304800" cy="304801"/>
+          </a:xfrm>
+          <a:prstGeom prst="rect">
+            <a:avLst/>
+          </a:prstGeom>
+          <a:noFill/>
+          <a:extLst>
+            <a:ext uri="{909E8E84-426E-40DD-AFC4-6F175D3DCCD1}">
+              <a14:hiddenFill xmlns:a14="http://schemas.microsoft.com/office/drawing/2010/main">
+                <a:solidFill>
+                  <a:srgbClr val="FFFFFF"/>
+                </a:solidFill>
+              </a14:hiddenFill>
+            </a:ext>
+          </a:extLst>
+        </p:spPr>
+        <p:txBody>
+          <a:bodyPr vert="horz" wrap="square" lIns="91440" tIns="45720" rIns="91440" bIns="45720" numCol="1" anchor="t" anchorCtr="0" compatLnSpc="1">
+            <a:prstTxWarp prst="textNoShape">
+              <a:avLst/>
+            </a:prstTxWarp>
+          </a:bodyPr>
+          <a:lstStyle/>
+          <a:p>
+            <a:endParaRPr lang="es-PY"/>
+          </a:p>
+        </p:txBody>
+      </p:sp>
+    </p:spTree>
+    <p:extLst>
+      <p:ext uri="{BB962C8B-B14F-4D97-AF65-F5344CB8AC3E}">
+        <p14:creationId xmlns:p14="http://schemas.microsoft.com/office/powerpoint/2010/main" val="1446320255"/>
       </p:ext>
     </p:extLst>
   </p:cSld>
@@ -3962,6 +4064,40 @@
           </a:extLst>
         </p:spPr>
       </p:pic>
+      <p:sp>
+        <p:nvSpPr>
+          <p:cNvPr id="2" name="1 CuadroTexto"/>
+          <p:cNvSpPr txBox="1"/>
+          <p:nvPr/>
+        </p:nvSpPr>
+        <p:spPr>
+          <a:xfrm>
+            <a:off x="827584" y="620688"/>
+            <a:ext cx="2700098" cy="769441"/>
+          </a:xfrm>
+          <a:prstGeom prst="rect">
+            <a:avLst/>
+          </a:prstGeom>
+          <a:noFill/>
+        </p:spPr>
+        <p:txBody>
+          <a:bodyPr wrap="none" rtlCol="0">
+            <a:spAutoFit/>
+          </a:bodyPr>
+          <a:lstStyle/>
+          <a:p>
+            <a:r>
+              <a:rPr lang="es-PY" sz="4400" dirty="0" smtClean="0">
+                <a:latin typeface="Cooper Black" panose="0208090404030B020404" pitchFamily="18" charset="0"/>
+              </a:rPr>
+              <a:t>Sensores</a:t>
+            </a:r>
+            <a:endParaRPr lang="es-PY" sz="4400" dirty="0">
+              <a:latin typeface="Cooper Black" panose="0208090404030B020404" pitchFamily="18" charset="0"/>
+            </a:endParaRPr>
+          </a:p>
+        </p:txBody>
+      </p:sp>
     </p:spTree>
     <p:extLst>
       <p:ext uri="{BB962C8B-B14F-4D97-AF65-F5344CB8AC3E}">
@@ -4174,185 +4310,66 @@
           <a:chExt cx="0" cy="0"/>
         </a:xfrm>
       </p:grpSpPr>
-      <p:pic>
-        <p:nvPicPr>
-          <p:cNvPr id="3074" name="Picture 2"/>
-          <p:cNvPicPr>
-            <a:picLocks noChangeAspect="1" noChangeArrowheads="1"/>
-          </p:cNvPicPr>
+      <p:sp>
+        <p:nvSpPr>
+          <p:cNvPr id="2" name="1 CuadroTexto"/>
+          <p:cNvSpPr txBox="1"/>
           <p:nvPr/>
-        </p:nvPicPr>
-        <p:blipFill>
-          <a:blip r:embed="rId2" cstate="print">
-            <a:extLst>
-              <a:ext uri="{28A0092B-C50C-407E-A947-70E740481C1C}">
-                <a14:useLocalDpi xmlns:a14="http://schemas.microsoft.com/office/drawing/2010/main" val="0"/>
-              </a:ext>
-            </a:extLst>
-          </a:blip>
-          <a:srcRect/>
-          <a:stretch>
-            <a:fillRect/>
-          </a:stretch>
-        </p:blipFill>
-        <p:spPr bwMode="auto">
-          <a:xfrm>
-            <a:off x="0" y="1268760"/>
-            <a:ext cx="2843808" cy="2132856"/>
+        </p:nvSpPr>
+        <p:spPr>
+          <a:xfrm>
+            <a:off x="251520" y="548680"/>
+            <a:ext cx="8496944" cy="3477875"/>
           </a:xfrm>
           <a:prstGeom prst="rect">
             <a:avLst/>
           </a:prstGeom>
           <a:noFill/>
-          <a:ln>
-            <a:noFill/>
-          </a:ln>
-          <a:extLst>
-            <a:ext uri="{909E8E84-426E-40DD-AFC4-6F175D3DCCD1}">
-              <a14:hiddenFill xmlns:a14="http://schemas.microsoft.com/office/drawing/2010/main">
-                <a:solidFill>
-                  <a:schemeClr val="accent1"/>
-                </a:solidFill>
-              </a14:hiddenFill>
-            </a:ext>
-            <a:ext uri="{91240B29-F687-4F45-9708-019B960494DF}">
-              <a14:hiddenLine xmlns:a14="http://schemas.microsoft.com/office/drawing/2010/main" w="9525">
-                <a:solidFill>
-                  <a:schemeClr val="tx1"/>
-                </a:solidFill>
-                <a:miter lim="800000"/>
-                <a:headEnd/>
-                <a:tailEnd/>
-              </a14:hiddenLine>
-            </a:ext>
-          </a:extLst>
-        </p:spPr>
-      </p:pic>
-      <p:pic>
-        <p:nvPicPr>
-          <p:cNvPr id="3075" name="Picture 3"/>
-          <p:cNvPicPr>
-            <a:picLocks noChangeAspect="1" noChangeArrowheads="1"/>
-          </p:cNvPicPr>
-          <p:nvPr/>
-        </p:nvPicPr>
-        <p:blipFill>
-          <a:blip r:embed="rId3">
-            <a:extLst>
-              <a:ext uri="{28A0092B-C50C-407E-A947-70E740481C1C}">
-                <a14:useLocalDpi xmlns:a14="http://schemas.microsoft.com/office/drawing/2010/main" val="0"/>
-              </a:ext>
-            </a:extLst>
-          </a:blip>
-          <a:srcRect/>
-          <a:stretch>
-            <a:fillRect/>
-          </a:stretch>
-        </p:blipFill>
-        <p:spPr bwMode="auto">
-          <a:xfrm>
-            <a:off x="3347864" y="1418730"/>
-            <a:ext cx="5131097" cy="3065417"/>
-          </a:xfrm>
-          <a:prstGeom prst="rect">
-            <a:avLst/>
-          </a:prstGeom>
-          <a:noFill/>
-          <a:ln>
-            <a:noFill/>
-          </a:ln>
-          <a:extLst>
-            <a:ext uri="{909E8E84-426E-40DD-AFC4-6F175D3DCCD1}">
-              <a14:hiddenFill xmlns:a14="http://schemas.microsoft.com/office/drawing/2010/main">
-                <a:solidFill>
-                  <a:schemeClr val="accent1"/>
-                </a:solidFill>
-              </a14:hiddenFill>
-            </a:ext>
-            <a:ext uri="{91240B29-F687-4F45-9708-019B960494DF}">
-              <a14:hiddenLine xmlns:a14="http://schemas.microsoft.com/office/drawing/2010/main" w="9525">
-                <a:solidFill>
-                  <a:schemeClr val="tx1"/>
-                </a:solidFill>
-                <a:miter lim="800000"/>
-                <a:headEnd/>
-                <a:tailEnd/>
-              </a14:hiddenLine>
-            </a:ext>
-          </a:extLst>
-        </p:spPr>
-      </p:pic>
-      <p:pic>
-        <p:nvPicPr>
-          <p:cNvPr id="3076" name="Picture 4"/>
-          <p:cNvPicPr>
-            <a:picLocks noChangeAspect="1" noChangeArrowheads="1"/>
-          </p:cNvPicPr>
-          <p:nvPr/>
-        </p:nvPicPr>
-        <p:blipFill>
-          <a:blip r:embed="rId4" cstate="print">
-            <a:extLst>
-              <a:ext uri="{28A0092B-C50C-407E-A947-70E740481C1C}">
-                <a14:useLocalDpi xmlns:a14="http://schemas.microsoft.com/office/drawing/2010/main" val="0"/>
-              </a:ext>
-            </a:extLst>
-          </a:blip>
-          <a:srcRect/>
-          <a:stretch>
-            <a:fillRect/>
-          </a:stretch>
-        </p:blipFill>
-        <p:spPr bwMode="auto">
-          <a:xfrm>
-            <a:off x="0" y="3707402"/>
-            <a:ext cx="4889700" cy="2313886"/>
-          </a:xfrm>
-          <a:prstGeom prst="rect">
-            <a:avLst/>
-          </a:prstGeom>
-          <a:noFill/>
-          <a:ln>
-            <a:noFill/>
-          </a:ln>
-          <a:extLst>
-            <a:ext uri="{909E8E84-426E-40DD-AFC4-6F175D3DCCD1}">
-              <a14:hiddenFill xmlns:a14="http://schemas.microsoft.com/office/drawing/2010/main">
-                <a:solidFill>
-                  <a:schemeClr val="accent1"/>
-                </a:solidFill>
-              </a14:hiddenFill>
-            </a:ext>
-            <a:ext uri="{91240B29-F687-4F45-9708-019B960494DF}">
-              <a14:hiddenLine xmlns:a14="http://schemas.microsoft.com/office/drawing/2010/main" w="9525">
-                <a:solidFill>
-                  <a:schemeClr val="tx1"/>
-                </a:solidFill>
-                <a:miter lim="800000"/>
-                <a:headEnd/>
-                <a:tailEnd/>
-              </a14:hiddenLine>
-            </a:ext>
-          </a:extLst>
-        </p:spPr>
-      </p:pic>
+        </p:spPr>
+        <p:txBody>
+          <a:bodyPr wrap="square" rtlCol="0">
+            <a:spAutoFit/>
+          </a:bodyPr>
+          <a:lstStyle/>
+          <a:p>
+            <a:pPr algn="ctr"/>
+            <a:r>
+              <a:rPr lang="es-PY" sz="4400" dirty="0" smtClean="0">
+                <a:latin typeface="Cooper Black" panose="0208090404030B020404" pitchFamily="18" charset="0"/>
+              </a:rPr>
+              <a:t>La </a:t>
+            </a:r>
+            <a:r>
+              <a:rPr lang="es-PY" sz="4400" dirty="0" smtClean="0">
+                <a:solidFill>
+                  <a:srgbClr val="FF0000"/>
+                </a:solidFill>
+                <a:latin typeface="Cooper Black" panose="0208090404030B020404" pitchFamily="18" charset="0"/>
+              </a:rPr>
+              <a:t>plataforma</a:t>
+            </a:r>
+            <a:r>
+              <a:rPr lang="es-PY" sz="4400" dirty="0" smtClean="0">
+                <a:latin typeface="Cooper Black" panose="0208090404030B020404" pitchFamily="18" charset="0"/>
+              </a:rPr>
+              <a:t> sirve como una capa de integración para diferentes tipos de sensores, actuadores, dispositivos y aplicaciones.</a:t>
+            </a:r>
+            <a:endParaRPr lang="es-PY" sz="4400" dirty="0">
+              <a:latin typeface="Cooper Black" panose="0208090404030B020404" pitchFamily="18" charset="0"/>
+            </a:endParaRPr>
+          </a:p>
+        </p:txBody>
+      </p:sp>
     </p:spTree>
     <p:extLst>
       <p:ext uri="{BB962C8B-B14F-4D97-AF65-F5344CB8AC3E}">
-        <p14:creationId xmlns:p14="http://schemas.microsoft.com/office/powerpoint/2010/main" val="1382645282"/>
+        <p14:creationId xmlns:p14="http://schemas.microsoft.com/office/powerpoint/2010/main" val="3094550413"/>
       </p:ext>
     </p:extLst>
   </p:cSld>
   <p:clrMapOvr>
     <a:masterClrMapping/>
   </p:clrMapOvr>
-  <p:timing>
-    <p:tnLst>
-      <p:par>
-        <p:cTn id="1" dur="indefinite" restart="never" nodeType="tmRoot"/>
-      </p:par>
-    </p:tnLst>
-  </p:timing>
 </p:sld>
 </file>
 
@@ -4373,10 +4390,671 @@
           <a:chExt cx="0" cy="0"/>
         </a:xfrm>
       </p:grpSpPr>
+      <p:pic>
+        <p:nvPicPr>
+          <p:cNvPr id="1026" name="Picture 2"/>
+          <p:cNvPicPr>
+            <a:picLocks noChangeAspect="1" noChangeArrowheads="1"/>
+          </p:cNvPicPr>
+          <p:nvPr/>
+        </p:nvPicPr>
+        <p:blipFill>
+          <a:blip r:embed="rId2">
+            <a:extLst>
+              <a:ext uri="{28A0092B-C50C-407E-A947-70E740481C1C}">
+                <a14:useLocalDpi xmlns:a14="http://schemas.microsoft.com/office/drawing/2010/main" val="0"/>
+              </a:ext>
+            </a:extLst>
+          </a:blip>
+          <a:srcRect/>
+          <a:stretch>
+            <a:fillRect/>
+          </a:stretch>
+        </p:blipFill>
+        <p:spPr bwMode="auto">
+          <a:xfrm>
+            <a:off x="197305" y="87036"/>
+            <a:ext cx="4328542" cy="1780136"/>
+          </a:xfrm>
+          <a:prstGeom prst="rect">
+            <a:avLst/>
+          </a:prstGeom>
+          <a:noFill/>
+          <a:ln>
+            <a:noFill/>
+          </a:ln>
+          <a:extLst>
+            <a:ext uri="{909E8E84-426E-40DD-AFC4-6F175D3DCCD1}">
+              <a14:hiddenFill xmlns:a14="http://schemas.microsoft.com/office/drawing/2010/main">
+                <a:solidFill>
+                  <a:schemeClr val="accent1"/>
+                </a:solidFill>
+              </a14:hiddenFill>
+            </a:ext>
+            <a:ext uri="{91240B29-F687-4F45-9708-019B960494DF}">
+              <a14:hiddenLine xmlns:a14="http://schemas.microsoft.com/office/drawing/2010/main" w="9525">
+                <a:solidFill>
+                  <a:schemeClr val="tx1"/>
+                </a:solidFill>
+                <a:miter lim="800000"/>
+                <a:headEnd/>
+                <a:tailEnd/>
+              </a14:hiddenLine>
+            </a:ext>
+          </a:extLst>
+        </p:spPr>
+      </p:pic>
+      <p:pic>
+        <p:nvPicPr>
+          <p:cNvPr id="1027" name="Picture 3"/>
+          <p:cNvPicPr>
+            <a:picLocks noChangeAspect="1" noChangeArrowheads="1"/>
+          </p:cNvPicPr>
+          <p:nvPr/>
+        </p:nvPicPr>
+        <p:blipFill>
+          <a:blip r:embed="rId3">
+            <a:extLst>
+              <a:ext uri="{28A0092B-C50C-407E-A947-70E740481C1C}">
+                <a14:useLocalDpi xmlns:a14="http://schemas.microsoft.com/office/drawing/2010/main" val="0"/>
+              </a:ext>
+            </a:extLst>
+          </a:blip>
+          <a:srcRect/>
+          <a:stretch>
+            <a:fillRect/>
+          </a:stretch>
+        </p:blipFill>
+        <p:spPr bwMode="auto">
+          <a:xfrm>
+            <a:off x="5029903" y="159578"/>
+            <a:ext cx="2166367" cy="1889810"/>
+          </a:xfrm>
+          <a:prstGeom prst="rect">
+            <a:avLst/>
+          </a:prstGeom>
+          <a:noFill/>
+          <a:ln>
+            <a:noFill/>
+          </a:ln>
+          <a:extLst>
+            <a:ext uri="{909E8E84-426E-40DD-AFC4-6F175D3DCCD1}">
+              <a14:hiddenFill xmlns:a14="http://schemas.microsoft.com/office/drawing/2010/main">
+                <a:solidFill>
+                  <a:schemeClr val="accent1"/>
+                </a:solidFill>
+              </a14:hiddenFill>
+            </a:ext>
+            <a:ext uri="{91240B29-F687-4F45-9708-019B960494DF}">
+              <a14:hiddenLine xmlns:a14="http://schemas.microsoft.com/office/drawing/2010/main" w="9525">
+                <a:solidFill>
+                  <a:schemeClr val="tx1"/>
+                </a:solidFill>
+                <a:miter lim="800000"/>
+                <a:headEnd/>
+                <a:tailEnd/>
+              </a14:hiddenLine>
+            </a:ext>
+          </a:extLst>
+        </p:spPr>
+      </p:pic>
+      <p:pic>
+        <p:nvPicPr>
+          <p:cNvPr id="1029" name="Picture 5" descr="Resultado de la imagen para google iot cloud"/>
+          <p:cNvPicPr>
+            <a:picLocks noChangeAspect="1" noChangeArrowheads="1"/>
+          </p:cNvPicPr>
+          <p:nvPr/>
+        </p:nvPicPr>
+        <p:blipFill>
+          <a:blip r:embed="rId4">
+            <a:extLst>
+              <a:ext uri="{28A0092B-C50C-407E-A947-70E740481C1C}">
+                <a14:useLocalDpi xmlns:a14="http://schemas.microsoft.com/office/drawing/2010/main" val="0"/>
+              </a:ext>
+            </a:extLst>
+          </a:blip>
+          <a:srcRect/>
+          <a:stretch>
+            <a:fillRect/>
+          </a:stretch>
+        </p:blipFill>
+        <p:spPr bwMode="auto">
+          <a:xfrm>
+            <a:off x="75935" y="1607736"/>
+            <a:ext cx="2829216" cy="1596405"/>
+          </a:xfrm>
+          <a:prstGeom prst="rect">
+            <a:avLst/>
+          </a:prstGeom>
+          <a:noFill/>
+          <a:extLst>
+            <a:ext uri="{909E8E84-426E-40DD-AFC4-6F175D3DCCD1}">
+              <a14:hiddenFill xmlns:a14="http://schemas.microsoft.com/office/drawing/2010/main">
+                <a:solidFill>
+                  <a:srgbClr val="FFFFFF"/>
+                </a:solidFill>
+              </a14:hiddenFill>
+            </a:ext>
+          </a:extLst>
+        </p:spPr>
+      </p:pic>
+      <p:pic>
+        <p:nvPicPr>
+          <p:cNvPr id="1040" name="Picture 16"/>
+          <p:cNvPicPr>
+            <a:picLocks noChangeAspect="1" noChangeArrowheads="1"/>
+          </p:cNvPicPr>
+          <p:nvPr/>
+        </p:nvPicPr>
+        <p:blipFill>
+          <a:blip r:embed="rId5">
+            <a:extLst>
+              <a:ext uri="{28A0092B-C50C-407E-A947-70E740481C1C}">
+                <a14:useLocalDpi xmlns:a14="http://schemas.microsoft.com/office/drawing/2010/main" val="0"/>
+              </a:ext>
+            </a:extLst>
+          </a:blip>
+          <a:srcRect/>
+          <a:stretch>
+            <a:fillRect/>
+          </a:stretch>
+        </p:blipFill>
+        <p:spPr bwMode="auto">
+          <a:xfrm>
+            <a:off x="3407817" y="2099153"/>
+            <a:ext cx="2842223" cy="1525825"/>
+          </a:xfrm>
+          <a:prstGeom prst="rect">
+            <a:avLst/>
+          </a:prstGeom>
+          <a:noFill/>
+          <a:ln>
+            <a:noFill/>
+          </a:ln>
+          <a:extLst>
+            <a:ext uri="{909E8E84-426E-40DD-AFC4-6F175D3DCCD1}">
+              <a14:hiddenFill xmlns:a14="http://schemas.microsoft.com/office/drawing/2010/main">
+                <a:solidFill>
+                  <a:schemeClr val="accent1"/>
+                </a:solidFill>
+              </a14:hiddenFill>
+            </a:ext>
+            <a:ext uri="{91240B29-F687-4F45-9708-019B960494DF}">
+              <a14:hiddenLine xmlns:a14="http://schemas.microsoft.com/office/drawing/2010/main" w="9525">
+                <a:solidFill>
+                  <a:schemeClr val="tx1"/>
+                </a:solidFill>
+                <a:miter lim="800000"/>
+                <a:headEnd/>
+                <a:tailEnd/>
+              </a14:hiddenLine>
+            </a:ext>
+          </a:extLst>
+        </p:spPr>
+      </p:pic>
+      <p:pic>
+        <p:nvPicPr>
+          <p:cNvPr id="1042" name="Picture 18" descr="Resultado de la imagen para azure iot"/>
+          <p:cNvPicPr>
+            <a:picLocks noChangeAspect="1" noChangeArrowheads="1"/>
+          </p:cNvPicPr>
+          <p:nvPr/>
+        </p:nvPicPr>
+        <p:blipFill>
+          <a:blip r:embed="rId6">
+            <a:extLst>
+              <a:ext uri="{28A0092B-C50C-407E-A947-70E740481C1C}">
+                <a14:useLocalDpi xmlns:a14="http://schemas.microsoft.com/office/drawing/2010/main" val="0"/>
+              </a:ext>
+            </a:extLst>
+          </a:blip>
+          <a:srcRect/>
+          <a:stretch>
+            <a:fillRect/>
+          </a:stretch>
+        </p:blipFill>
+        <p:spPr bwMode="auto">
+          <a:xfrm>
+            <a:off x="197305" y="3192930"/>
+            <a:ext cx="2381250" cy="2009776"/>
+          </a:xfrm>
+          <a:prstGeom prst="rect">
+            <a:avLst/>
+          </a:prstGeom>
+          <a:noFill/>
+          <a:extLst>
+            <a:ext uri="{909E8E84-426E-40DD-AFC4-6F175D3DCCD1}">
+              <a14:hiddenFill xmlns:a14="http://schemas.microsoft.com/office/drawing/2010/main">
+                <a:solidFill>
+                  <a:srgbClr val="FFFFFF"/>
+                </a:solidFill>
+              </a14:hiddenFill>
+            </a:ext>
+          </a:extLst>
+        </p:spPr>
+      </p:pic>
+      <p:pic>
+        <p:nvPicPr>
+          <p:cNvPr id="1043" name="Picture 19"/>
+          <p:cNvPicPr>
+            <a:picLocks noChangeAspect="1" noChangeArrowheads="1"/>
+          </p:cNvPicPr>
+          <p:nvPr/>
+        </p:nvPicPr>
+        <p:blipFill>
+          <a:blip r:embed="rId7" cstate="print">
+            <a:extLst>
+              <a:ext uri="{28A0092B-C50C-407E-A947-70E740481C1C}">
+                <a14:useLocalDpi xmlns:a14="http://schemas.microsoft.com/office/drawing/2010/main" val="0"/>
+              </a:ext>
+            </a:extLst>
+          </a:blip>
+          <a:srcRect/>
+          <a:stretch>
+            <a:fillRect/>
+          </a:stretch>
+        </p:blipFill>
+        <p:spPr bwMode="auto">
+          <a:xfrm>
+            <a:off x="6391994" y="2100667"/>
+            <a:ext cx="2705878" cy="1524311"/>
+          </a:xfrm>
+          <a:prstGeom prst="rect">
+            <a:avLst/>
+          </a:prstGeom>
+          <a:noFill/>
+          <a:ln>
+            <a:noFill/>
+          </a:ln>
+          <a:extLst>
+            <a:ext uri="{909E8E84-426E-40DD-AFC4-6F175D3DCCD1}">
+              <a14:hiddenFill xmlns:a14="http://schemas.microsoft.com/office/drawing/2010/main">
+                <a:solidFill>
+                  <a:schemeClr val="accent1"/>
+                </a:solidFill>
+              </a14:hiddenFill>
+            </a:ext>
+            <a:ext uri="{91240B29-F687-4F45-9708-019B960494DF}">
+              <a14:hiddenLine xmlns:a14="http://schemas.microsoft.com/office/drawing/2010/main" w="9525">
+                <a:solidFill>
+                  <a:schemeClr val="tx1"/>
+                </a:solidFill>
+                <a:miter lim="800000"/>
+                <a:headEnd/>
+                <a:tailEnd/>
+              </a14:hiddenLine>
+            </a:ext>
+          </a:extLst>
+        </p:spPr>
+      </p:pic>
+      <p:pic>
+        <p:nvPicPr>
+          <p:cNvPr id="1045" name="Picture 21" descr="Imagen relacionada"/>
+          <p:cNvPicPr>
+            <a:picLocks noChangeAspect="1" noChangeArrowheads="1"/>
+          </p:cNvPicPr>
+          <p:nvPr/>
+        </p:nvPicPr>
+        <p:blipFill>
+          <a:blip r:embed="rId8">
+            <a:extLst>
+              <a:ext uri="{28A0092B-C50C-407E-A947-70E740481C1C}">
+                <a14:useLocalDpi xmlns:a14="http://schemas.microsoft.com/office/drawing/2010/main" val="0"/>
+              </a:ext>
+            </a:extLst>
+          </a:blip>
+          <a:srcRect/>
+          <a:stretch>
+            <a:fillRect/>
+          </a:stretch>
+        </p:blipFill>
+        <p:spPr bwMode="auto">
+          <a:xfrm>
+            <a:off x="2578555" y="3624979"/>
+            <a:ext cx="2908194" cy="1636476"/>
+          </a:xfrm>
+          <a:prstGeom prst="rect">
+            <a:avLst/>
+          </a:prstGeom>
+          <a:noFill/>
+          <a:extLst>
+            <a:ext uri="{909E8E84-426E-40DD-AFC4-6F175D3DCCD1}">
+              <a14:hiddenFill xmlns:a14="http://schemas.microsoft.com/office/drawing/2010/main">
+                <a:solidFill>
+                  <a:srgbClr val="FFFFFF"/>
+                </a:solidFill>
+              </a14:hiddenFill>
+            </a:ext>
+          </a:extLst>
+        </p:spPr>
+      </p:pic>
     </p:spTree>
     <p:extLst>
       <p:ext uri="{BB962C8B-B14F-4D97-AF65-F5344CB8AC3E}">
-        <p14:creationId xmlns:p14="http://schemas.microsoft.com/office/powerpoint/2010/main" val="1446320255"/>
+        <p14:creationId xmlns:p14="http://schemas.microsoft.com/office/powerpoint/2010/main" val="1515525424"/>
+      </p:ext>
+    </p:extLst>
+  </p:cSld>
+  <p:clrMapOvr>
+    <a:masterClrMapping/>
+  </p:clrMapOvr>
+  <p:timing>
+    <p:tnLst>
+      <p:par>
+        <p:cTn id="1" dur="indefinite" restart="never" nodeType="tmRoot"/>
+      </p:par>
+    </p:tnLst>
+  </p:timing>
+</p:sld>
+</file>
+
+<file path=ppt/slides/slide8.xml><?xml version="1.0" encoding="utf-8"?>
+<p:sld xmlns:a="http://schemas.openxmlformats.org/drawingml/2006/main" xmlns:r="http://schemas.openxmlformats.org/officeDocument/2006/relationships" xmlns:p="http://schemas.openxmlformats.org/presentationml/2006/main">
+  <p:cSld>
+    <p:spTree>
+      <p:nvGrpSpPr>
+        <p:cNvPr id="1" name=""/>
+        <p:cNvGrpSpPr/>
+        <p:nvPr/>
+      </p:nvGrpSpPr>
+      <p:grpSpPr>
+        <a:xfrm>
+          <a:off x="0" y="0"/>
+          <a:ext cx="0" cy="0"/>
+          <a:chOff x="0" y="0"/>
+          <a:chExt cx="0" cy="0"/>
+        </a:xfrm>
+      </p:grpSpPr>
+      <p:sp>
+        <p:nvSpPr>
+          <p:cNvPr id="2" name="1 CuadroTexto"/>
+          <p:cNvSpPr txBox="1"/>
+          <p:nvPr/>
+        </p:nvSpPr>
+        <p:spPr>
+          <a:xfrm>
+            <a:off x="343642" y="1124744"/>
+            <a:ext cx="8800358" cy="4524315"/>
+          </a:xfrm>
+          <a:prstGeom prst="rect">
+            <a:avLst/>
+          </a:prstGeom>
+          <a:noFill/>
+        </p:spPr>
+        <p:txBody>
+          <a:bodyPr wrap="none" rtlCol="0">
+            <a:spAutoFit/>
+          </a:bodyPr>
+          <a:lstStyle/>
+          <a:p>
+            <a:r>
+              <a:rPr lang="es-PY" sz="2400" dirty="0" smtClean="0">
+                <a:latin typeface="Cooper Black" panose="0208090404030B020404" pitchFamily="18" charset="0"/>
+              </a:rPr>
+              <a:t>Algunas Otras Plataformas:</a:t>
+            </a:r>
+          </a:p>
+          <a:p>
+            <a:endParaRPr lang="es-PY" sz="2400" dirty="0" smtClean="0">
+              <a:latin typeface="Cooper Black" panose="0208090404030B020404" pitchFamily="18" charset="0"/>
+            </a:endParaRPr>
+          </a:p>
+          <a:p>
+            <a:r>
+              <a:rPr lang="es-PY" sz="2400" dirty="0"/>
+              <a:t> https://www.carriots.com/ </a:t>
+            </a:r>
+            <a:endParaRPr lang="es-PY" sz="2400" dirty="0" smtClean="0"/>
+          </a:p>
+          <a:p>
+            <a:r>
+              <a:rPr lang="es-PY" sz="2400" dirty="0" smtClean="0"/>
+              <a:t>https</a:t>
+            </a:r>
+            <a:r>
+              <a:rPr lang="es-PY" sz="2400" dirty="0"/>
+              <a:t>://www.aylanetworks.com/ </a:t>
+            </a:r>
+            <a:endParaRPr lang="es-PY" sz="2400" dirty="0" smtClean="0"/>
+          </a:p>
+          <a:p>
+            <a:r>
+              <a:rPr lang="es-PY" sz="2400" dirty="0" smtClean="0"/>
+              <a:t>https</a:t>
+            </a:r>
+            <a:r>
+              <a:rPr lang="es-PY" sz="2400" dirty="0"/>
+              <a:t>://aws.amazon.com/es/iot/ </a:t>
+            </a:r>
+            <a:endParaRPr lang="es-PY" sz="2400" dirty="0" smtClean="0"/>
+          </a:p>
+          <a:p>
+            <a:r>
+              <a:rPr lang="es-PY" sz="2400" dirty="0" smtClean="0"/>
+              <a:t>https</a:t>
+            </a:r>
+            <a:r>
+              <a:rPr lang="es-PY" sz="2400" dirty="0"/>
+              <a:t>://cloud.google.com/solutions/iot/ </a:t>
+            </a:r>
+            <a:endParaRPr lang="es-PY" sz="2400" dirty="0" smtClean="0"/>
+          </a:p>
+          <a:p>
+            <a:r>
+              <a:rPr lang="es-PY" sz="2400" dirty="0" smtClean="0"/>
+              <a:t>https</a:t>
+            </a:r>
+            <a:r>
+              <a:rPr lang="es-PY" sz="2400" dirty="0"/>
+              <a:t>://www.ibm.com/internet-of-things/ </a:t>
+            </a:r>
+            <a:endParaRPr lang="es-PY" sz="2400" dirty="0" smtClean="0"/>
+          </a:p>
+          <a:p>
+            <a:r>
+              <a:rPr lang="es-PY" sz="2400" dirty="0" smtClean="0"/>
+              <a:t>https</a:t>
+            </a:r>
+            <a:r>
+              <a:rPr lang="es-PY" sz="2400" dirty="0"/>
+              <a:t>://www.microsoft.com/en-us/internet-of-things/azure-iot-suite </a:t>
+            </a:r>
+            <a:endParaRPr lang="es-PY" sz="2400" dirty="0"/>
+          </a:p>
+          <a:p>
+            <a:r>
+              <a:rPr lang="es-PY" sz="2400" dirty="0" smtClean="0"/>
+              <a:t>https</a:t>
+            </a:r>
+            <a:r>
+              <a:rPr lang="es-PY" sz="2400" dirty="0"/>
+              <a:t>://www.thingworx.com/ </a:t>
+            </a:r>
+            <a:endParaRPr lang="es-PY" sz="2400" dirty="0" smtClean="0"/>
+          </a:p>
+          <a:p>
+            <a:r>
+              <a:rPr lang="es-PY" sz="2400" dirty="0" smtClean="0"/>
+              <a:t>https</a:t>
+            </a:r>
+            <a:r>
+              <a:rPr lang="es-PY" sz="2400" dirty="0"/>
+              <a:t>://www.xively.com/ </a:t>
+            </a:r>
+            <a:endParaRPr lang="es-PY" sz="2400" dirty="0" smtClean="0"/>
+          </a:p>
+          <a:p>
+            <a:r>
+              <a:rPr lang="es-PY" sz="2400" dirty="0"/>
+              <a:t>http://www.zatar.com</a:t>
+            </a:r>
+            <a:r>
+              <a:rPr lang="es-PY" sz="2400" dirty="0" smtClean="0"/>
+              <a:t>/</a:t>
+            </a:r>
+          </a:p>
+          <a:p>
+            <a:r>
+              <a:rPr lang="es-PY" sz="2400" dirty="0"/>
+              <a:t>http://www.dojot.com.br</a:t>
+            </a:r>
+            <a:r>
+              <a:rPr lang="es-PY" sz="2400" dirty="0" smtClean="0"/>
+              <a:t>/</a:t>
+            </a:r>
+          </a:p>
+        </p:txBody>
+      </p:sp>
+    </p:spTree>
+    <p:extLst>
+      <p:ext uri="{BB962C8B-B14F-4D97-AF65-F5344CB8AC3E}">
+        <p14:creationId xmlns:p14="http://schemas.microsoft.com/office/powerpoint/2010/main" val="1049350360"/>
+      </p:ext>
+    </p:extLst>
+  </p:cSld>
+  <p:clrMapOvr>
+    <a:masterClrMapping/>
+  </p:clrMapOvr>
+  <p:timing>
+    <p:tnLst>
+      <p:par>
+        <p:cTn id="1" dur="indefinite" restart="never" nodeType="tmRoot"/>
+      </p:par>
+    </p:tnLst>
+  </p:timing>
+</p:sld>
+</file>
+
+<file path=ppt/slides/slide9.xml><?xml version="1.0" encoding="utf-8"?>
+<p:sld xmlns:a="http://schemas.openxmlformats.org/drawingml/2006/main" xmlns:r="http://schemas.openxmlformats.org/officeDocument/2006/relationships" xmlns:p="http://schemas.openxmlformats.org/presentationml/2006/main">
+  <p:cSld>
+    <p:spTree>
+      <p:nvGrpSpPr>
+        <p:cNvPr id="1" name=""/>
+        <p:cNvGrpSpPr/>
+        <p:nvPr/>
+      </p:nvGrpSpPr>
+      <p:grpSpPr>
+        <a:xfrm>
+          <a:off x="0" y="0"/>
+          <a:ext cx="0" cy="0"/>
+          <a:chOff x="0" y="0"/>
+          <a:chExt cx="0" cy="0"/>
+        </a:xfrm>
+      </p:grpSpPr>
+      <p:pic>
+        <p:nvPicPr>
+          <p:cNvPr id="3075" name="Picture 3"/>
+          <p:cNvPicPr>
+            <a:picLocks noChangeAspect="1" noChangeArrowheads="1"/>
+          </p:cNvPicPr>
+          <p:nvPr/>
+        </p:nvPicPr>
+        <p:blipFill>
+          <a:blip r:embed="rId2">
+            <a:extLst>
+              <a:ext uri="{28A0092B-C50C-407E-A947-70E740481C1C}">
+                <a14:useLocalDpi xmlns:a14="http://schemas.microsoft.com/office/drawing/2010/main" val="0"/>
+              </a:ext>
+            </a:extLst>
+          </a:blip>
+          <a:srcRect/>
+          <a:stretch>
+            <a:fillRect/>
+          </a:stretch>
+        </p:blipFill>
+        <p:spPr bwMode="auto">
+          <a:xfrm>
+            <a:off x="3347864" y="1418730"/>
+            <a:ext cx="5131097" cy="3065417"/>
+          </a:xfrm>
+          <a:prstGeom prst="rect">
+            <a:avLst/>
+          </a:prstGeom>
+          <a:noFill/>
+          <a:ln>
+            <a:noFill/>
+          </a:ln>
+          <a:extLst>
+            <a:ext uri="{909E8E84-426E-40DD-AFC4-6F175D3DCCD1}">
+              <a14:hiddenFill xmlns:a14="http://schemas.microsoft.com/office/drawing/2010/main">
+                <a:solidFill>
+                  <a:schemeClr val="accent1"/>
+                </a:solidFill>
+              </a14:hiddenFill>
+            </a:ext>
+            <a:ext uri="{91240B29-F687-4F45-9708-019B960494DF}">
+              <a14:hiddenLine xmlns:a14="http://schemas.microsoft.com/office/drawing/2010/main" w="9525">
+                <a:solidFill>
+                  <a:schemeClr val="tx1"/>
+                </a:solidFill>
+                <a:miter lim="800000"/>
+                <a:headEnd/>
+                <a:tailEnd/>
+              </a14:hiddenLine>
+            </a:ext>
+          </a:extLst>
+        </p:spPr>
+      </p:pic>
+      <p:pic>
+        <p:nvPicPr>
+          <p:cNvPr id="3076" name="Picture 4"/>
+          <p:cNvPicPr>
+            <a:picLocks noChangeAspect="1" noChangeArrowheads="1"/>
+          </p:cNvPicPr>
+          <p:nvPr/>
+        </p:nvPicPr>
+        <p:blipFill>
+          <a:blip r:embed="rId3" cstate="print">
+            <a:extLst>
+              <a:ext uri="{28A0092B-C50C-407E-A947-70E740481C1C}">
+                <a14:useLocalDpi xmlns:a14="http://schemas.microsoft.com/office/drawing/2010/main" val="0"/>
+              </a:ext>
+            </a:extLst>
+          </a:blip>
+          <a:srcRect/>
+          <a:stretch>
+            <a:fillRect/>
+          </a:stretch>
+        </p:blipFill>
+        <p:spPr bwMode="auto">
+          <a:xfrm>
+            <a:off x="0" y="3707402"/>
+            <a:ext cx="4889700" cy="2313886"/>
+          </a:xfrm>
+          <a:prstGeom prst="rect">
+            <a:avLst/>
+          </a:prstGeom>
+          <a:noFill/>
+          <a:ln>
+            <a:noFill/>
+          </a:ln>
+          <a:extLst>
+            <a:ext uri="{909E8E84-426E-40DD-AFC4-6F175D3DCCD1}">
+              <a14:hiddenFill xmlns:a14="http://schemas.microsoft.com/office/drawing/2010/main">
+                <a:solidFill>
+                  <a:schemeClr val="accent1"/>
+                </a:solidFill>
+              </a14:hiddenFill>
+            </a:ext>
+            <a:ext uri="{91240B29-F687-4F45-9708-019B960494DF}">
+              <a14:hiddenLine xmlns:a14="http://schemas.microsoft.com/office/drawing/2010/main" w="9525">
+                <a:solidFill>
+                  <a:schemeClr val="tx1"/>
+                </a:solidFill>
+                <a:miter lim="800000"/>
+                <a:headEnd/>
+                <a:tailEnd/>
+              </a14:hiddenLine>
+            </a:ext>
+          </a:extLst>
+        </p:spPr>
+      </p:pic>
+    </p:spTree>
+    <p:extLst>
+      <p:ext uri="{BB962C8B-B14F-4D97-AF65-F5344CB8AC3E}">
+        <p14:creationId xmlns:p14="http://schemas.microsoft.com/office/powerpoint/2010/main" val="1382645282"/>
       </p:ext>
     </p:extLst>
   </p:cSld>

--- a/Plataformas de desarrollo IoT.pptx
+++ b/Plataformas de desarrollo IoT.pptx
@@ -15,6 +15,7 @@
     <p:sldId id="265" r:id="rId9"/>
     <p:sldId id="258" r:id="rId10"/>
     <p:sldId id="260" r:id="rId11"/>
+    <p:sldId id="266" r:id="rId12"/>
   </p:sldIdLst>
   <p:sldSz cx="9144000" cy="6858000" type="screen4x3"/>
   <p:notesSz cx="6858000" cy="9144000"/>
@@ -297,7 +298,7 @@
           <a:p>
             <a:fld id="{665E11CC-8458-44FA-A540-E93D76E42C56}" type="datetimeFigureOut">
               <a:rPr lang="es-PY" smtClean="0"/>
-              <a:t>01/11/2018</a:t>
+              <a:t>07/11/2018</a:t>
             </a:fld>
             <a:endParaRPr lang="es-PY"/>
           </a:p>
@@ -467,7 +468,7 @@
           <a:p>
             <a:fld id="{665E11CC-8458-44FA-A540-E93D76E42C56}" type="datetimeFigureOut">
               <a:rPr lang="es-PY" smtClean="0"/>
-              <a:t>01/11/2018</a:t>
+              <a:t>07/11/2018</a:t>
             </a:fld>
             <a:endParaRPr lang="es-PY"/>
           </a:p>
@@ -647,7 +648,7 @@
           <a:p>
             <a:fld id="{665E11CC-8458-44FA-A540-E93D76E42C56}" type="datetimeFigureOut">
               <a:rPr lang="es-PY" smtClean="0"/>
-              <a:t>01/11/2018</a:t>
+              <a:t>07/11/2018</a:t>
             </a:fld>
             <a:endParaRPr lang="es-PY"/>
           </a:p>
@@ -817,7 +818,7 @@
           <a:p>
             <a:fld id="{665E11CC-8458-44FA-A540-E93D76E42C56}" type="datetimeFigureOut">
               <a:rPr lang="es-PY" smtClean="0"/>
-              <a:t>01/11/2018</a:t>
+              <a:t>07/11/2018</a:t>
             </a:fld>
             <a:endParaRPr lang="es-PY"/>
           </a:p>
@@ -1063,7 +1064,7 @@
           <a:p>
             <a:fld id="{665E11CC-8458-44FA-A540-E93D76E42C56}" type="datetimeFigureOut">
               <a:rPr lang="es-PY" smtClean="0"/>
-              <a:t>01/11/2018</a:t>
+              <a:t>07/11/2018</a:t>
             </a:fld>
             <a:endParaRPr lang="es-PY"/>
           </a:p>
@@ -1351,7 +1352,7 @@
           <a:p>
             <a:fld id="{665E11CC-8458-44FA-A540-E93D76E42C56}" type="datetimeFigureOut">
               <a:rPr lang="es-PY" smtClean="0"/>
-              <a:t>01/11/2018</a:t>
+              <a:t>07/11/2018</a:t>
             </a:fld>
             <a:endParaRPr lang="es-PY"/>
           </a:p>
@@ -1773,7 +1774,7 @@
           <a:p>
             <a:fld id="{665E11CC-8458-44FA-A540-E93D76E42C56}" type="datetimeFigureOut">
               <a:rPr lang="es-PY" smtClean="0"/>
-              <a:t>01/11/2018</a:t>
+              <a:t>07/11/2018</a:t>
             </a:fld>
             <a:endParaRPr lang="es-PY"/>
           </a:p>
@@ -1891,7 +1892,7 @@
           <a:p>
             <a:fld id="{665E11CC-8458-44FA-A540-E93D76E42C56}" type="datetimeFigureOut">
               <a:rPr lang="es-PY" smtClean="0"/>
-              <a:t>01/11/2018</a:t>
+              <a:t>07/11/2018</a:t>
             </a:fld>
             <a:endParaRPr lang="es-PY"/>
           </a:p>
@@ -1986,7 +1987,7 @@
           <a:p>
             <a:fld id="{665E11CC-8458-44FA-A540-E93D76E42C56}" type="datetimeFigureOut">
               <a:rPr lang="es-PY" smtClean="0"/>
-              <a:t>01/11/2018</a:t>
+              <a:t>07/11/2018</a:t>
             </a:fld>
             <a:endParaRPr lang="es-PY"/>
           </a:p>
@@ -2263,7 +2264,7 @@
           <a:p>
             <a:fld id="{665E11CC-8458-44FA-A540-E93D76E42C56}" type="datetimeFigureOut">
               <a:rPr lang="es-PY" smtClean="0"/>
-              <a:t>01/11/2018</a:t>
+              <a:t>07/11/2018</a:t>
             </a:fld>
             <a:endParaRPr lang="es-PY"/>
           </a:p>
@@ -2516,7 +2517,7 @@
           <a:p>
             <a:fld id="{665E11CC-8458-44FA-A540-E93D76E42C56}" type="datetimeFigureOut">
               <a:rPr lang="es-PY" smtClean="0"/>
-              <a:t>01/11/2018</a:t>
+              <a:t>07/11/2018</a:t>
             </a:fld>
             <a:endParaRPr lang="es-PY"/>
           </a:p>
@@ -2729,7 +2730,7 @@
           <a:p>
             <a:fld id="{665E11CC-8458-44FA-A540-E93D76E42C56}" type="datetimeFigureOut">
               <a:rPr lang="es-PY" smtClean="0"/>
-              <a:t>01/11/2018</a:t>
+              <a:t>07/11/2018</a:t>
             </a:fld>
             <a:endParaRPr lang="es-PY"/>
           </a:p>
@@ -3342,6 +3343,380 @@
           </a:p>
         </p:txBody>
       </p:sp>
+      <p:sp>
+        <p:nvSpPr>
+          <p:cNvPr id="4" name="3 CuadroTexto"/>
+          <p:cNvSpPr txBox="1"/>
+          <p:nvPr/>
+        </p:nvSpPr>
+        <p:spPr>
+          <a:xfrm>
+            <a:off x="-40711" y="313586"/>
+            <a:ext cx="9167285" cy="6586418"/>
+          </a:xfrm>
+          <a:prstGeom prst="rect">
+            <a:avLst/>
+          </a:prstGeom>
+          <a:noFill/>
+        </p:spPr>
+        <p:txBody>
+          <a:bodyPr wrap="square" rtlCol="0">
+            <a:spAutoFit/>
+          </a:bodyPr>
+          <a:lstStyle/>
+          <a:p>
+            <a:pPr algn="ctr"/>
+            <a:r>
+              <a:rPr lang="es-PY" sz="1600" dirty="0">
+                <a:latin typeface="Impact" panose="020B0806030902050204" pitchFamily="34" charset="0"/>
+              </a:rPr>
+              <a:t>Tecnologías de conectividad para </a:t>
+            </a:r>
+            <a:r>
+              <a:rPr lang="es-PY" sz="1600" dirty="0" smtClean="0">
+                <a:latin typeface="Impact" panose="020B0806030902050204" pitchFamily="34" charset="0"/>
+              </a:rPr>
+              <a:t>IoT:</a:t>
+            </a:r>
+          </a:p>
+          <a:p>
+            <a:pPr marL="285750" indent="-285750">
+              <a:buFont typeface="Wingdings" panose="05000000000000000000" pitchFamily="2" charset="2"/>
+              <a:buChar char="ü"/>
+            </a:pPr>
+            <a:r>
+              <a:rPr lang="es-PY" sz="1400" dirty="0"/>
+              <a:t>NFC  </a:t>
+            </a:r>
+            <a:r>
+              <a:rPr lang="es-PY" sz="1400" b="1" dirty="0"/>
+              <a:t>(</a:t>
+            </a:r>
+            <a:r>
+              <a:rPr lang="es-PY" sz="1400" b="1" dirty="0" err="1"/>
+              <a:t>Near</a:t>
+            </a:r>
+            <a:r>
+              <a:rPr lang="es-PY" sz="1400" b="1" dirty="0"/>
+              <a:t> Field </a:t>
+            </a:r>
+            <a:r>
+              <a:rPr lang="es-PY" sz="1400" b="1" dirty="0" err="1"/>
+              <a:t>Communication</a:t>
+            </a:r>
+            <a:r>
+              <a:rPr lang="es-PY" sz="1400" b="1" dirty="0"/>
+              <a:t> (NFC) o comunicación de campo cercano</a:t>
+            </a:r>
+            <a:r>
+              <a:rPr lang="es-PY" sz="1400" b="1" dirty="0" smtClean="0"/>
+              <a:t>)</a:t>
+            </a:r>
+          </a:p>
+          <a:p>
+            <a:pPr marL="742950" lvl="1" indent="-285750">
+              <a:buFont typeface="Wingdings" panose="05000000000000000000" pitchFamily="2" charset="2"/>
+              <a:buChar char="ü"/>
+            </a:pPr>
+            <a:endParaRPr lang="es-PY" sz="1400" b="1" dirty="0" smtClean="0"/>
+          </a:p>
+          <a:p>
+            <a:pPr marL="285750" indent="-285750">
+              <a:buFont typeface="Wingdings" panose="05000000000000000000" pitchFamily="2" charset="2"/>
+              <a:buChar char="ü"/>
+            </a:pPr>
+            <a:r>
+              <a:rPr lang="es-PY" sz="1400" dirty="0" smtClean="0"/>
+              <a:t>RFID </a:t>
+            </a:r>
+            <a:r>
+              <a:rPr lang="es-PY" sz="1400" b="1" dirty="0" smtClean="0"/>
+              <a:t>(</a:t>
+            </a:r>
+            <a:r>
+              <a:rPr lang="es-PY" sz="1400" b="1" dirty="0"/>
+              <a:t>identificación por radiofrecuencia</a:t>
+            </a:r>
+            <a:r>
+              <a:rPr lang="es-PY" sz="1400" b="1" dirty="0" smtClean="0"/>
+              <a:t>)</a:t>
+            </a:r>
+          </a:p>
+          <a:p>
+            <a:pPr marL="742950" lvl="1" indent="-285750">
+              <a:buFont typeface="Wingdings" panose="05000000000000000000" pitchFamily="2" charset="2"/>
+              <a:buChar char="ü"/>
+            </a:pPr>
+            <a:endParaRPr lang="es-PY" sz="1400" b="1" dirty="0" smtClean="0"/>
+          </a:p>
+          <a:p>
+            <a:pPr marL="285750" indent="-285750">
+              <a:buFont typeface="Wingdings" panose="05000000000000000000" pitchFamily="2" charset="2"/>
+              <a:buChar char="ü"/>
+            </a:pPr>
+            <a:r>
+              <a:rPr lang="es-PY" sz="1400" dirty="0"/>
+              <a:t>Bluetooth </a:t>
+            </a:r>
+            <a:endParaRPr lang="es-PY" sz="1400" dirty="0" smtClean="0"/>
+          </a:p>
+          <a:p>
+            <a:pPr marL="742950" lvl="1" indent="-285750">
+              <a:buFont typeface="Wingdings" panose="05000000000000000000" pitchFamily="2" charset="2"/>
+              <a:buChar char="ü"/>
+            </a:pPr>
+            <a:endParaRPr lang="es-PY" sz="1400" dirty="0" smtClean="0"/>
+          </a:p>
+          <a:p>
+            <a:pPr marL="285750" indent="-285750">
+              <a:buFont typeface="Wingdings" panose="05000000000000000000" pitchFamily="2" charset="2"/>
+              <a:buChar char="ü"/>
+            </a:pPr>
+            <a:r>
+              <a:rPr lang="es-PY" sz="1400" dirty="0" err="1" smtClean="0"/>
+              <a:t>Zigbee</a:t>
+            </a:r>
+            <a:endParaRPr lang="es-PY" sz="1400" dirty="0" smtClean="0"/>
+          </a:p>
+          <a:p>
+            <a:pPr marL="742950" lvl="1" indent="-285750">
+              <a:buFont typeface="Wingdings" panose="05000000000000000000" pitchFamily="2" charset="2"/>
+              <a:buChar char="ü"/>
+            </a:pPr>
+            <a:endParaRPr lang="es-PY" sz="1400" dirty="0" smtClean="0"/>
+          </a:p>
+          <a:p>
+            <a:pPr marL="285750" indent="-285750">
+              <a:buFont typeface="Wingdings" panose="05000000000000000000" pitchFamily="2" charset="2"/>
+              <a:buChar char="ü"/>
+            </a:pPr>
+            <a:r>
+              <a:rPr lang="es-PY" sz="1400" dirty="0"/>
+              <a:t>IEEE </a:t>
+            </a:r>
+            <a:r>
+              <a:rPr lang="es-PY" sz="1400" dirty="0" smtClean="0"/>
+              <a:t>802.15.4 </a:t>
+            </a:r>
+          </a:p>
+          <a:p>
+            <a:pPr marL="742950" lvl="1" indent="-285750">
+              <a:buFont typeface="Wingdings" panose="05000000000000000000" pitchFamily="2" charset="2"/>
+              <a:buChar char="ü"/>
+            </a:pPr>
+            <a:endParaRPr lang="es-PY" sz="1400" dirty="0" smtClean="0"/>
+          </a:p>
+          <a:p>
+            <a:pPr marL="285750" indent="-285750">
+              <a:buFont typeface="Wingdings" panose="05000000000000000000" pitchFamily="2" charset="2"/>
+              <a:buChar char="ü"/>
+            </a:pPr>
+            <a:r>
+              <a:rPr lang="es-PY" sz="1400" dirty="0" err="1" smtClean="0"/>
+              <a:t>WiFi</a:t>
+            </a:r>
+            <a:endParaRPr lang="es-PY" sz="1400" dirty="0" smtClean="0"/>
+          </a:p>
+          <a:p>
+            <a:pPr marL="742950" lvl="1" indent="-285750">
+              <a:buFont typeface="Wingdings" panose="05000000000000000000" pitchFamily="2" charset="2"/>
+              <a:buChar char="ü"/>
+            </a:pPr>
+            <a:endParaRPr lang="es-PY" sz="1400" dirty="0" smtClean="0"/>
+          </a:p>
+          <a:p>
+            <a:pPr marL="285750" indent="-285750">
+              <a:buFont typeface="Wingdings" panose="05000000000000000000" pitchFamily="2" charset="2"/>
+              <a:buChar char="ü"/>
+            </a:pPr>
+            <a:r>
+              <a:rPr lang="es-PY" sz="1400" dirty="0" err="1" smtClean="0"/>
+              <a:t>LoraWAN</a:t>
+            </a:r>
+            <a:r>
+              <a:rPr lang="es-PY" sz="1400" dirty="0" smtClean="0"/>
+              <a:t> </a:t>
+            </a:r>
+            <a:r>
+              <a:rPr lang="es-PY" sz="1400" b="1" dirty="0" smtClean="0"/>
+              <a:t>(</a:t>
+            </a:r>
+            <a:r>
+              <a:rPr lang="en-US" sz="1400" b="1" dirty="0"/>
+              <a:t>Low Power Wide Area Network</a:t>
+            </a:r>
+            <a:r>
+              <a:rPr lang="es-PY" sz="1400" b="1" dirty="0" smtClean="0"/>
+              <a:t>)</a:t>
+            </a:r>
+          </a:p>
+          <a:p>
+            <a:pPr marL="742950" lvl="1" indent="-285750">
+              <a:buFont typeface="Wingdings" panose="05000000000000000000" pitchFamily="2" charset="2"/>
+              <a:buChar char="ü"/>
+            </a:pPr>
+            <a:endParaRPr lang="es-PY" sz="1400" b="1" dirty="0" smtClean="0"/>
+          </a:p>
+          <a:p>
+            <a:pPr marL="285750" indent="-285750">
+              <a:buFont typeface="Wingdings" panose="05000000000000000000" pitchFamily="2" charset="2"/>
+              <a:buChar char="ü"/>
+            </a:pPr>
+            <a:r>
+              <a:rPr lang="es-PY" sz="1400" dirty="0" err="1" smtClean="0"/>
+              <a:t>Sigfox</a:t>
+            </a:r>
+            <a:r>
+              <a:rPr lang="es-PY" sz="1400" dirty="0" smtClean="0"/>
+              <a:t> ()</a:t>
+            </a:r>
+          </a:p>
+          <a:p>
+            <a:pPr marL="742950" lvl="1" indent="-285750">
+              <a:buFont typeface="Wingdings" panose="05000000000000000000" pitchFamily="2" charset="2"/>
+              <a:buChar char="ü"/>
+            </a:pPr>
+            <a:r>
+              <a:rPr lang="es-PY" sz="1400" dirty="0"/>
+              <a:t>868MHz en Europa y 902MHz en los EE. UU</a:t>
+            </a:r>
+            <a:endParaRPr lang="es-PY" sz="1400" dirty="0" smtClean="0"/>
+          </a:p>
+          <a:p>
+            <a:pPr marL="285750" indent="-285750">
+              <a:buFont typeface="Wingdings" panose="05000000000000000000" pitchFamily="2" charset="2"/>
+              <a:buChar char="ü"/>
+            </a:pPr>
+            <a:r>
+              <a:rPr lang="es-PY" sz="1400" dirty="0" smtClean="0"/>
+              <a:t>6LoWPAN </a:t>
+            </a:r>
+            <a:r>
+              <a:rPr lang="en-US" sz="1400" b="1" dirty="0"/>
+              <a:t>(IPv6 over Low power Wireless Personal Area Networks)</a:t>
+            </a:r>
+            <a:endParaRPr lang="es-PY" sz="1400" b="1" dirty="0" smtClean="0"/>
+          </a:p>
+          <a:p>
+            <a:pPr marL="742950" lvl="1" indent="-285750">
+              <a:buFont typeface="Wingdings" panose="05000000000000000000" pitchFamily="2" charset="2"/>
+              <a:buChar char="ü"/>
+            </a:pPr>
+            <a:r>
+              <a:rPr lang="es-PY" sz="1400" dirty="0" smtClean="0"/>
+              <a:t>IEEE </a:t>
+            </a:r>
+            <a:r>
+              <a:rPr lang="es-PY" sz="1400" dirty="0"/>
+              <a:t>802.15.4</a:t>
+            </a:r>
+            <a:endParaRPr lang="es-PY" sz="1400" dirty="0" smtClean="0"/>
+          </a:p>
+          <a:p>
+            <a:pPr marL="285750" indent="-285750">
+              <a:buFont typeface="Wingdings" panose="05000000000000000000" pitchFamily="2" charset="2"/>
+              <a:buChar char="ü"/>
+            </a:pPr>
+            <a:r>
+              <a:rPr lang="es-PY" sz="1400" dirty="0" smtClean="0"/>
+              <a:t>Z-Wave  (</a:t>
+            </a:r>
+            <a:r>
+              <a:rPr lang="es-PY" sz="1400" dirty="0"/>
+              <a:t>protocolo de comunicaciones inalámbricas utilizado principalmente para domótica</a:t>
+            </a:r>
+            <a:r>
+              <a:rPr lang="es-PY" sz="1400" dirty="0" smtClean="0"/>
+              <a:t>.)</a:t>
+            </a:r>
+          </a:p>
+          <a:p>
+            <a:pPr marL="742950" lvl="1" indent="-285750">
+              <a:buFont typeface="Wingdings" panose="05000000000000000000" pitchFamily="2" charset="2"/>
+              <a:buChar char="ü"/>
+            </a:pPr>
+            <a:r>
+              <a:rPr lang="es-PY" sz="1400" dirty="0"/>
+              <a:t>868.42 MHz Banda SRD (Europa, banda ISM de 900 MHz: 908.42 MHz (Estados Unidos); 916 MHz (Israel); 919.82 MHz (Hong Kong); 921.42 MHz (Australia / Nueva Zelanda).</a:t>
+            </a:r>
+            <a:endParaRPr lang="es-PY" sz="1400" dirty="0" smtClean="0"/>
+          </a:p>
+          <a:p>
+            <a:pPr marL="285750" indent="-285750">
+              <a:buFont typeface="Wingdings" panose="05000000000000000000" pitchFamily="2" charset="2"/>
+              <a:buChar char="ü"/>
+            </a:pPr>
+            <a:r>
+              <a:rPr lang="es-PY" sz="1400" dirty="0" err="1" smtClean="0"/>
+              <a:t>Thread</a:t>
+            </a:r>
+            <a:endParaRPr lang="es-PY" sz="1400" dirty="0" smtClean="0"/>
+          </a:p>
+          <a:p>
+            <a:pPr marL="742950" lvl="1" indent="-285750">
+              <a:buFont typeface="Wingdings" panose="05000000000000000000" pitchFamily="2" charset="2"/>
+              <a:buChar char="ü"/>
+            </a:pPr>
+            <a:endParaRPr lang="es-PY" sz="1400" u="sng" dirty="0" smtClean="0"/>
+          </a:p>
+          <a:p>
+            <a:pPr marL="285750" indent="-285750">
+              <a:buFont typeface="Wingdings" panose="05000000000000000000" pitchFamily="2" charset="2"/>
+              <a:buChar char="ü"/>
+            </a:pPr>
+            <a:r>
+              <a:rPr lang="es-PY" sz="1400" dirty="0"/>
+              <a:t>4G y </a:t>
+            </a:r>
+            <a:r>
+              <a:rPr lang="es-PY" sz="1400" dirty="0" smtClean="0"/>
+              <a:t>5G</a:t>
+            </a:r>
+          </a:p>
+          <a:p>
+            <a:pPr marL="742950" lvl="1" indent="-285750">
+              <a:buFont typeface="Wingdings" panose="05000000000000000000" pitchFamily="2" charset="2"/>
+              <a:buChar char="ü"/>
+            </a:pPr>
+            <a:endParaRPr lang="es-PY" sz="1400" dirty="0"/>
+          </a:p>
+          <a:p>
+            <a:pPr marL="285750" indent="-285750">
+              <a:buFont typeface="Wingdings" panose="05000000000000000000" pitchFamily="2" charset="2"/>
+              <a:buChar char="ü"/>
+            </a:pPr>
+            <a:r>
+              <a:rPr lang="es-PY" sz="1400" dirty="0" smtClean="0"/>
+              <a:t>Ethernet</a:t>
+            </a:r>
+          </a:p>
+          <a:p>
+            <a:pPr marL="742950" lvl="1" indent="-285750">
+              <a:buFont typeface="Wingdings" panose="05000000000000000000" pitchFamily="2" charset="2"/>
+              <a:buChar char="ü"/>
+            </a:pPr>
+            <a:endParaRPr lang="es-PY" sz="1400" dirty="0"/>
+          </a:p>
+          <a:p>
+            <a:pPr marL="285750" indent="-285750">
+              <a:buFont typeface="Wingdings" panose="05000000000000000000" pitchFamily="2" charset="2"/>
+              <a:buChar char="ü"/>
+            </a:pPr>
+            <a:r>
+              <a:rPr lang="es-PY" sz="1400" dirty="0" err="1" smtClean="0"/>
+              <a:t>Modbus</a:t>
+            </a:r>
+            <a:endParaRPr lang="es-PY" sz="1400" dirty="0" smtClean="0"/>
+          </a:p>
+          <a:p>
+            <a:pPr marL="742950" lvl="1" indent="-285750">
+              <a:buFont typeface="Wingdings" panose="05000000000000000000" pitchFamily="2" charset="2"/>
+              <a:buChar char="ü"/>
+            </a:pPr>
+            <a:endParaRPr lang="es-PY" sz="1400" dirty="0"/>
+          </a:p>
+        </p:txBody>
+      </p:sp>
     </p:spTree>
     <p:extLst>
       <p:ext uri="{BB962C8B-B14F-4D97-AF65-F5344CB8AC3E}">
@@ -3359,6 +3734,269 @@
       </p:par>
     </p:tnLst>
   </p:timing>
+</p:sld>
+</file>
+
+<file path=ppt/slides/slide11.xml><?xml version="1.0" encoding="utf-8"?>
+<p:sld xmlns:a="http://schemas.openxmlformats.org/drawingml/2006/main" xmlns:r="http://schemas.openxmlformats.org/officeDocument/2006/relationships" xmlns:p="http://schemas.openxmlformats.org/presentationml/2006/main">
+  <p:cSld>
+    <p:spTree>
+      <p:nvGrpSpPr>
+        <p:cNvPr id="1" name=""/>
+        <p:cNvGrpSpPr/>
+        <p:nvPr/>
+      </p:nvGrpSpPr>
+      <p:grpSpPr>
+        <a:xfrm>
+          <a:off x="0" y="0"/>
+          <a:ext cx="0" cy="0"/>
+          <a:chOff x="0" y="0"/>
+          <a:chExt cx="0" cy="0"/>
+        </a:xfrm>
+      </p:grpSpPr>
+      <p:sp>
+        <p:nvSpPr>
+          <p:cNvPr id="2" name="1 CuadroTexto"/>
+          <p:cNvSpPr txBox="1"/>
+          <p:nvPr/>
+        </p:nvSpPr>
+        <p:spPr>
+          <a:xfrm>
+            <a:off x="899592" y="1124744"/>
+            <a:ext cx="6336704" cy="3724096"/>
+          </a:xfrm>
+          <a:prstGeom prst="rect">
+            <a:avLst/>
+          </a:prstGeom>
+          <a:noFill/>
+        </p:spPr>
+        <p:txBody>
+          <a:bodyPr wrap="square" rtlCol="0">
+            <a:spAutoFit/>
+          </a:bodyPr>
+          <a:lstStyle/>
+          <a:p>
+            <a:pPr algn="ctr"/>
+            <a:r>
+              <a:rPr lang="es-PY" sz="2000" dirty="0">
+                <a:latin typeface="Impact" panose="020B0806030902050204" pitchFamily="34" charset="0"/>
+              </a:rPr>
+              <a:t>Protocolos de comunicación para </a:t>
+            </a:r>
+            <a:r>
+              <a:rPr lang="es-PY" sz="2000" dirty="0" smtClean="0">
+                <a:latin typeface="Impact" panose="020B0806030902050204" pitchFamily="34" charset="0"/>
+              </a:rPr>
+              <a:t>IoT</a:t>
+            </a:r>
+          </a:p>
+          <a:p>
+            <a:pPr marL="285750" indent="-285750">
+              <a:buFont typeface="Wingdings" panose="05000000000000000000" pitchFamily="2" charset="2"/>
+              <a:buChar char="ü"/>
+            </a:pPr>
+            <a:r>
+              <a:rPr lang="es-PY" dirty="0"/>
+              <a:t>Protocolos de comunicación para </a:t>
+            </a:r>
+            <a:r>
+              <a:rPr lang="es-PY" dirty="0" smtClean="0"/>
+              <a:t>IoT</a:t>
+            </a:r>
+          </a:p>
+          <a:p>
+            <a:pPr marL="285750" indent="-285750">
+              <a:buFont typeface="Wingdings" panose="05000000000000000000" pitchFamily="2" charset="2"/>
+              <a:buChar char="ü"/>
+            </a:pPr>
+            <a:r>
+              <a:rPr lang="es-PY" dirty="0"/>
+              <a:t>Protocolos TCP/IP</a:t>
+            </a:r>
+          </a:p>
+          <a:p>
+            <a:pPr marL="285750" indent="-285750">
+              <a:buFont typeface="Wingdings" panose="05000000000000000000" pitchFamily="2" charset="2"/>
+              <a:buChar char="ü"/>
+            </a:pPr>
+            <a:r>
+              <a:rPr lang="es-PY" dirty="0" smtClean="0"/>
+              <a:t>Protocolo </a:t>
+            </a:r>
+            <a:r>
+              <a:rPr lang="es-PY" dirty="0" err="1"/>
+              <a:t>CoAP</a:t>
+            </a:r>
+            <a:endParaRPr lang="es-PY" dirty="0"/>
+          </a:p>
+          <a:p>
+            <a:pPr marL="285750" indent="-285750">
+              <a:buFont typeface="Wingdings" panose="05000000000000000000" pitchFamily="2" charset="2"/>
+              <a:buChar char="ü"/>
+            </a:pPr>
+            <a:r>
+              <a:rPr lang="es-PY" dirty="0" smtClean="0"/>
+              <a:t>Protocolo </a:t>
+            </a:r>
+            <a:r>
+              <a:rPr lang="es-PY" dirty="0"/>
+              <a:t>XMPP</a:t>
+            </a:r>
+          </a:p>
+          <a:p>
+            <a:pPr marL="285750" indent="-285750">
+              <a:buFont typeface="Wingdings" panose="05000000000000000000" pitchFamily="2" charset="2"/>
+              <a:buChar char="ü"/>
+            </a:pPr>
+            <a:r>
+              <a:rPr lang="es-PY" b="1" dirty="0" smtClean="0"/>
+              <a:t>Protocolo MQTT </a:t>
+            </a:r>
+            <a:r>
+              <a:rPr lang="es-PY" dirty="0"/>
+              <a:t>(</a:t>
+            </a:r>
+            <a:r>
+              <a:rPr lang="es-PY" dirty="0" err="1"/>
+              <a:t>Message</a:t>
+            </a:r>
+            <a:r>
+              <a:rPr lang="es-PY" dirty="0"/>
+              <a:t> </a:t>
+            </a:r>
+            <a:r>
+              <a:rPr lang="es-PY" dirty="0" err="1"/>
+              <a:t>Queue</a:t>
+            </a:r>
+            <a:r>
+              <a:rPr lang="es-PY" dirty="0"/>
+              <a:t> </a:t>
+            </a:r>
+            <a:r>
+              <a:rPr lang="es-PY" dirty="0" err="1"/>
+              <a:t>Telemetry</a:t>
+            </a:r>
+            <a:r>
+              <a:rPr lang="es-PY" dirty="0"/>
+              <a:t> </a:t>
+            </a:r>
+            <a:r>
+              <a:rPr lang="es-PY" dirty="0" err="1"/>
+              <a:t>Transport</a:t>
+            </a:r>
+            <a:r>
+              <a:rPr lang="es-PY" dirty="0"/>
+              <a:t>)</a:t>
+            </a:r>
+            <a:endParaRPr lang="es-PY" dirty="0"/>
+          </a:p>
+          <a:p>
+            <a:pPr marL="285750" indent="-285750">
+              <a:buFont typeface="Wingdings" panose="05000000000000000000" pitchFamily="2" charset="2"/>
+              <a:buChar char="ü"/>
+            </a:pPr>
+            <a:r>
+              <a:rPr lang="es-PY" dirty="0" smtClean="0"/>
+              <a:t>Protocolo SCP</a:t>
+            </a:r>
+            <a:endParaRPr lang="es-PY" dirty="0"/>
+          </a:p>
+          <a:p>
+            <a:pPr marL="285750" indent="-285750">
+              <a:buFont typeface="Wingdings" panose="05000000000000000000" pitchFamily="2" charset="2"/>
+              <a:buChar char="ü"/>
+            </a:pPr>
+            <a:r>
+              <a:rPr lang="es-PY" dirty="0" smtClean="0"/>
+              <a:t>Protocolo </a:t>
+            </a:r>
+            <a:r>
+              <a:rPr lang="es-PY" dirty="0"/>
+              <a:t>LwM2M</a:t>
+            </a:r>
+          </a:p>
+          <a:p>
+            <a:pPr marL="285750" indent="-285750">
+              <a:buFont typeface="Wingdings" panose="05000000000000000000" pitchFamily="2" charset="2"/>
+              <a:buChar char="ü"/>
+            </a:pPr>
+            <a:r>
+              <a:rPr lang="es-PY" dirty="0" smtClean="0"/>
+              <a:t>Protocolo </a:t>
+            </a:r>
+            <a:r>
+              <a:rPr lang="es-PY" dirty="0"/>
+              <a:t>STOMP</a:t>
+            </a:r>
+          </a:p>
+          <a:p>
+            <a:pPr marL="285750" indent="-285750">
+              <a:buFont typeface="Wingdings" panose="05000000000000000000" pitchFamily="2" charset="2"/>
+              <a:buChar char="ü"/>
+            </a:pPr>
+            <a:r>
+              <a:rPr lang="es-PY" dirty="0" smtClean="0"/>
+              <a:t>Protocolo </a:t>
+            </a:r>
+            <a:r>
+              <a:rPr lang="es-PY" dirty="0"/>
+              <a:t>ZEROMQ</a:t>
+            </a:r>
+          </a:p>
+          <a:p>
+            <a:pPr marL="285750" indent="-285750">
+              <a:buFont typeface="Wingdings" panose="05000000000000000000" pitchFamily="2" charset="2"/>
+              <a:buChar char="ü"/>
+            </a:pPr>
+            <a:r>
+              <a:rPr lang="es-PY" dirty="0" smtClean="0"/>
+              <a:t>Protocolo </a:t>
+            </a:r>
+            <a:r>
+              <a:rPr lang="es-PY" dirty="0"/>
+              <a:t>OPENWIRE</a:t>
+            </a:r>
+          </a:p>
+          <a:p>
+            <a:pPr marL="285750" indent="-285750">
+              <a:buFont typeface="Wingdings" panose="05000000000000000000" pitchFamily="2" charset="2"/>
+              <a:buChar char="ü"/>
+            </a:pPr>
+            <a:r>
+              <a:rPr lang="es-PY" dirty="0" smtClean="0"/>
+              <a:t>Protocolo </a:t>
+            </a:r>
+            <a:r>
+              <a:rPr lang="es-PY" dirty="0"/>
+              <a:t>AMQ</a:t>
+            </a:r>
+          </a:p>
+          <a:p>
+            <a:pPr marL="285750" indent="-285750">
+              <a:buFont typeface="Wingdings" panose="05000000000000000000" pitchFamily="2" charset="2"/>
+              <a:buChar char="ü"/>
+            </a:pPr>
+            <a:r>
+              <a:rPr lang="es-PY" dirty="0" smtClean="0"/>
+              <a:t>Protocolo </a:t>
+            </a:r>
+            <a:r>
+              <a:rPr lang="es-PY" dirty="0"/>
+              <a:t>REST</a:t>
+            </a:r>
+          </a:p>
+        </p:txBody>
+      </p:sp>
+    </p:spTree>
+    <p:extLst>
+      <p:ext uri="{BB962C8B-B14F-4D97-AF65-F5344CB8AC3E}">
+        <p14:creationId xmlns:p14="http://schemas.microsoft.com/office/powerpoint/2010/main" val="900450622"/>
+      </p:ext>
+    </p:extLst>
+  </p:cSld>
+  <p:clrMapOvr>
+    <a:masterClrMapping/>
+  </p:clrMapOvr>
 </p:sld>
 </file>
 
@@ -4318,8 +4956,8 @@
         </p:nvSpPr>
         <p:spPr>
           <a:xfrm>
-            <a:off x="251520" y="548680"/>
-            <a:ext cx="8496944" cy="3477875"/>
+            <a:off x="275423" y="836712"/>
+            <a:ext cx="8496944" cy="2800767"/>
           </a:xfrm>
           <a:prstGeom prst="rect">
             <a:avLst/>
@@ -4335,7 +4973,7 @@
             <a:pPr algn="ctr"/>
             <a:r>
               <a:rPr lang="es-PY" sz="4400" dirty="0" smtClean="0">
-                <a:latin typeface="Cooper Black" panose="0208090404030B020404" pitchFamily="18" charset="0"/>
+                <a:latin typeface="Impact" panose="020B0806030902050204" pitchFamily="34" charset="0"/>
               </a:rPr>
               <a:t>La </a:t>
             </a:r>
@@ -4344,18 +4982,18 @@
                 <a:solidFill>
                   <a:srgbClr val="FF0000"/>
                 </a:solidFill>
-                <a:latin typeface="Cooper Black" panose="0208090404030B020404" pitchFamily="18" charset="0"/>
+                <a:latin typeface="Impact" panose="020B0806030902050204" pitchFamily="34" charset="0"/>
               </a:rPr>
               <a:t>plataforma</a:t>
             </a:r>
             <a:r>
               <a:rPr lang="es-PY" sz="4400" dirty="0" smtClean="0">
-                <a:latin typeface="Cooper Black" panose="0208090404030B020404" pitchFamily="18" charset="0"/>
+                <a:latin typeface="Impact" panose="020B0806030902050204" pitchFamily="34" charset="0"/>
               </a:rPr>
               <a:t> sirve como una capa de integración para diferentes tipos de sensores, actuadores, dispositivos y aplicaciones.</a:t>
             </a:r>
             <a:endParaRPr lang="es-PY" sz="4400" dirty="0">
-              <a:latin typeface="Cooper Black" panose="0208090404030B020404" pitchFamily="18" charset="0"/>
+              <a:latin typeface="Impact" panose="020B0806030902050204" pitchFamily="34" charset="0"/>
             </a:endParaRPr>
           </a:p>
         </p:txBody>
@@ -4860,7 +5498,6 @@
               <a:rPr lang="es-PY" sz="2400" dirty="0"/>
               <a:t>://www.microsoft.com/en-us/internet-of-things/azure-iot-suite </a:t>
             </a:r>
-            <a:endParaRPr lang="es-PY" sz="2400" dirty="0"/>
           </a:p>
           <a:p>
             <a:r>

--- a/Plataformas de desarrollo IoT.pptx
+++ b/Plataformas de desarrollo IoT.pptx
@@ -12,10 +12,12 @@
     <p:sldId id="259" r:id="rId6"/>
     <p:sldId id="264" r:id="rId7"/>
     <p:sldId id="263" r:id="rId8"/>
-    <p:sldId id="265" r:id="rId9"/>
-    <p:sldId id="258" r:id="rId10"/>
-    <p:sldId id="260" r:id="rId11"/>
-    <p:sldId id="266" r:id="rId12"/>
+    <p:sldId id="267" r:id="rId9"/>
+    <p:sldId id="268" r:id="rId10"/>
+    <p:sldId id="265" r:id="rId11"/>
+    <p:sldId id="258" r:id="rId12"/>
+    <p:sldId id="260" r:id="rId13"/>
+    <p:sldId id="266" r:id="rId14"/>
   </p:sldIdLst>
   <p:sldSz cx="9144000" cy="6858000" type="screen4x3"/>
   <p:notesSz cx="6858000" cy="9144000"/>
@@ -115,6 +117,3921 @@
     </a:lvl9pPr>
   </p:defaultTextStyle>
 </p:presentation>
+</file>
+
+<file path=ppt/diagrams/colors1.xml><?xml version="1.0" encoding="utf-8"?>
+<dgm:colorsDef xmlns:dgm="http://schemas.openxmlformats.org/drawingml/2006/diagram" xmlns:a="http://schemas.openxmlformats.org/drawingml/2006/main" uniqueId="urn:microsoft.com/office/officeart/2005/8/colors/accent1_2">
+  <dgm:title val=""/>
+  <dgm:desc val=""/>
+  <dgm:catLst>
+    <dgm:cat type="accent1" pri="11200"/>
+  </dgm:catLst>
+  <dgm:styleLbl name="node0">
+    <dgm:fillClrLst meth="repeat">
+      <a:schemeClr val="accent1"/>
+    </dgm:fillClrLst>
+    <dgm:linClrLst meth="repeat">
+      <a:schemeClr val="lt1"/>
+    </dgm:linClrLst>
+    <dgm:effectClrLst/>
+    <dgm:txLinClrLst/>
+    <dgm:txFillClrLst/>
+    <dgm:txEffectClrLst/>
+  </dgm:styleLbl>
+  <dgm:styleLbl name="alignNode1">
+    <dgm:fillClrLst meth="repeat">
+      <a:schemeClr val="accent1"/>
+    </dgm:fillClrLst>
+    <dgm:linClrLst meth="repeat">
+      <a:schemeClr val="accent1"/>
+    </dgm:linClrLst>
+    <dgm:effectClrLst/>
+    <dgm:txLinClrLst/>
+    <dgm:txFillClrLst/>
+    <dgm:txEffectClrLst/>
+  </dgm:styleLbl>
+  <dgm:styleLbl name="node1">
+    <dgm:fillClrLst meth="repeat">
+      <a:schemeClr val="accent1"/>
+    </dgm:fillClrLst>
+    <dgm:linClrLst meth="repeat">
+      <a:schemeClr val="lt1"/>
+    </dgm:linClrLst>
+    <dgm:effectClrLst/>
+    <dgm:txLinClrLst/>
+    <dgm:txFillClrLst/>
+    <dgm:txEffectClrLst/>
+  </dgm:styleLbl>
+  <dgm:styleLbl name="lnNode1">
+    <dgm:fillClrLst meth="repeat">
+      <a:schemeClr val="accent1"/>
+    </dgm:fillClrLst>
+    <dgm:linClrLst meth="repeat">
+      <a:schemeClr val="lt1"/>
+    </dgm:linClrLst>
+    <dgm:effectClrLst/>
+    <dgm:txLinClrLst/>
+    <dgm:txFillClrLst/>
+    <dgm:txEffectClrLst/>
+  </dgm:styleLbl>
+  <dgm:styleLbl name="vennNode1">
+    <dgm:fillClrLst meth="repeat">
+      <a:schemeClr val="accent1">
+        <a:alpha val="50000"/>
+      </a:schemeClr>
+    </dgm:fillClrLst>
+    <dgm:linClrLst meth="repeat">
+      <a:schemeClr val="lt1"/>
+    </dgm:linClrLst>
+    <dgm:effectClrLst/>
+    <dgm:txLinClrLst/>
+    <dgm:txFillClrLst/>
+    <dgm:txEffectClrLst/>
+  </dgm:styleLbl>
+  <dgm:styleLbl name="node2">
+    <dgm:fillClrLst meth="repeat">
+      <a:schemeClr val="accent1"/>
+    </dgm:fillClrLst>
+    <dgm:linClrLst meth="repeat">
+      <a:schemeClr val="lt1"/>
+    </dgm:linClrLst>
+    <dgm:effectClrLst/>
+    <dgm:txLinClrLst/>
+    <dgm:txFillClrLst/>
+    <dgm:txEffectClrLst/>
+  </dgm:styleLbl>
+  <dgm:styleLbl name="node3">
+    <dgm:fillClrLst meth="repeat">
+      <a:schemeClr val="accent1"/>
+    </dgm:fillClrLst>
+    <dgm:linClrLst meth="repeat">
+      <a:schemeClr val="lt1"/>
+    </dgm:linClrLst>
+    <dgm:effectClrLst/>
+    <dgm:txLinClrLst/>
+    <dgm:txFillClrLst/>
+    <dgm:txEffectClrLst/>
+  </dgm:styleLbl>
+  <dgm:styleLbl name="node4">
+    <dgm:fillClrLst meth="repeat">
+      <a:schemeClr val="accent1"/>
+    </dgm:fillClrLst>
+    <dgm:linClrLst meth="repeat">
+      <a:schemeClr val="lt1"/>
+    </dgm:linClrLst>
+    <dgm:effectClrLst/>
+    <dgm:txLinClrLst/>
+    <dgm:txFillClrLst/>
+    <dgm:txEffectClrLst/>
+  </dgm:styleLbl>
+  <dgm:styleLbl name="fgImgPlace1">
+    <dgm:fillClrLst meth="repeat">
+      <a:schemeClr val="accent1">
+        <a:tint val="50000"/>
+      </a:schemeClr>
+    </dgm:fillClrLst>
+    <dgm:linClrLst meth="repeat">
+      <a:schemeClr val="lt1"/>
+    </dgm:linClrLst>
+    <dgm:effectClrLst/>
+    <dgm:txLinClrLst/>
+    <dgm:txFillClrLst meth="repeat">
+      <a:schemeClr val="lt1"/>
+    </dgm:txFillClrLst>
+    <dgm:txEffectClrLst/>
+  </dgm:styleLbl>
+  <dgm:styleLbl name="alignImgPlace1">
+    <dgm:fillClrLst meth="repeat">
+      <a:schemeClr val="accent1">
+        <a:tint val="50000"/>
+      </a:schemeClr>
+    </dgm:fillClrLst>
+    <dgm:linClrLst meth="repeat">
+      <a:schemeClr val="lt1"/>
+    </dgm:linClrLst>
+    <dgm:effectClrLst/>
+    <dgm:txLinClrLst/>
+    <dgm:txFillClrLst meth="repeat">
+      <a:schemeClr val="lt1"/>
+    </dgm:txFillClrLst>
+    <dgm:txEffectClrLst/>
+  </dgm:styleLbl>
+  <dgm:styleLbl name="bgImgPlace1">
+    <dgm:fillClrLst meth="repeat">
+      <a:schemeClr val="accent1">
+        <a:tint val="50000"/>
+      </a:schemeClr>
+    </dgm:fillClrLst>
+    <dgm:linClrLst meth="repeat">
+      <a:schemeClr val="lt1"/>
+    </dgm:linClrLst>
+    <dgm:effectClrLst/>
+    <dgm:txLinClrLst/>
+    <dgm:txFillClrLst meth="repeat">
+      <a:schemeClr val="lt1"/>
+    </dgm:txFillClrLst>
+    <dgm:txEffectClrLst/>
+  </dgm:styleLbl>
+  <dgm:styleLbl name="sibTrans2D1">
+    <dgm:fillClrLst meth="repeat">
+      <a:schemeClr val="accent1">
+        <a:tint val="60000"/>
+      </a:schemeClr>
+    </dgm:fillClrLst>
+    <dgm:linClrLst meth="repeat">
+      <a:schemeClr val="accent1">
+        <a:tint val="60000"/>
+      </a:schemeClr>
+    </dgm:linClrLst>
+    <dgm:effectClrLst/>
+    <dgm:txLinClrLst/>
+    <dgm:txFillClrLst/>
+    <dgm:txEffectClrLst/>
+  </dgm:styleLbl>
+  <dgm:styleLbl name="fgSibTrans2D1">
+    <dgm:fillClrLst meth="repeat">
+      <a:schemeClr val="accent1">
+        <a:tint val="60000"/>
+      </a:schemeClr>
+    </dgm:fillClrLst>
+    <dgm:linClrLst meth="repeat">
+      <a:schemeClr val="accent1">
+        <a:tint val="60000"/>
+      </a:schemeClr>
+    </dgm:linClrLst>
+    <dgm:effectClrLst/>
+    <dgm:txLinClrLst/>
+    <dgm:txFillClrLst/>
+    <dgm:txEffectClrLst/>
+  </dgm:styleLbl>
+  <dgm:styleLbl name="bgSibTrans2D1">
+    <dgm:fillClrLst meth="repeat">
+      <a:schemeClr val="accent1">
+        <a:tint val="60000"/>
+      </a:schemeClr>
+    </dgm:fillClrLst>
+    <dgm:linClrLst meth="repeat">
+      <a:schemeClr val="accent1">
+        <a:tint val="60000"/>
+      </a:schemeClr>
+    </dgm:linClrLst>
+    <dgm:effectClrLst/>
+    <dgm:txLinClrLst/>
+    <dgm:txFillClrLst/>
+    <dgm:txEffectClrLst/>
+  </dgm:styleLbl>
+  <dgm:styleLbl name="sibTrans1D1">
+    <dgm:fillClrLst meth="repeat">
+      <a:schemeClr val="accent1"/>
+    </dgm:fillClrLst>
+    <dgm:linClrLst meth="repeat">
+      <a:schemeClr val="accent1"/>
+    </dgm:linClrLst>
+    <dgm:effectClrLst/>
+    <dgm:txLinClrLst/>
+    <dgm:txFillClrLst meth="repeat">
+      <a:schemeClr val="tx1"/>
+    </dgm:txFillClrLst>
+    <dgm:txEffectClrLst/>
+  </dgm:styleLbl>
+  <dgm:styleLbl name="callout">
+    <dgm:fillClrLst meth="repeat">
+      <a:schemeClr val="accent1"/>
+    </dgm:fillClrLst>
+    <dgm:linClrLst meth="repeat">
+      <a:schemeClr val="accent1">
+        <a:tint val="50000"/>
+      </a:schemeClr>
+    </dgm:linClrLst>
+    <dgm:effectClrLst/>
+    <dgm:txLinClrLst/>
+    <dgm:txFillClrLst meth="repeat">
+      <a:schemeClr val="tx1"/>
+    </dgm:txFillClrLst>
+    <dgm:txEffectClrLst/>
+  </dgm:styleLbl>
+  <dgm:styleLbl name="asst0">
+    <dgm:fillClrLst meth="repeat">
+      <a:schemeClr val="accent1"/>
+    </dgm:fillClrLst>
+    <dgm:linClrLst meth="repeat">
+      <a:schemeClr val="lt1"/>
+    </dgm:linClrLst>
+    <dgm:effectClrLst/>
+    <dgm:txLinClrLst/>
+    <dgm:txFillClrLst/>
+    <dgm:txEffectClrLst/>
+  </dgm:styleLbl>
+  <dgm:styleLbl name="asst1">
+    <dgm:fillClrLst meth="repeat">
+      <a:schemeClr val="accent1"/>
+    </dgm:fillClrLst>
+    <dgm:linClrLst meth="repeat">
+      <a:schemeClr val="lt1"/>
+    </dgm:linClrLst>
+    <dgm:effectClrLst/>
+    <dgm:txLinClrLst/>
+    <dgm:txFillClrLst/>
+    <dgm:txEffectClrLst/>
+  </dgm:styleLbl>
+  <dgm:styleLbl name="asst2">
+    <dgm:fillClrLst meth="repeat">
+      <a:schemeClr val="accent1"/>
+    </dgm:fillClrLst>
+    <dgm:linClrLst meth="repeat">
+      <a:schemeClr val="lt1"/>
+    </dgm:linClrLst>
+    <dgm:effectClrLst/>
+    <dgm:txLinClrLst/>
+    <dgm:txFillClrLst/>
+    <dgm:txEffectClrLst/>
+  </dgm:styleLbl>
+  <dgm:styleLbl name="asst3">
+    <dgm:fillClrLst meth="repeat">
+      <a:schemeClr val="accent1"/>
+    </dgm:fillClrLst>
+    <dgm:linClrLst meth="repeat">
+      <a:schemeClr val="lt1"/>
+    </dgm:linClrLst>
+    <dgm:effectClrLst/>
+    <dgm:txLinClrLst/>
+    <dgm:txFillClrLst/>
+    <dgm:txEffectClrLst/>
+  </dgm:styleLbl>
+  <dgm:styleLbl name="asst4">
+    <dgm:fillClrLst meth="repeat">
+      <a:schemeClr val="accent1"/>
+    </dgm:fillClrLst>
+    <dgm:linClrLst meth="repeat">
+      <a:schemeClr val="lt1"/>
+    </dgm:linClrLst>
+    <dgm:effectClrLst/>
+    <dgm:txLinClrLst/>
+    <dgm:txFillClrLst/>
+    <dgm:txEffectClrLst/>
+  </dgm:styleLbl>
+  <dgm:styleLbl name="parChTrans2D1">
+    <dgm:fillClrLst meth="repeat">
+      <a:schemeClr val="accent1">
+        <a:tint val="60000"/>
+      </a:schemeClr>
+    </dgm:fillClrLst>
+    <dgm:linClrLst meth="repeat">
+      <a:schemeClr val="accent1">
+        <a:tint val="60000"/>
+      </a:schemeClr>
+    </dgm:linClrLst>
+    <dgm:effectClrLst/>
+    <dgm:txLinClrLst/>
+    <dgm:txFillClrLst meth="repeat">
+      <a:schemeClr val="lt1"/>
+    </dgm:txFillClrLst>
+    <dgm:txEffectClrLst/>
+  </dgm:styleLbl>
+  <dgm:styleLbl name="parChTrans2D2">
+    <dgm:fillClrLst meth="repeat">
+      <a:schemeClr val="accent1"/>
+    </dgm:fillClrLst>
+    <dgm:linClrLst meth="repeat">
+      <a:schemeClr val="accent1"/>
+    </dgm:linClrLst>
+    <dgm:effectClrLst/>
+    <dgm:txLinClrLst/>
+    <dgm:txFillClrLst meth="repeat">
+      <a:schemeClr val="lt1"/>
+    </dgm:txFillClrLst>
+    <dgm:txEffectClrLst/>
+  </dgm:styleLbl>
+  <dgm:styleLbl name="parChTrans2D3">
+    <dgm:fillClrLst meth="repeat">
+      <a:schemeClr val="accent1"/>
+    </dgm:fillClrLst>
+    <dgm:linClrLst meth="repeat">
+      <a:schemeClr val="accent1"/>
+    </dgm:linClrLst>
+    <dgm:effectClrLst/>
+    <dgm:txLinClrLst/>
+    <dgm:txFillClrLst meth="repeat">
+      <a:schemeClr val="lt1"/>
+    </dgm:txFillClrLst>
+    <dgm:txEffectClrLst/>
+  </dgm:styleLbl>
+  <dgm:styleLbl name="parChTrans2D4">
+    <dgm:fillClrLst meth="repeat">
+      <a:schemeClr val="accent1"/>
+    </dgm:fillClrLst>
+    <dgm:linClrLst meth="repeat">
+      <a:schemeClr val="accent1"/>
+    </dgm:linClrLst>
+    <dgm:effectClrLst/>
+    <dgm:txLinClrLst/>
+    <dgm:txFillClrLst meth="repeat">
+      <a:schemeClr val="lt1"/>
+    </dgm:txFillClrLst>
+    <dgm:txEffectClrLst/>
+  </dgm:styleLbl>
+  <dgm:styleLbl name="parChTrans1D1">
+    <dgm:fillClrLst meth="repeat">
+      <a:schemeClr val="accent1"/>
+    </dgm:fillClrLst>
+    <dgm:linClrLst meth="repeat">
+      <a:schemeClr val="accent1">
+        <a:shade val="60000"/>
+      </a:schemeClr>
+    </dgm:linClrLst>
+    <dgm:effectClrLst/>
+    <dgm:txLinClrLst/>
+    <dgm:txFillClrLst meth="repeat">
+      <a:schemeClr val="tx1"/>
+    </dgm:txFillClrLst>
+    <dgm:txEffectClrLst/>
+  </dgm:styleLbl>
+  <dgm:styleLbl name="parChTrans1D2">
+    <dgm:fillClrLst meth="repeat">
+      <a:schemeClr val="accent1"/>
+    </dgm:fillClrLst>
+    <dgm:linClrLst meth="repeat">
+      <a:schemeClr val="accent1">
+        <a:shade val="60000"/>
+      </a:schemeClr>
+    </dgm:linClrLst>
+    <dgm:effectClrLst/>
+    <dgm:txLinClrLst/>
+    <dgm:txFillClrLst meth="repeat">
+      <a:schemeClr val="tx1"/>
+    </dgm:txFillClrLst>
+    <dgm:txEffectClrLst/>
+  </dgm:styleLbl>
+  <dgm:styleLbl name="parChTrans1D3">
+    <dgm:fillClrLst meth="repeat">
+      <a:schemeClr val="accent1"/>
+    </dgm:fillClrLst>
+    <dgm:linClrLst meth="repeat">
+      <a:schemeClr val="accent1">
+        <a:shade val="80000"/>
+      </a:schemeClr>
+    </dgm:linClrLst>
+    <dgm:effectClrLst/>
+    <dgm:txLinClrLst/>
+    <dgm:txFillClrLst meth="repeat">
+      <a:schemeClr val="tx1"/>
+    </dgm:txFillClrLst>
+    <dgm:txEffectClrLst/>
+  </dgm:styleLbl>
+  <dgm:styleLbl name="parChTrans1D4">
+    <dgm:fillClrLst meth="repeat">
+      <a:schemeClr val="accent1"/>
+    </dgm:fillClrLst>
+    <dgm:linClrLst meth="repeat">
+      <a:schemeClr val="accent1">
+        <a:shade val="80000"/>
+      </a:schemeClr>
+    </dgm:linClrLst>
+    <dgm:effectClrLst/>
+    <dgm:txLinClrLst/>
+    <dgm:txFillClrLst meth="repeat">
+      <a:schemeClr val="tx1"/>
+    </dgm:txFillClrLst>
+    <dgm:txEffectClrLst/>
+  </dgm:styleLbl>
+  <dgm:styleLbl name="fgAcc1">
+    <dgm:fillClrLst meth="repeat">
+      <a:schemeClr val="lt1">
+        <a:alpha val="90000"/>
+      </a:schemeClr>
+    </dgm:fillClrLst>
+    <dgm:linClrLst meth="repeat">
+      <a:schemeClr val="accent1"/>
+    </dgm:linClrLst>
+    <dgm:effectClrLst/>
+    <dgm:txLinClrLst/>
+    <dgm:txFillClrLst meth="repeat">
+      <a:schemeClr val="dk1"/>
+    </dgm:txFillClrLst>
+    <dgm:txEffectClrLst/>
+  </dgm:styleLbl>
+  <dgm:styleLbl name="conFgAcc1">
+    <dgm:fillClrLst meth="repeat">
+      <a:schemeClr val="lt1">
+        <a:alpha val="90000"/>
+      </a:schemeClr>
+    </dgm:fillClrLst>
+    <dgm:linClrLst meth="repeat">
+      <a:schemeClr val="accent1"/>
+    </dgm:linClrLst>
+    <dgm:effectClrLst/>
+    <dgm:txLinClrLst/>
+    <dgm:txFillClrLst meth="repeat">
+      <a:schemeClr val="dk1"/>
+    </dgm:txFillClrLst>
+    <dgm:txEffectClrLst/>
+  </dgm:styleLbl>
+  <dgm:styleLbl name="alignAcc1">
+    <dgm:fillClrLst meth="repeat">
+      <a:schemeClr val="lt1">
+        <a:alpha val="90000"/>
+      </a:schemeClr>
+    </dgm:fillClrLst>
+    <dgm:linClrLst meth="repeat">
+      <a:schemeClr val="accent1"/>
+    </dgm:linClrLst>
+    <dgm:effectClrLst/>
+    <dgm:txLinClrLst/>
+    <dgm:txFillClrLst meth="repeat">
+      <a:schemeClr val="dk1"/>
+    </dgm:txFillClrLst>
+    <dgm:txEffectClrLst/>
+  </dgm:styleLbl>
+  <dgm:styleLbl name="trAlignAcc1">
+    <dgm:fillClrLst meth="repeat">
+      <a:schemeClr val="lt1">
+        <a:alpha val="40000"/>
+      </a:schemeClr>
+    </dgm:fillClrLst>
+    <dgm:linClrLst meth="repeat">
+      <a:schemeClr val="accent1"/>
+    </dgm:linClrLst>
+    <dgm:effectClrLst/>
+    <dgm:txLinClrLst/>
+    <dgm:txFillClrLst meth="repeat">
+      <a:schemeClr val="dk1"/>
+    </dgm:txFillClrLst>
+    <dgm:txEffectClrLst/>
+  </dgm:styleLbl>
+  <dgm:styleLbl name="bgAcc1">
+    <dgm:fillClrLst meth="repeat">
+      <a:schemeClr val="lt1">
+        <a:alpha val="90000"/>
+      </a:schemeClr>
+    </dgm:fillClrLst>
+    <dgm:linClrLst meth="repeat">
+      <a:schemeClr val="accent1"/>
+    </dgm:linClrLst>
+    <dgm:effectClrLst/>
+    <dgm:txLinClrLst/>
+    <dgm:txFillClrLst meth="repeat">
+      <a:schemeClr val="dk1"/>
+    </dgm:txFillClrLst>
+    <dgm:txEffectClrLst/>
+  </dgm:styleLbl>
+  <dgm:styleLbl name="solidFgAcc1">
+    <dgm:fillClrLst meth="repeat">
+      <a:schemeClr val="lt1"/>
+    </dgm:fillClrLst>
+    <dgm:linClrLst meth="repeat">
+      <a:schemeClr val="accent1"/>
+    </dgm:linClrLst>
+    <dgm:effectClrLst/>
+    <dgm:txLinClrLst/>
+    <dgm:txFillClrLst meth="repeat">
+      <a:schemeClr val="dk1"/>
+    </dgm:txFillClrLst>
+    <dgm:txEffectClrLst/>
+  </dgm:styleLbl>
+  <dgm:styleLbl name="solidAlignAcc1">
+    <dgm:fillClrLst meth="repeat">
+      <a:schemeClr val="lt1"/>
+    </dgm:fillClrLst>
+    <dgm:linClrLst meth="repeat">
+      <a:schemeClr val="accent1"/>
+    </dgm:linClrLst>
+    <dgm:effectClrLst/>
+    <dgm:txLinClrLst/>
+    <dgm:txFillClrLst meth="repeat">
+      <a:schemeClr val="dk1"/>
+    </dgm:txFillClrLst>
+    <dgm:txEffectClrLst/>
+  </dgm:styleLbl>
+  <dgm:styleLbl name="solidBgAcc1">
+    <dgm:fillClrLst meth="repeat">
+      <a:schemeClr val="lt1"/>
+    </dgm:fillClrLst>
+    <dgm:linClrLst meth="repeat">
+      <a:schemeClr val="accent1"/>
+    </dgm:linClrLst>
+    <dgm:effectClrLst/>
+    <dgm:txLinClrLst/>
+    <dgm:txFillClrLst meth="repeat">
+      <a:schemeClr val="dk1"/>
+    </dgm:txFillClrLst>
+    <dgm:txEffectClrLst/>
+  </dgm:styleLbl>
+  <dgm:styleLbl name="fgAccFollowNode1">
+    <dgm:fillClrLst meth="repeat">
+      <a:schemeClr val="accent1">
+        <a:alpha val="90000"/>
+        <a:tint val="40000"/>
+      </a:schemeClr>
+    </dgm:fillClrLst>
+    <dgm:linClrLst meth="repeat">
+      <a:schemeClr val="accent1">
+        <a:alpha val="90000"/>
+        <a:tint val="40000"/>
+      </a:schemeClr>
+    </dgm:linClrLst>
+    <dgm:effectClrLst/>
+    <dgm:txLinClrLst/>
+    <dgm:txFillClrLst meth="repeat">
+      <a:schemeClr val="dk1"/>
+    </dgm:txFillClrLst>
+    <dgm:txEffectClrLst/>
+  </dgm:styleLbl>
+  <dgm:styleLbl name="alignAccFollowNode1">
+    <dgm:fillClrLst meth="repeat">
+      <a:schemeClr val="accent1">
+        <a:alpha val="90000"/>
+        <a:tint val="40000"/>
+      </a:schemeClr>
+    </dgm:fillClrLst>
+    <dgm:linClrLst meth="repeat">
+      <a:schemeClr val="accent1">
+        <a:alpha val="90000"/>
+        <a:tint val="40000"/>
+      </a:schemeClr>
+    </dgm:linClrLst>
+    <dgm:effectClrLst/>
+    <dgm:txLinClrLst/>
+    <dgm:txFillClrLst meth="repeat">
+      <a:schemeClr val="dk1"/>
+    </dgm:txFillClrLst>
+    <dgm:txEffectClrLst/>
+  </dgm:styleLbl>
+  <dgm:styleLbl name="bgAccFollowNode1">
+    <dgm:fillClrLst meth="repeat">
+      <a:schemeClr val="accent1">
+        <a:alpha val="90000"/>
+        <a:tint val="40000"/>
+      </a:schemeClr>
+    </dgm:fillClrLst>
+    <dgm:linClrLst meth="repeat">
+      <a:schemeClr val="accent1">
+        <a:alpha val="90000"/>
+        <a:tint val="40000"/>
+      </a:schemeClr>
+    </dgm:linClrLst>
+    <dgm:effectClrLst/>
+    <dgm:txLinClrLst/>
+    <dgm:txFillClrLst meth="repeat">
+      <a:schemeClr val="dk1"/>
+    </dgm:txFillClrLst>
+    <dgm:txEffectClrLst/>
+  </dgm:styleLbl>
+  <dgm:styleLbl name="fgAcc0">
+    <dgm:fillClrLst meth="repeat">
+      <a:schemeClr val="lt1">
+        <a:alpha val="90000"/>
+      </a:schemeClr>
+    </dgm:fillClrLst>
+    <dgm:linClrLst meth="repeat">
+      <a:schemeClr val="accent1"/>
+    </dgm:linClrLst>
+    <dgm:effectClrLst/>
+    <dgm:txLinClrLst/>
+    <dgm:txFillClrLst meth="repeat">
+      <a:schemeClr val="dk1"/>
+    </dgm:txFillClrLst>
+    <dgm:txEffectClrLst/>
+  </dgm:styleLbl>
+  <dgm:styleLbl name="fgAcc2">
+    <dgm:fillClrLst meth="repeat">
+      <a:schemeClr val="lt1">
+        <a:alpha val="90000"/>
+      </a:schemeClr>
+    </dgm:fillClrLst>
+    <dgm:linClrLst meth="repeat">
+      <a:schemeClr val="accent1"/>
+    </dgm:linClrLst>
+    <dgm:effectClrLst/>
+    <dgm:txLinClrLst/>
+    <dgm:txFillClrLst meth="repeat">
+      <a:schemeClr val="dk1"/>
+    </dgm:txFillClrLst>
+    <dgm:txEffectClrLst/>
+  </dgm:styleLbl>
+  <dgm:styleLbl name="fgAcc3">
+    <dgm:fillClrLst meth="repeat">
+      <a:schemeClr val="lt1">
+        <a:alpha val="90000"/>
+      </a:schemeClr>
+    </dgm:fillClrLst>
+    <dgm:linClrLst meth="repeat">
+      <a:schemeClr val="accent1"/>
+    </dgm:linClrLst>
+    <dgm:effectClrLst/>
+    <dgm:txLinClrLst/>
+    <dgm:txFillClrLst meth="repeat">
+      <a:schemeClr val="dk1"/>
+    </dgm:txFillClrLst>
+    <dgm:txEffectClrLst/>
+  </dgm:styleLbl>
+  <dgm:styleLbl name="fgAcc4">
+    <dgm:fillClrLst meth="repeat">
+      <a:schemeClr val="lt1">
+        <a:alpha val="90000"/>
+      </a:schemeClr>
+    </dgm:fillClrLst>
+    <dgm:linClrLst meth="repeat">
+      <a:schemeClr val="accent1"/>
+    </dgm:linClrLst>
+    <dgm:effectClrLst/>
+    <dgm:txLinClrLst/>
+    <dgm:txFillClrLst meth="repeat">
+      <a:schemeClr val="dk1"/>
+    </dgm:txFillClrLst>
+    <dgm:txEffectClrLst/>
+  </dgm:styleLbl>
+  <dgm:styleLbl name="bgShp">
+    <dgm:fillClrLst meth="repeat">
+      <a:schemeClr val="accent1">
+        <a:tint val="40000"/>
+      </a:schemeClr>
+    </dgm:fillClrLst>
+    <dgm:linClrLst meth="repeat">
+      <a:schemeClr val="accent1"/>
+    </dgm:linClrLst>
+    <dgm:effectClrLst/>
+    <dgm:txLinClrLst/>
+    <dgm:txFillClrLst meth="repeat">
+      <a:schemeClr val="dk1"/>
+    </dgm:txFillClrLst>
+    <dgm:txEffectClrLst/>
+  </dgm:styleLbl>
+  <dgm:styleLbl name="dkBgShp">
+    <dgm:fillClrLst meth="repeat">
+      <a:schemeClr val="accent1">
+        <a:shade val="80000"/>
+      </a:schemeClr>
+    </dgm:fillClrLst>
+    <dgm:linClrLst meth="repeat">
+      <a:schemeClr val="accent1"/>
+    </dgm:linClrLst>
+    <dgm:effectClrLst/>
+    <dgm:txLinClrLst/>
+    <dgm:txFillClrLst meth="repeat">
+      <a:schemeClr val="lt1"/>
+    </dgm:txFillClrLst>
+    <dgm:txEffectClrLst/>
+  </dgm:styleLbl>
+  <dgm:styleLbl name="trBgShp">
+    <dgm:fillClrLst meth="repeat">
+      <a:schemeClr val="accent1">
+        <a:tint val="50000"/>
+        <a:alpha val="40000"/>
+      </a:schemeClr>
+    </dgm:fillClrLst>
+    <dgm:linClrLst meth="repeat">
+      <a:schemeClr val="accent1"/>
+    </dgm:linClrLst>
+    <dgm:effectClrLst/>
+    <dgm:txLinClrLst/>
+    <dgm:txFillClrLst meth="repeat">
+      <a:schemeClr val="lt1"/>
+    </dgm:txFillClrLst>
+    <dgm:txEffectClrLst/>
+  </dgm:styleLbl>
+  <dgm:styleLbl name="fgShp">
+    <dgm:fillClrLst meth="repeat">
+      <a:schemeClr val="accent1">
+        <a:tint val="60000"/>
+      </a:schemeClr>
+    </dgm:fillClrLst>
+    <dgm:linClrLst meth="repeat">
+      <a:schemeClr val="lt1"/>
+    </dgm:linClrLst>
+    <dgm:effectClrLst/>
+    <dgm:txLinClrLst/>
+    <dgm:txFillClrLst meth="repeat">
+      <a:schemeClr val="dk1"/>
+    </dgm:txFillClrLst>
+    <dgm:txEffectClrLst/>
+  </dgm:styleLbl>
+  <dgm:styleLbl name="revTx">
+    <dgm:fillClrLst meth="repeat">
+      <a:schemeClr val="lt1">
+        <a:alpha val="0"/>
+      </a:schemeClr>
+    </dgm:fillClrLst>
+    <dgm:linClrLst meth="repeat">
+      <a:schemeClr val="dk1">
+        <a:alpha val="0"/>
+      </a:schemeClr>
+    </dgm:linClrLst>
+    <dgm:effectClrLst/>
+    <dgm:txLinClrLst/>
+    <dgm:txFillClrLst meth="repeat">
+      <a:schemeClr val="tx1"/>
+    </dgm:txFillClrLst>
+    <dgm:txEffectClrLst/>
+  </dgm:styleLbl>
+</dgm:colorsDef>
+</file>
+
+<file path=ppt/diagrams/data1.xml><?xml version="1.0" encoding="utf-8"?>
+<dgm:dataModel xmlns:dgm="http://schemas.openxmlformats.org/drawingml/2006/diagram" xmlns:a="http://schemas.openxmlformats.org/drawingml/2006/main">
+  <dgm:ptLst>
+    <dgm:pt modelId="{0FFAA096-A18F-457F-AA79-2619AEFE948D}" type="doc">
+      <dgm:prSet loTypeId="urn:microsoft.com/office/officeart/2005/8/layout/hierarchy1" loCatId="hierarchy" qsTypeId="urn:microsoft.com/office/officeart/2005/8/quickstyle/simple1" qsCatId="simple" csTypeId="urn:microsoft.com/office/officeart/2005/8/colors/accent1_2" csCatId="accent1" phldr="1"/>
+      <dgm:spPr/>
+      <dgm:t>
+        <a:bodyPr/>
+        <a:lstStyle/>
+        <a:p>
+          <a:endParaRPr lang="es-PY"/>
+        </a:p>
+      </dgm:t>
+    </dgm:pt>
+    <dgm:pt modelId="{FC32C9B1-C8AD-40BA-8622-EB93A5431CBE}">
+      <dgm:prSet phldrT="[Texto]"/>
+      <dgm:spPr/>
+      <dgm:t>
+        <a:bodyPr/>
+        <a:lstStyle/>
+        <a:p>
+          <a:r>
+            <a:rPr lang="es-PY" dirty="0" smtClean="0"/>
+            <a:t>API</a:t>
+          </a:r>
+          <a:endParaRPr lang="es-PY" dirty="0"/>
+        </a:p>
+      </dgm:t>
+    </dgm:pt>
+    <dgm:pt modelId="{A775944E-AF26-4939-AAFB-8798BEB59C73}" type="parTrans" cxnId="{DE661C86-1B87-4B70-A8FF-0A0E59115A2A}">
+      <dgm:prSet/>
+      <dgm:spPr/>
+      <dgm:t>
+        <a:bodyPr/>
+        <a:lstStyle/>
+        <a:p>
+          <a:endParaRPr lang="es-PY"/>
+        </a:p>
+      </dgm:t>
+    </dgm:pt>
+    <dgm:pt modelId="{24D9F964-B582-4FE8-8E40-517FCE7A4F2A}" type="sibTrans" cxnId="{DE661C86-1B87-4B70-A8FF-0A0E59115A2A}">
+      <dgm:prSet/>
+      <dgm:spPr/>
+      <dgm:t>
+        <a:bodyPr/>
+        <a:lstStyle/>
+        <a:p>
+          <a:endParaRPr lang="es-PY"/>
+        </a:p>
+      </dgm:t>
+    </dgm:pt>
+    <dgm:pt modelId="{5A5F1D39-2A95-44FE-B9E8-FF438C205178}">
+      <dgm:prSet phldrT="[Texto]"/>
+      <dgm:spPr/>
+      <dgm:t>
+        <a:bodyPr/>
+        <a:lstStyle/>
+        <a:p>
+          <a:r>
+            <a:rPr lang="es-PY" dirty="0" smtClean="0"/>
+            <a:t>Tablet</a:t>
+          </a:r>
+          <a:endParaRPr lang="es-PY" dirty="0"/>
+        </a:p>
+      </dgm:t>
+    </dgm:pt>
+    <dgm:pt modelId="{8B786F7D-359B-4503-83D0-2C089C59A394}" type="parTrans" cxnId="{31FB481C-C5F3-46D2-A1E2-37FC8AE13151}">
+      <dgm:prSet/>
+      <dgm:spPr/>
+      <dgm:t>
+        <a:bodyPr/>
+        <a:lstStyle/>
+        <a:p>
+          <a:endParaRPr lang="es-PY"/>
+        </a:p>
+      </dgm:t>
+    </dgm:pt>
+    <dgm:pt modelId="{C3DD58F2-D9F4-416B-B5BB-AAB85869AACC}" type="sibTrans" cxnId="{31FB481C-C5F3-46D2-A1E2-37FC8AE13151}">
+      <dgm:prSet/>
+      <dgm:spPr/>
+      <dgm:t>
+        <a:bodyPr/>
+        <a:lstStyle/>
+        <a:p>
+          <a:endParaRPr lang="es-PY"/>
+        </a:p>
+      </dgm:t>
+    </dgm:pt>
+    <dgm:pt modelId="{F8873718-7458-4417-AF82-3DEB3327377A}">
+      <dgm:prSet phldrT="[Texto]"/>
+      <dgm:spPr/>
+      <dgm:t>
+        <a:bodyPr/>
+        <a:lstStyle/>
+        <a:p>
+          <a:r>
+            <a:rPr lang="es-PY" dirty="0" smtClean="0"/>
+            <a:t>PC</a:t>
+          </a:r>
+          <a:endParaRPr lang="es-PY" dirty="0"/>
+        </a:p>
+      </dgm:t>
+    </dgm:pt>
+    <dgm:pt modelId="{D16FB7D9-9100-49F8-BF9A-85CD0C86872A}" type="parTrans" cxnId="{B0FC15F4-188E-428D-B56D-F97F04E37726}">
+      <dgm:prSet/>
+      <dgm:spPr/>
+      <dgm:t>
+        <a:bodyPr/>
+        <a:lstStyle/>
+        <a:p>
+          <a:endParaRPr lang="es-PY"/>
+        </a:p>
+      </dgm:t>
+    </dgm:pt>
+    <dgm:pt modelId="{09A3605E-438C-48E6-B576-A09144E1C82D}" type="sibTrans" cxnId="{B0FC15F4-188E-428D-B56D-F97F04E37726}">
+      <dgm:prSet/>
+      <dgm:spPr/>
+      <dgm:t>
+        <a:bodyPr/>
+        <a:lstStyle/>
+        <a:p>
+          <a:endParaRPr lang="es-PY"/>
+        </a:p>
+      </dgm:t>
+    </dgm:pt>
+    <dgm:pt modelId="{DF5B6B5A-B676-4AFE-B274-183F1DCA4B90}">
+      <dgm:prSet phldrT="[Texto]"/>
+      <dgm:spPr/>
+      <dgm:t>
+        <a:bodyPr/>
+        <a:lstStyle/>
+        <a:p>
+          <a:r>
+            <a:rPr lang="es-PY" dirty="0" err="1" smtClean="0"/>
+            <a:t>Movil</a:t>
+          </a:r>
+          <a:endParaRPr lang="es-PY" dirty="0"/>
+        </a:p>
+      </dgm:t>
+    </dgm:pt>
+    <dgm:pt modelId="{66FED8AB-0D48-4DA4-A053-8EF1538F6F9D}" type="sibTrans" cxnId="{238CAE91-841B-4D7B-B66C-62557DD8D39F}">
+      <dgm:prSet/>
+      <dgm:spPr/>
+      <dgm:t>
+        <a:bodyPr/>
+        <a:lstStyle/>
+        <a:p>
+          <a:endParaRPr lang="es-PY"/>
+        </a:p>
+      </dgm:t>
+    </dgm:pt>
+    <dgm:pt modelId="{8D03059F-2E91-4B5B-9EF2-A5D989227618}" type="parTrans" cxnId="{238CAE91-841B-4D7B-B66C-62557DD8D39F}">
+      <dgm:prSet/>
+      <dgm:spPr/>
+      <dgm:t>
+        <a:bodyPr/>
+        <a:lstStyle/>
+        <a:p>
+          <a:endParaRPr lang="es-PY"/>
+        </a:p>
+      </dgm:t>
+    </dgm:pt>
+    <dgm:pt modelId="{77CD8BFD-831D-4FFA-B89A-7CF586FF8889}">
+      <dgm:prSet/>
+      <dgm:spPr/>
+      <dgm:t>
+        <a:bodyPr/>
+        <a:lstStyle/>
+        <a:p>
+          <a:r>
+            <a:rPr lang="es-PY" dirty="0" smtClean="0"/>
+            <a:t>Cloud</a:t>
+          </a:r>
+          <a:endParaRPr lang="es-PY" dirty="0"/>
+        </a:p>
+      </dgm:t>
+    </dgm:pt>
+    <dgm:pt modelId="{A4A53AAD-2B34-47C9-A719-C8A05C66596C}" type="parTrans" cxnId="{758477AE-B740-40C6-A757-6842515D2796}">
+      <dgm:prSet/>
+      <dgm:spPr/>
+      <dgm:t>
+        <a:bodyPr/>
+        <a:lstStyle/>
+        <a:p>
+          <a:endParaRPr lang="es-PY"/>
+        </a:p>
+      </dgm:t>
+    </dgm:pt>
+    <dgm:pt modelId="{9B3C81F0-8678-431E-AE8C-73C3B1B7C1A2}" type="sibTrans" cxnId="{758477AE-B740-40C6-A757-6842515D2796}">
+      <dgm:prSet/>
+      <dgm:spPr/>
+      <dgm:t>
+        <a:bodyPr/>
+        <a:lstStyle/>
+        <a:p>
+          <a:endParaRPr lang="es-PY"/>
+        </a:p>
+      </dgm:t>
+    </dgm:pt>
+    <dgm:pt modelId="{B1903FA3-1647-4D5D-877D-5D4B26617BF8}">
+      <dgm:prSet/>
+      <dgm:spPr/>
+      <dgm:t>
+        <a:bodyPr/>
+        <a:lstStyle/>
+        <a:p>
+          <a:endParaRPr lang="es-PY"/>
+        </a:p>
+      </dgm:t>
+    </dgm:pt>
+    <dgm:pt modelId="{EEB9D0E3-2AF1-4CF0-BDE3-77153DEC8500}" type="parTrans" cxnId="{036B4973-1C78-4804-B294-0478EB713EDE}">
+      <dgm:prSet/>
+      <dgm:spPr/>
+      <dgm:t>
+        <a:bodyPr/>
+        <a:lstStyle/>
+        <a:p>
+          <a:endParaRPr lang="es-PY"/>
+        </a:p>
+      </dgm:t>
+    </dgm:pt>
+    <dgm:pt modelId="{4A37CA6C-92DA-4B70-8971-3AEB35592C5C}" type="sibTrans" cxnId="{036B4973-1C78-4804-B294-0478EB713EDE}">
+      <dgm:prSet/>
+      <dgm:spPr/>
+      <dgm:t>
+        <a:bodyPr/>
+        <a:lstStyle/>
+        <a:p>
+          <a:endParaRPr lang="es-PY"/>
+        </a:p>
+      </dgm:t>
+    </dgm:pt>
+    <dgm:pt modelId="{87F4BD58-A460-4183-B48A-5C1BE4523233}" type="pres">
+      <dgm:prSet presAssocID="{0FFAA096-A18F-457F-AA79-2619AEFE948D}" presName="hierChild1" presStyleCnt="0">
+        <dgm:presLayoutVars>
+          <dgm:chPref val="1"/>
+          <dgm:dir val="rev"/>
+          <dgm:animOne val="branch"/>
+          <dgm:animLvl val="lvl"/>
+          <dgm:resizeHandles/>
+        </dgm:presLayoutVars>
+      </dgm:prSet>
+      <dgm:spPr/>
+      <dgm:t>
+        <a:bodyPr/>
+        <a:lstStyle/>
+        <a:p>
+          <a:endParaRPr lang="es-PY"/>
+        </a:p>
+      </dgm:t>
+    </dgm:pt>
+    <dgm:pt modelId="{0B2DB123-99A7-4243-B651-B6A9770F9457}" type="pres">
+      <dgm:prSet presAssocID="{B1903FA3-1647-4D5D-877D-5D4B26617BF8}" presName="hierRoot1" presStyleCnt="0"/>
+      <dgm:spPr/>
+    </dgm:pt>
+    <dgm:pt modelId="{8BAA09A7-F903-48DD-BC0F-3A2EE2913723}" type="pres">
+      <dgm:prSet presAssocID="{B1903FA3-1647-4D5D-877D-5D4B26617BF8}" presName="composite" presStyleCnt="0"/>
+      <dgm:spPr/>
+    </dgm:pt>
+    <dgm:pt modelId="{908503C4-D9D8-499D-A70F-C6CD8C52B902}" type="pres">
+      <dgm:prSet presAssocID="{B1903FA3-1647-4D5D-877D-5D4B26617BF8}" presName="background" presStyleLbl="node0" presStyleIdx="0" presStyleCnt="2"/>
+      <dgm:spPr/>
+    </dgm:pt>
+    <dgm:pt modelId="{5928BC4F-D24E-4B7F-84E6-BDF6725C9A9E}" type="pres">
+      <dgm:prSet presAssocID="{B1903FA3-1647-4D5D-877D-5D4B26617BF8}" presName="text" presStyleLbl="fgAcc0" presStyleIdx="0" presStyleCnt="2" custLinFactX="-25971" custLinFactY="-52198" custLinFactNeighborX="-100000" custLinFactNeighborY="-100000">
+        <dgm:presLayoutVars>
+          <dgm:chPref val="3"/>
+        </dgm:presLayoutVars>
+      </dgm:prSet>
+      <dgm:spPr/>
+      <dgm:t>
+        <a:bodyPr/>
+        <a:lstStyle/>
+        <a:p>
+          <a:endParaRPr lang="es-PY"/>
+        </a:p>
+      </dgm:t>
+    </dgm:pt>
+    <dgm:pt modelId="{0B3EC6DB-6E18-41A3-BA45-230390615F4A}" type="pres">
+      <dgm:prSet presAssocID="{B1903FA3-1647-4D5D-877D-5D4B26617BF8}" presName="hierChild2" presStyleCnt="0"/>
+      <dgm:spPr/>
+    </dgm:pt>
+    <dgm:pt modelId="{9420B7C4-EF78-4A1B-8391-3C14F107AA60}" type="pres">
+      <dgm:prSet presAssocID="{77CD8BFD-831D-4FFA-B89A-7CF586FF8889}" presName="hierRoot1" presStyleCnt="0"/>
+      <dgm:spPr/>
+    </dgm:pt>
+    <dgm:pt modelId="{D8CD3FB0-F8E8-47B7-AEE2-0241CB562CFD}" type="pres">
+      <dgm:prSet presAssocID="{77CD8BFD-831D-4FFA-B89A-7CF586FF8889}" presName="composite" presStyleCnt="0"/>
+      <dgm:spPr/>
+    </dgm:pt>
+    <dgm:pt modelId="{1CA24C27-E6A3-426E-99E1-7BD085C1490A}" type="pres">
+      <dgm:prSet presAssocID="{77CD8BFD-831D-4FFA-B89A-7CF586FF8889}" presName="background" presStyleLbl="node0" presStyleIdx="1" presStyleCnt="2"/>
+      <dgm:spPr/>
+    </dgm:pt>
+    <dgm:pt modelId="{1AEB0B79-0DED-4168-94B5-D945BC3D9CAE}" type="pres">
+      <dgm:prSet presAssocID="{77CD8BFD-831D-4FFA-B89A-7CF586FF8889}" presName="text" presStyleLbl="fgAcc0" presStyleIdx="1" presStyleCnt="2">
+        <dgm:presLayoutVars>
+          <dgm:chPref val="3"/>
+        </dgm:presLayoutVars>
+      </dgm:prSet>
+      <dgm:spPr/>
+      <dgm:t>
+        <a:bodyPr/>
+        <a:lstStyle/>
+        <a:p>
+          <a:endParaRPr lang="es-PY"/>
+        </a:p>
+      </dgm:t>
+    </dgm:pt>
+    <dgm:pt modelId="{6DFDD2EB-AA32-4E10-B5FB-59AA3A066077}" type="pres">
+      <dgm:prSet presAssocID="{77CD8BFD-831D-4FFA-B89A-7CF586FF8889}" presName="hierChild2" presStyleCnt="0"/>
+      <dgm:spPr/>
+    </dgm:pt>
+    <dgm:pt modelId="{9C7DC750-FCFB-4918-89B3-FD2F19E72FA0}" type="pres">
+      <dgm:prSet presAssocID="{A775944E-AF26-4939-AAFB-8798BEB59C73}" presName="Name10" presStyleLbl="parChTrans1D2" presStyleIdx="0" presStyleCnt="4"/>
+      <dgm:spPr/>
+      <dgm:t>
+        <a:bodyPr/>
+        <a:lstStyle/>
+        <a:p>
+          <a:endParaRPr lang="es-PY"/>
+        </a:p>
+      </dgm:t>
+    </dgm:pt>
+    <dgm:pt modelId="{BF7313DB-F919-47C9-AF90-F3130EBB7720}" type="pres">
+      <dgm:prSet presAssocID="{FC32C9B1-C8AD-40BA-8622-EB93A5431CBE}" presName="hierRoot2" presStyleCnt="0"/>
+      <dgm:spPr/>
+    </dgm:pt>
+    <dgm:pt modelId="{217D705D-685E-45F1-9DDD-DD5B6DAFDBC4}" type="pres">
+      <dgm:prSet presAssocID="{FC32C9B1-C8AD-40BA-8622-EB93A5431CBE}" presName="composite2" presStyleCnt="0"/>
+      <dgm:spPr/>
+    </dgm:pt>
+    <dgm:pt modelId="{48A6C2B8-1AB7-48F7-92DE-E88EF2C094F4}" type="pres">
+      <dgm:prSet presAssocID="{FC32C9B1-C8AD-40BA-8622-EB93A5431CBE}" presName="background2" presStyleLbl="node2" presStyleIdx="0" presStyleCnt="4"/>
+      <dgm:spPr/>
+    </dgm:pt>
+    <dgm:pt modelId="{E6A647B9-8ED1-4A0F-9BF1-FF67182E4178}" type="pres">
+      <dgm:prSet presAssocID="{FC32C9B1-C8AD-40BA-8622-EB93A5431CBE}" presName="text2" presStyleLbl="fgAcc2" presStyleIdx="0" presStyleCnt="4">
+        <dgm:presLayoutVars>
+          <dgm:chPref val="3"/>
+        </dgm:presLayoutVars>
+      </dgm:prSet>
+      <dgm:spPr/>
+      <dgm:t>
+        <a:bodyPr/>
+        <a:lstStyle/>
+        <a:p>
+          <a:endParaRPr lang="es-PY"/>
+        </a:p>
+      </dgm:t>
+    </dgm:pt>
+    <dgm:pt modelId="{C3808881-0B85-425D-861C-55084FFED2E9}" type="pres">
+      <dgm:prSet presAssocID="{FC32C9B1-C8AD-40BA-8622-EB93A5431CBE}" presName="hierChild3" presStyleCnt="0"/>
+      <dgm:spPr/>
+    </dgm:pt>
+    <dgm:pt modelId="{AB2FA2CE-429B-4C86-A4DD-D59ED3628880}" type="pres">
+      <dgm:prSet presAssocID="{8D03059F-2E91-4B5B-9EF2-A5D989227618}" presName="Name10" presStyleLbl="parChTrans1D2" presStyleIdx="1" presStyleCnt="4"/>
+      <dgm:spPr/>
+      <dgm:t>
+        <a:bodyPr/>
+        <a:lstStyle/>
+        <a:p>
+          <a:endParaRPr lang="es-PY"/>
+        </a:p>
+      </dgm:t>
+    </dgm:pt>
+    <dgm:pt modelId="{B3C99F0F-3AEF-448D-97DD-091CCB0FAC11}" type="pres">
+      <dgm:prSet presAssocID="{DF5B6B5A-B676-4AFE-B274-183F1DCA4B90}" presName="hierRoot2" presStyleCnt="0"/>
+      <dgm:spPr/>
+    </dgm:pt>
+    <dgm:pt modelId="{9F82BC33-A39A-470A-9C3A-6092100C94D6}" type="pres">
+      <dgm:prSet presAssocID="{DF5B6B5A-B676-4AFE-B274-183F1DCA4B90}" presName="composite2" presStyleCnt="0"/>
+      <dgm:spPr/>
+    </dgm:pt>
+    <dgm:pt modelId="{34A75FB4-723F-4439-A7C4-F14A8F7E956C}" type="pres">
+      <dgm:prSet presAssocID="{DF5B6B5A-B676-4AFE-B274-183F1DCA4B90}" presName="background2" presStyleLbl="node2" presStyleIdx="1" presStyleCnt="4"/>
+      <dgm:spPr/>
+    </dgm:pt>
+    <dgm:pt modelId="{F47EEAB3-7389-451F-A3A3-DA43E45BA65F}" type="pres">
+      <dgm:prSet presAssocID="{DF5B6B5A-B676-4AFE-B274-183F1DCA4B90}" presName="text2" presStyleLbl="fgAcc2" presStyleIdx="1" presStyleCnt="4">
+        <dgm:presLayoutVars>
+          <dgm:chPref val="3"/>
+        </dgm:presLayoutVars>
+      </dgm:prSet>
+      <dgm:spPr/>
+      <dgm:t>
+        <a:bodyPr/>
+        <a:lstStyle/>
+        <a:p>
+          <a:endParaRPr lang="es-PY"/>
+        </a:p>
+      </dgm:t>
+    </dgm:pt>
+    <dgm:pt modelId="{C29DE63E-BF42-44C6-A190-544CE3B5C3EE}" type="pres">
+      <dgm:prSet presAssocID="{DF5B6B5A-B676-4AFE-B274-183F1DCA4B90}" presName="hierChild3" presStyleCnt="0"/>
+      <dgm:spPr/>
+    </dgm:pt>
+    <dgm:pt modelId="{74C30F90-7FED-4F7B-9DB8-FCF55A660BAA}" type="pres">
+      <dgm:prSet presAssocID="{8B786F7D-359B-4503-83D0-2C089C59A394}" presName="Name10" presStyleLbl="parChTrans1D2" presStyleIdx="2" presStyleCnt="4"/>
+      <dgm:spPr/>
+      <dgm:t>
+        <a:bodyPr/>
+        <a:lstStyle/>
+        <a:p>
+          <a:endParaRPr lang="es-PY"/>
+        </a:p>
+      </dgm:t>
+    </dgm:pt>
+    <dgm:pt modelId="{D3CA3565-9F1F-4519-97AC-D0622C0345E6}" type="pres">
+      <dgm:prSet presAssocID="{5A5F1D39-2A95-44FE-B9E8-FF438C205178}" presName="hierRoot2" presStyleCnt="0"/>
+      <dgm:spPr/>
+    </dgm:pt>
+    <dgm:pt modelId="{99E3D11F-8EB4-4FA0-B07D-1A9E67F80FB8}" type="pres">
+      <dgm:prSet presAssocID="{5A5F1D39-2A95-44FE-B9E8-FF438C205178}" presName="composite2" presStyleCnt="0"/>
+      <dgm:spPr/>
+    </dgm:pt>
+    <dgm:pt modelId="{07FCCA52-BB8D-4DB9-9543-1B930300276F}" type="pres">
+      <dgm:prSet presAssocID="{5A5F1D39-2A95-44FE-B9E8-FF438C205178}" presName="background2" presStyleLbl="node2" presStyleIdx="2" presStyleCnt="4"/>
+      <dgm:spPr/>
+    </dgm:pt>
+    <dgm:pt modelId="{FA67FBA9-6222-48D3-BF50-52842D33B548}" type="pres">
+      <dgm:prSet presAssocID="{5A5F1D39-2A95-44FE-B9E8-FF438C205178}" presName="text2" presStyleLbl="fgAcc2" presStyleIdx="2" presStyleCnt="4">
+        <dgm:presLayoutVars>
+          <dgm:chPref val="3"/>
+        </dgm:presLayoutVars>
+      </dgm:prSet>
+      <dgm:spPr/>
+      <dgm:t>
+        <a:bodyPr/>
+        <a:lstStyle/>
+        <a:p>
+          <a:endParaRPr lang="es-PY"/>
+        </a:p>
+      </dgm:t>
+    </dgm:pt>
+    <dgm:pt modelId="{6D8BCE1C-27A7-4499-873F-B2F9A2CCC3FB}" type="pres">
+      <dgm:prSet presAssocID="{5A5F1D39-2A95-44FE-B9E8-FF438C205178}" presName="hierChild3" presStyleCnt="0"/>
+      <dgm:spPr/>
+    </dgm:pt>
+    <dgm:pt modelId="{76B8C910-63F5-4920-87B3-917C50FE7854}" type="pres">
+      <dgm:prSet presAssocID="{D16FB7D9-9100-49F8-BF9A-85CD0C86872A}" presName="Name10" presStyleLbl="parChTrans1D2" presStyleIdx="3" presStyleCnt="4"/>
+      <dgm:spPr/>
+      <dgm:t>
+        <a:bodyPr/>
+        <a:lstStyle/>
+        <a:p>
+          <a:endParaRPr lang="es-PY"/>
+        </a:p>
+      </dgm:t>
+    </dgm:pt>
+    <dgm:pt modelId="{8F8BF781-29F8-4760-A26B-98685EBDF569}" type="pres">
+      <dgm:prSet presAssocID="{F8873718-7458-4417-AF82-3DEB3327377A}" presName="hierRoot2" presStyleCnt="0"/>
+      <dgm:spPr/>
+    </dgm:pt>
+    <dgm:pt modelId="{106936E4-CF49-4595-901E-810F51EE99A4}" type="pres">
+      <dgm:prSet presAssocID="{F8873718-7458-4417-AF82-3DEB3327377A}" presName="composite2" presStyleCnt="0"/>
+      <dgm:spPr/>
+    </dgm:pt>
+    <dgm:pt modelId="{8AE5CD53-4287-4360-9FDC-9F118CD5C58F}" type="pres">
+      <dgm:prSet presAssocID="{F8873718-7458-4417-AF82-3DEB3327377A}" presName="background2" presStyleLbl="node2" presStyleIdx="3" presStyleCnt="4"/>
+      <dgm:spPr/>
+    </dgm:pt>
+    <dgm:pt modelId="{D4E7D986-CB17-494D-B913-E8D7C0556865}" type="pres">
+      <dgm:prSet presAssocID="{F8873718-7458-4417-AF82-3DEB3327377A}" presName="text2" presStyleLbl="fgAcc2" presStyleIdx="3" presStyleCnt="4">
+        <dgm:presLayoutVars>
+          <dgm:chPref val="3"/>
+        </dgm:presLayoutVars>
+      </dgm:prSet>
+      <dgm:spPr/>
+      <dgm:t>
+        <a:bodyPr/>
+        <a:lstStyle/>
+        <a:p>
+          <a:endParaRPr lang="es-PY"/>
+        </a:p>
+      </dgm:t>
+    </dgm:pt>
+    <dgm:pt modelId="{B3D0E773-41CA-437C-AB30-0009B4E92CA7}" type="pres">
+      <dgm:prSet presAssocID="{F8873718-7458-4417-AF82-3DEB3327377A}" presName="hierChild3" presStyleCnt="0"/>
+      <dgm:spPr/>
+    </dgm:pt>
+  </dgm:ptLst>
+  <dgm:cxnLst>
+    <dgm:cxn modelId="{94BFE920-230A-4CE9-B8E9-6722EC17057C}" type="presOf" srcId="{D16FB7D9-9100-49F8-BF9A-85CD0C86872A}" destId="{76B8C910-63F5-4920-87B3-917C50FE7854}" srcOrd="0" destOrd="0" presId="urn:microsoft.com/office/officeart/2005/8/layout/hierarchy1"/>
+    <dgm:cxn modelId="{43602EAD-FC69-4DB9-B52D-F191C2C5BE7F}" type="presOf" srcId="{8D03059F-2E91-4B5B-9EF2-A5D989227618}" destId="{AB2FA2CE-429B-4C86-A4DD-D59ED3628880}" srcOrd="0" destOrd="0" presId="urn:microsoft.com/office/officeart/2005/8/layout/hierarchy1"/>
+    <dgm:cxn modelId="{2338453D-4513-4FC7-A082-27C1B1DA44FC}" type="presOf" srcId="{DF5B6B5A-B676-4AFE-B274-183F1DCA4B90}" destId="{F47EEAB3-7389-451F-A3A3-DA43E45BA65F}" srcOrd="0" destOrd="0" presId="urn:microsoft.com/office/officeart/2005/8/layout/hierarchy1"/>
+    <dgm:cxn modelId="{D0DEF090-FC8F-4C99-BBE5-2DEADB00F9EF}" type="presOf" srcId="{0FFAA096-A18F-457F-AA79-2619AEFE948D}" destId="{87F4BD58-A460-4183-B48A-5C1BE4523233}" srcOrd="0" destOrd="0" presId="urn:microsoft.com/office/officeart/2005/8/layout/hierarchy1"/>
+    <dgm:cxn modelId="{DE661C86-1B87-4B70-A8FF-0A0E59115A2A}" srcId="{77CD8BFD-831D-4FFA-B89A-7CF586FF8889}" destId="{FC32C9B1-C8AD-40BA-8622-EB93A5431CBE}" srcOrd="0" destOrd="0" parTransId="{A775944E-AF26-4939-AAFB-8798BEB59C73}" sibTransId="{24D9F964-B582-4FE8-8E40-517FCE7A4F2A}"/>
+    <dgm:cxn modelId="{3198D72F-B442-4787-AB19-AB70DDF4C7CF}" type="presOf" srcId="{77CD8BFD-831D-4FFA-B89A-7CF586FF8889}" destId="{1AEB0B79-0DED-4168-94B5-D945BC3D9CAE}" srcOrd="0" destOrd="0" presId="urn:microsoft.com/office/officeart/2005/8/layout/hierarchy1"/>
+    <dgm:cxn modelId="{238CAE91-841B-4D7B-B66C-62557DD8D39F}" srcId="{77CD8BFD-831D-4FFA-B89A-7CF586FF8889}" destId="{DF5B6B5A-B676-4AFE-B274-183F1DCA4B90}" srcOrd="1" destOrd="0" parTransId="{8D03059F-2E91-4B5B-9EF2-A5D989227618}" sibTransId="{66FED8AB-0D48-4DA4-A053-8EF1538F6F9D}"/>
+    <dgm:cxn modelId="{758477AE-B740-40C6-A757-6842515D2796}" srcId="{0FFAA096-A18F-457F-AA79-2619AEFE948D}" destId="{77CD8BFD-831D-4FFA-B89A-7CF586FF8889}" srcOrd="1" destOrd="0" parTransId="{A4A53AAD-2B34-47C9-A719-C8A05C66596C}" sibTransId="{9B3C81F0-8678-431E-AE8C-73C3B1B7C1A2}"/>
+    <dgm:cxn modelId="{381AA89D-AB83-4CD4-9F02-EE2758ED09F1}" type="presOf" srcId="{B1903FA3-1647-4D5D-877D-5D4B26617BF8}" destId="{5928BC4F-D24E-4B7F-84E6-BDF6725C9A9E}" srcOrd="0" destOrd="0" presId="urn:microsoft.com/office/officeart/2005/8/layout/hierarchy1"/>
+    <dgm:cxn modelId="{37BCF1A1-4E8D-4970-BC2E-80F44DE50E24}" type="presOf" srcId="{FC32C9B1-C8AD-40BA-8622-EB93A5431CBE}" destId="{E6A647B9-8ED1-4A0F-9BF1-FF67182E4178}" srcOrd="0" destOrd="0" presId="urn:microsoft.com/office/officeart/2005/8/layout/hierarchy1"/>
+    <dgm:cxn modelId="{D068B3EB-059A-4DB7-A121-BC0E1B85F79A}" type="presOf" srcId="{A775944E-AF26-4939-AAFB-8798BEB59C73}" destId="{9C7DC750-FCFB-4918-89B3-FD2F19E72FA0}" srcOrd="0" destOrd="0" presId="urn:microsoft.com/office/officeart/2005/8/layout/hierarchy1"/>
+    <dgm:cxn modelId="{036B4973-1C78-4804-B294-0478EB713EDE}" srcId="{0FFAA096-A18F-457F-AA79-2619AEFE948D}" destId="{B1903FA3-1647-4D5D-877D-5D4B26617BF8}" srcOrd="0" destOrd="0" parTransId="{EEB9D0E3-2AF1-4CF0-BDE3-77153DEC8500}" sibTransId="{4A37CA6C-92DA-4B70-8971-3AEB35592C5C}"/>
+    <dgm:cxn modelId="{BD667FB8-EA74-4913-885D-9C49E02EAD04}" type="presOf" srcId="{5A5F1D39-2A95-44FE-B9E8-FF438C205178}" destId="{FA67FBA9-6222-48D3-BF50-52842D33B548}" srcOrd="0" destOrd="0" presId="urn:microsoft.com/office/officeart/2005/8/layout/hierarchy1"/>
+    <dgm:cxn modelId="{B0FC15F4-188E-428D-B56D-F97F04E37726}" srcId="{77CD8BFD-831D-4FFA-B89A-7CF586FF8889}" destId="{F8873718-7458-4417-AF82-3DEB3327377A}" srcOrd="3" destOrd="0" parTransId="{D16FB7D9-9100-49F8-BF9A-85CD0C86872A}" sibTransId="{09A3605E-438C-48E6-B576-A09144E1C82D}"/>
+    <dgm:cxn modelId="{3506CC81-3884-4FAD-B0A1-15C1E4BF1BBA}" type="presOf" srcId="{F8873718-7458-4417-AF82-3DEB3327377A}" destId="{D4E7D986-CB17-494D-B913-E8D7C0556865}" srcOrd="0" destOrd="0" presId="urn:microsoft.com/office/officeart/2005/8/layout/hierarchy1"/>
+    <dgm:cxn modelId="{C6D24ECC-F7E2-444A-ACD8-9ECF7B32C86A}" type="presOf" srcId="{8B786F7D-359B-4503-83D0-2C089C59A394}" destId="{74C30F90-7FED-4F7B-9DB8-FCF55A660BAA}" srcOrd="0" destOrd="0" presId="urn:microsoft.com/office/officeart/2005/8/layout/hierarchy1"/>
+    <dgm:cxn modelId="{31FB481C-C5F3-46D2-A1E2-37FC8AE13151}" srcId="{77CD8BFD-831D-4FFA-B89A-7CF586FF8889}" destId="{5A5F1D39-2A95-44FE-B9E8-FF438C205178}" srcOrd="2" destOrd="0" parTransId="{8B786F7D-359B-4503-83D0-2C089C59A394}" sibTransId="{C3DD58F2-D9F4-416B-B5BB-AAB85869AACC}"/>
+    <dgm:cxn modelId="{A7F87C20-EE26-4C9C-8E65-534234A69E41}" type="presParOf" srcId="{87F4BD58-A460-4183-B48A-5C1BE4523233}" destId="{0B2DB123-99A7-4243-B651-B6A9770F9457}" srcOrd="0" destOrd="0" presId="urn:microsoft.com/office/officeart/2005/8/layout/hierarchy1"/>
+    <dgm:cxn modelId="{B09E162F-4114-4DB9-BE58-69C6C218CA08}" type="presParOf" srcId="{0B2DB123-99A7-4243-B651-B6A9770F9457}" destId="{8BAA09A7-F903-48DD-BC0F-3A2EE2913723}" srcOrd="0" destOrd="0" presId="urn:microsoft.com/office/officeart/2005/8/layout/hierarchy1"/>
+    <dgm:cxn modelId="{31D77576-12CB-486F-8A4C-870604AD583B}" type="presParOf" srcId="{8BAA09A7-F903-48DD-BC0F-3A2EE2913723}" destId="{908503C4-D9D8-499D-A70F-C6CD8C52B902}" srcOrd="0" destOrd="0" presId="urn:microsoft.com/office/officeart/2005/8/layout/hierarchy1"/>
+    <dgm:cxn modelId="{2A5146BB-AA86-45A7-B7DE-CEB36F321525}" type="presParOf" srcId="{8BAA09A7-F903-48DD-BC0F-3A2EE2913723}" destId="{5928BC4F-D24E-4B7F-84E6-BDF6725C9A9E}" srcOrd="1" destOrd="0" presId="urn:microsoft.com/office/officeart/2005/8/layout/hierarchy1"/>
+    <dgm:cxn modelId="{0C15226A-E109-4D00-B11E-770CDD6CD5CA}" type="presParOf" srcId="{0B2DB123-99A7-4243-B651-B6A9770F9457}" destId="{0B3EC6DB-6E18-41A3-BA45-230390615F4A}" srcOrd="1" destOrd="0" presId="urn:microsoft.com/office/officeart/2005/8/layout/hierarchy1"/>
+    <dgm:cxn modelId="{F033C316-1B35-48FA-923A-A8DEDE49DA0E}" type="presParOf" srcId="{87F4BD58-A460-4183-B48A-5C1BE4523233}" destId="{9420B7C4-EF78-4A1B-8391-3C14F107AA60}" srcOrd="1" destOrd="0" presId="urn:microsoft.com/office/officeart/2005/8/layout/hierarchy1"/>
+    <dgm:cxn modelId="{EF6BF36E-FA49-48C8-A577-AB82836F2715}" type="presParOf" srcId="{9420B7C4-EF78-4A1B-8391-3C14F107AA60}" destId="{D8CD3FB0-F8E8-47B7-AEE2-0241CB562CFD}" srcOrd="0" destOrd="0" presId="urn:microsoft.com/office/officeart/2005/8/layout/hierarchy1"/>
+    <dgm:cxn modelId="{C3716A83-381E-4F6A-957D-C567AE4C32F9}" type="presParOf" srcId="{D8CD3FB0-F8E8-47B7-AEE2-0241CB562CFD}" destId="{1CA24C27-E6A3-426E-99E1-7BD085C1490A}" srcOrd="0" destOrd="0" presId="urn:microsoft.com/office/officeart/2005/8/layout/hierarchy1"/>
+    <dgm:cxn modelId="{FA7B3470-E85E-4DA2-81D3-41441FD20847}" type="presParOf" srcId="{D8CD3FB0-F8E8-47B7-AEE2-0241CB562CFD}" destId="{1AEB0B79-0DED-4168-94B5-D945BC3D9CAE}" srcOrd="1" destOrd="0" presId="urn:microsoft.com/office/officeart/2005/8/layout/hierarchy1"/>
+    <dgm:cxn modelId="{7B109D76-93E2-4E27-92B2-0272578C56DB}" type="presParOf" srcId="{9420B7C4-EF78-4A1B-8391-3C14F107AA60}" destId="{6DFDD2EB-AA32-4E10-B5FB-59AA3A066077}" srcOrd="1" destOrd="0" presId="urn:microsoft.com/office/officeart/2005/8/layout/hierarchy1"/>
+    <dgm:cxn modelId="{80CFFF43-7BBB-4025-B7B4-0F62B4591ACC}" type="presParOf" srcId="{6DFDD2EB-AA32-4E10-B5FB-59AA3A066077}" destId="{9C7DC750-FCFB-4918-89B3-FD2F19E72FA0}" srcOrd="0" destOrd="0" presId="urn:microsoft.com/office/officeart/2005/8/layout/hierarchy1"/>
+    <dgm:cxn modelId="{A9C0480F-E102-48B6-9208-13E6825E9EEF}" type="presParOf" srcId="{6DFDD2EB-AA32-4E10-B5FB-59AA3A066077}" destId="{BF7313DB-F919-47C9-AF90-F3130EBB7720}" srcOrd="1" destOrd="0" presId="urn:microsoft.com/office/officeart/2005/8/layout/hierarchy1"/>
+    <dgm:cxn modelId="{565E2018-5592-4C2D-97C7-2FCA43588036}" type="presParOf" srcId="{BF7313DB-F919-47C9-AF90-F3130EBB7720}" destId="{217D705D-685E-45F1-9DDD-DD5B6DAFDBC4}" srcOrd="0" destOrd="0" presId="urn:microsoft.com/office/officeart/2005/8/layout/hierarchy1"/>
+    <dgm:cxn modelId="{81F2D10C-B9C6-4C91-943D-30174907065B}" type="presParOf" srcId="{217D705D-685E-45F1-9DDD-DD5B6DAFDBC4}" destId="{48A6C2B8-1AB7-48F7-92DE-E88EF2C094F4}" srcOrd="0" destOrd="0" presId="urn:microsoft.com/office/officeart/2005/8/layout/hierarchy1"/>
+    <dgm:cxn modelId="{95A4B29A-87D3-4FC4-9B9B-339AAEF5539B}" type="presParOf" srcId="{217D705D-685E-45F1-9DDD-DD5B6DAFDBC4}" destId="{E6A647B9-8ED1-4A0F-9BF1-FF67182E4178}" srcOrd="1" destOrd="0" presId="urn:microsoft.com/office/officeart/2005/8/layout/hierarchy1"/>
+    <dgm:cxn modelId="{25FF6828-870F-4490-ABDF-D10C8E22040D}" type="presParOf" srcId="{BF7313DB-F919-47C9-AF90-F3130EBB7720}" destId="{C3808881-0B85-425D-861C-55084FFED2E9}" srcOrd="1" destOrd="0" presId="urn:microsoft.com/office/officeart/2005/8/layout/hierarchy1"/>
+    <dgm:cxn modelId="{C396D013-0157-407D-9A96-E998A899902E}" type="presParOf" srcId="{6DFDD2EB-AA32-4E10-B5FB-59AA3A066077}" destId="{AB2FA2CE-429B-4C86-A4DD-D59ED3628880}" srcOrd="2" destOrd="0" presId="urn:microsoft.com/office/officeart/2005/8/layout/hierarchy1"/>
+    <dgm:cxn modelId="{B5D548D0-89F8-4B83-89BB-BA2433AF5853}" type="presParOf" srcId="{6DFDD2EB-AA32-4E10-B5FB-59AA3A066077}" destId="{B3C99F0F-3AEF-448D-97DD-091CCB0FAC11}" srcOrd="3" destOrd="0" presId="urn:microsoft.com/office/officeart/2005/8/layout/hierarchy1"/>
+    <dgm:cxn modelId="{B27961B6-239C-402D-AF2A-38B9BB338CBE}" type="presParOf" srcId="{B3C99F0F-3AEF-448D-97DD-091CCB0FAC11}" destId="{9F82BC33-A39A-470A-9C3A-6092100C94D6}" srcOrd="0" destOrd="0" presId="urn:microsoft.com/office/officeart/2005/8/layout/hierarchy1"/>
+    <dgm:cxn modelId="{B5048A9D-2491-4830-89D1-114CDDD52C27}" type="presParOf" srcId="{9F82BC33-A39A-470A-9C3A-6092100C94D6}" destId="{34A75FB4-723F-4439-A7C4-F14A8F7E956C}" srcOrd="0" destOrd="0" presId="urn:microsoft.com/office/officeart/2005/8/layout/hierarchy1"/>
+    <dgm:cxn modelId="{07A0B84F-32D4-4804-A68B-99600F2E8EB4}" type="presParOf" srcId="{9F82BC33-A39A-470A-9C3A-6092100C94D6}" destId="{F47EEAB3-7389-451F-A3A3-DA43E45BA65F}" srcOrd="1" destOrd="0" presId="urn:microsoft.com/office/officeart/2005/8/layout/hierarchy1"/>
+    <dgm:cxn modelId="{A8A52E26-75BB-42A7-BC58-497E23923832}" type="presParOf" srcId="{B3C99F0F-3AEF-448D-97DD-091CCB0FAC11}" destId="{C29DE63E-BF42-44C6-A190-544CE3B5C3EE}" srcOrd="1" destOrd="0" presId="urn:microsoft.com/office/officeart/2005/8/layout/hierarchy1"/>
+    <dgm:cxn modelId="{FBC49AC6-17AD-4D8B-BFF6-643F39C6F009}" type="presParOf" srcId="{6DFDD2EB-AA32-4E10-B5FB-59AA3A066077}" destId="{74C30F90-7FED-4F7B-9DB8-FCF55A660BAA}" srcOrd="4" destOrd="0" presId="urn:microsoft.com/office/officeart/2005/8/layout/hierarchy1"/>
+    <dgm:cxn modelId="{DABE019F-91DA-45E3-A4F0-8002FD8EF77E}" type="presParOf" srcId="{6DFDD2EB-AA32-4E10-B5FB-59AA3A066077}" destId="{D3CA3565-9F1F-4519-97AC-D0622C0345E6}" srcOrd="5" destOrd="0" presId="urn:microsoft.com/office/officeart/2005/8/layout/hierarchy1"/>
+    <dgm:cxn modelId="{D41B5379-E627-4863-9A27-39C7D5AA4060}" type="presParOf" srcId="{D3CA3565-9F1F-4519-97AC-D0622C0345E6}" destId="{99E3D11F-8EB4-4FA0-B07D-1A9E67F80FB8}" srcOrd="0" destOrd="0" presId="urn:microsoft.com/office/officeart/2005/8/layout/hierarchy1"/>
+    <dgm:cxn modelId="{FB1E4717-FA7B-4A29-B7F4-ABC038E3E37B}" type="presParOf" srcId="{99E3D11F-8EB4-4FA0-B07D-1A9E67F80FB8}" destId="{07FCCA52-BB8D-4DB9-9543-1B930300276F}" srcOrd="0" destOrd="0" presId="urn:microsoft.com/office/officeart/2005/8/layout/hierarchy1"/>
+    <dgm:cxn modelId="{63641187-5014-42D9-BF08-20F472A27D28}" type="presParOf" srcId="{99E3D11F-8EB4-4FA0-B07D-1A9E67F80FB8}" destId="{FA67FBA9-6222-48D3-BF50-52842D33B548}" srcOrd="1" destOrd="0" presId="urn:microsoft.com/office/officeart/2005/8/layout/hierarchy1"/>
+    <dgm:cxn modelId="{1249045F-01BD-4E47-9B6B-0ED98F16D8CC}" type="presParOf" srcId="{D3CA3565-9F1F-4519-97AC-D0622C0345E6}" destId="{6D8BCE1C-27A7-4499-873F-B2F9A2CCC3FB}" srcOrd="1" destOrd="0" presId="urn:microsoft.com/office/officeart/2005/8/layout/hierarchy1"/>
+    <dgm:cxn modelId="{1752F09B-DA50-4D98-AA40-3ADDCB2D1AAA}" type="presParOf" srcId="{6DFDD2EB-AA32-4E10-B5FB-59AA3A066077}" destId="{76B8C910-63F5-4920-87B3-917C50FE7854}" srcOrd="6" destOrd="0" presId="urn:microsoft.com/office/officeart/2005/8/layout/hierarchy1"/>
+    <dgm:cxn modelId="{9B6DB847-0ECB-4AA8-8D08-AA40A6401FAB}" type="presParOf" srcId="{6DFDD2EB-AA32-4E10-B5FB-59AA3A066077}" destId="{8F8BF781-29F8-4760-A26B-98685EBDF569}" srcOrd="7" destOrd="0" presId="urn:microsoft.com/office/officeart/2005/8/layout/hierarchy1"/>
+    <dgm:cxn modelId="{45903C61-7B32-42A2-BE8B-F0531820CDCD}" type="presParOf" srcId="{8F8BF781-29F8-4760-A26B-98685EBDF569}" destId="{106936E4-CF49-4595-901E-810F51EE99A4}" srcOrd="0" destOrd="0" presId="urn:microsoft.com/office/officeart/2005/8/layout/hierarchy1"/>
+    <dgm:cxn modelId="{DB51DA4B-43FC-4D76-93F5-5CC26BFA9889}" type="presParOf" srcId="{106936E4-CF49-4595-901E-810F51EE99A4}" destId="{8AE5CD53-4287-4360-9FDC-9F118CD5C58F}" srcOrd="0" destOrd="0" presId="urn:microsoft.com/office/officeart/2005/8/layout/hierarchy1"/>
+    <dgm:cxn modelId="{D83F374A-BAD2-478D-B537-8ABBC33D48D4}" type="presParOf" srcId="{106936E4-CF49-4595-901E-810F51EE99A4}" destId="{D4E7D986-CB17-494D-B913-E8D7C0556865}" srcOrd="1" destOrd="0" presId="urn:microsoft.com/office/officeart/2005/8/layout/hierarchy1"/>
+    <dgm:cxn modelId="{D3A03CDE-87D3-4B4B-A7D6-A6C6BE071FC6}" type="presParOf" srcId="{8F8BF781-29F8-4760-A26B-98685EBDF569}" destId="{B3D0E773-41CA-437C-AB30-0009B4E92CA7}" srcOrd="1" destOrd="0" presId="urn:microsoft.com/office/officeart/2005/8/layout/hierarchy1"/>
+  </dgm:cxnLst>
+  <dgm:bg/>
+  <dgm:whole/>
+  <dgm:extLst>
+    <a:ext uri="http://schemas.microsoft.com/office/drawing/2008/diagram">
+      <dsp:dataModelExt xmlns:dsp="http://schemas.microsoft.com/office/drawing/2008/diagram" relId="rId6" minVer="http://schemas.openxmlformats.org/drawingml/2006/diagram"/>
+    </a:ext>
+  </dgm:extLst>
+</dgm:dataModel>
+</file>
+
+<file path=ppt/diagrams/drawing1.xml><?xml version="1.0" encoding="utf-8"?>
+<dsp:drawing xmlns:dgm="http://schemas.openxmlformats.org/drawingml/2006/diagram" xmlns:dsp="http://schemas.microsoft.com/office/drawing/2008/diagram" xmlns:a="http://schemas.openxmlformats.org/drawingml/2006/main">
+  <dsp:spTree>
+    <dsp:nvGrpSpPr>
+      <dsp:cNvPr id="0" name=""/>
+      <dsp:cNvGrpSpPr/>
+    </dsp:nvGrpSpPr>
+    <dsp:grpSpPr/>
+    <dsp:sp modelId="{76B8C910-63F5-4920-87B3-917C50FE7854}">
+      <dsp:nvSpPr>
+        <dsp:cNvPr id="0" name=""/>
+        <dsp:cNvSpPr/>
+      </dsp:nvSpPr>
+      <dsp:spPr>
+        <a:xfrm>
+          <a:off x="639365" y="1779270"/>
+          <a:ext cx="2337792" cy="370858"/>
+        </a:xfrm>
+        <a:custGeom>
+          <a:avLst/>
+          <a:gdLst/>
+          <a:ahLst/>
+          <a:cxnLst/>
+          <a:rect l="0" t="0" r="0" b="0"/>
+          <a:pathLst>
+            <a:path>
+              <a:moveTo>
+                <a:pt x="2337792" y="0"/>
+              </a:moveTo>
+              <a:lnTo>
+                <a:pt x="2337792" y="252729"/>
+              </a:lnTo>
+              <a:lnTo>
+                <a:pt x="0" y="252729"/>
+              </a:lnTo>
+              <a:lnTo>
+                <a:pt x="0" y="370858"/>
+              </a:lnTo>
+            </a:path>
+          </a:pathLst>
+        </a:custGeom>
+        <a:noFill/>
+        <a:ln w="25400" cap="flat" cmpd="sng" algn="ctr">
+          <a:solidFill>
+            <a:schemeClr val="accent1">
+              <a:shade val="60000"/>
+              <a:hueOff val="0"/>
+              <a:satOff val="0"/>
+              <a:lumOff val="0"/>
+              <a:alphaOff val="0"/>
+            </a:schemeClr>
+          </a:solidFill>
+          <a:prstDash val="solid"/>
+        </a:ln>
+        <a:effectLst/>
+      </dsp:spPr>
+      <dsp:style>
+        <a:lnRef idx="2">
+          <a:scrgbClr r="0" g="0" b="0"/>
+        </a:lnRef>
+        <a:fillRef idx="0">
+          <a:scrgbClr r="0" g="0" b="0"/>
+        </a:fillRef>
+        <a:effectRef idx="0">
+          <a:scrgbClr r="0" g="0" b="0"/>
+        </a:effectRef>
+        <a:fontRef idx="minor"/>
+      </dsp:style>
+    </dsp:sp>
+    <dsp:sp modelId="{74C30F90-7FED-4F7B-9DB8-FCF55A660BAA}">
+      <dsp:nvSpPr>
+        <dsp:cNvPr id="0" name=""/>
+        <dsp:cNvSpPr/>
+      </dsp:nvSpPr>
+      <dsp:spPr>
+        <a:xfrm>
+          <a:off x="2197893" y="1779270"/>
+          <a:ext cx="779264" cy="370858"/>
+        </a:xfrm>
+        <a:custGeom>
+          <a:avLst/>
+          <a:gdLst/>
+          <a:ahLst/>
+          <a:cxnLst/>
+          <a:rect l="0" t="0" r="0" b="0"/>
+          <a:pathLst>
+            <a:path>
+              <a:moveTo>
+                <a:pt x="779264" y="0"/>
+              </a:moveTo>
+              <a:lnTo>
+                <a:pt x="779264" y="252729"/>
+              </a:lnTo>
+              <a:lnTo>
+                <a:pt x="0" y="252729"/>
+              </a:lnTo>
+              <a:lnTo>
+                <a:pt x="0" y="370858"/>
+              </a:lnTo>
+            </a:path>
+          </a:pathLst>
+        </a:custGeom>
+        <a:noFill/>
+        <a:ln w="25400" cap="flat" cmpd="sng" algn="ctr">
+          <a:solidFill>
+            <a:schemeClr val="accent1">
+              <a:shade val="60000"/>
+              <a:hueOff val="0"/>
+              <a:satOff val="0"/>
+              <a:lumOff val="0"/>
+              <a:alphaOff val="0"/>
+            </a:schemeClr>
+          </a:solidFill>
+          <a:prstDash val="solid"/>
+        </a:ln>
+        <a:effectLst/>
+      </dsp:spPr>
+      <dsp:style>
+        <a:lnRef idx="2">
+          <a:scrgbClr r="0" g="0" b="0"/>
+        </a:lnRef>
+        <a:fillRef idx="0">
+          <a:scrgbClr r="0" g="0" b="0"/>
+        </a:fillRef>
+        <a:effectRef idx="0">
+          <a:scrgbClr r="0" g="0" b="0"/>
+        </a:effectRef>
+        <a:fontRef idx="minor"/>
+      </dsp:style>
+    </dsp:sp>
+    <dsp:sp modelId="{AB2FA2CE-429B-4C86-A4DD-D59ED3628880}">
+      <dsp:nvSpPr>
+        <dsp:cNvPr id="0" name=""/>
+        <dsp:cNvSpPr/>
+      </dsp:nvSpPr>
+      <dsp:spPr>
+        <a:xfrm>
+          <a:off x="2977157" y="1779270"/>
+          <a:ext cx="779264" cy="370858"/>
+        </a:xfrm>
+        <a:custGeom>
+          <a:avLst/>
+          <a:gdLst/>
+          <a:ahLst/>
+          <a:cxnLst/>
+          <a:rect l="0" t="0" r="0" b="0"/>
+          <a:pathLst>
+            <a:path>
+              <a:moveTo>
+                <a:pt x="0" y="0"/>
+              </a:moveTo>
+              <a:lnTo>
+                <a:pt x="0" y="252729"/>
+              </a:lnTo>
+              <a:lnTo>
+                <a:pt x="779264" y="252729"/>
+              </a:lnTo>
+              <a:lnTo>
+                <a:pt x="779264" y="370858"/>
+              </a:lnTo>
+            </a:path>
+          </a:pathLst>
+        </a:custGeom>
+        <a:noFill/>
+        <a:ln w="25400" cap="flat" cmpd="sng" algn="ctr">
+          <a:solidFill>
+            <a:schemeClr val="accent1">
+              <a:shade val="60000"/>
+              <a:hueOff val="0"/>
+              <a:satOff val="0"/>
+              <a:lumOff val="0"/>
+              <a:alphaOff val="0"/>
+            </a:schemeClr>
+          </a:solidFill>
+          <a:prstDash val="solid"/>
+        </a:ln>
+        <a:effectLst/>
+      </dsp:spPr>
+      <dsp:style>
+        <a:lnRef idx="2">
+          <a:scrgbClr r="0" g="0" b="0"/>
+        </a:lnRef>
+        <a:fillRef idx="0">
+          <a:scrgbClr r="0" g="0" b="0"/>
+        </a:fillRef>
+        <a:effectRef idx="0">
+          <a:scrgbClr r="0" g="0" b="0"/>
+        </a:effectRef>
+        <a:fontRef idx="minor"/>
+      </dsp:style>
+    </dsp:sp>
+    <dsp:sp modelId="{9C7DC750-FCFB-4918-89B3-FD2F19E72FA0}">
+      <dsp:nvSpPr>
+        <dsp:cNvPr id="0" name=""/>
+        <dsp:cNvSpPr/>
+      </dsp:nvSpPr>
+      <dsp:spPr>
+        <a:xfrm>
+          <a:off x="2977157" y="1779270"/>
+          <a:ext cx="2337792" cy="370858"/>
+        </a:xfrm>
+        <a:custGeom>
+          <a:avLst/>
+          <a:gdLst/>
+          <a:ahLst/>
+          <a:cxnLst/>
+          <a:rect l="0" t="0" r="0" b="0"/>
+          <a:pathLst>
+            <a:path>
+              <a:moveTo>
+                <a:pt x="0" y="0"/>
+              </a:moveTo>
+              <a:lnTo>
+                <a:pt x="0" y="252729"/>
+              </a:lnTo>
+              <a:lnTo>
+                <a:pt x="2337792" y="252729"/>
+              </a:lnTo>
+              <a:lnTo>
+                <a:pt x="2337792" y="370858"/>
+              </a:lnTo>
+            </a:path>
+          </a:pathLst>
+        </a:custGeom>
+        <a:noFill/>
+        <a:ln w="25400" cap="flat" cmpd="sng" algn="ctr">
+          <a:solidFill>
+            <a:schemeClr val="accent1">
+              <a:shade val="60000"/>
+              <a:hueOff val="0"/>
+              <a:satOff val="0"/>
+              <a:lumOff val="0"/>
+              <a:alphaOff val="0"/>
+            </a:schemeClr>
+          </a:solidFill>
+          <a:prstDash val="solid"/>
+        </a:ln>
+        <a:effectLst/>
+      </dsp:spPr>
+      <dsp:style>
+        <a:lnRef idx="2">
+          <a:scrgbClr r="0" g="0" b="0"/>
+        </a:lnRef>
+        <a:fillRef idx="0">
+          <a:scrgbClr r="0" g="0" b="0"/>
+        </a:fillRef>
+        <a:effectRef idx="0">
+          <a:scrgbClr r="0" g="0" b="0"/>
+        </a:effectRef>
+        <a:fontRef idx="minor"/>
+      </dsp:style>
+    </dsp:sp>
+    <dsp:sp modelId="{908503C4-D9D8-499D-A70F-C6CD8C52B902}">
+      <dsp:nvSpPr>
+        <dsp:cNvPr id="0" name=""/>
+        <dsp:cNvSpPr/>
+      </dsp:nvSpPr>
+      <dsp:spPr>
+        <a:xfrm>
+          <a:off x="2291775" y="-134600"/>
+          <a:ext cx="1275159" cy="809726"/>
+        </a:xfrm>
+        <a:prstGeom prst="roundRect">
+          <a:avLst>
+            <a:gd name="adj" fmla="val 10000"/>
+          </a:avLst>
+        </a:prstGeom>
+        <a:solidFill>
+          <a:schemeClr val="accent1">
+            <a:hueOff val="0"/>
+            <a:satOff val="0"/>
+            <a:lumOff val="0"/>
+            <a:alphaOff val="0"/>
+          </a:schemeClr>
+        </a:solidFill>
+        <a:ln w="25400" cap="flat" cmpd="sng" algn="ctr">
+          <a:solidFill>
+            <a:schemeClr val="lt1">
+              <a:hueOff val="0"/>
+              <a:satOff val="0"/>
+              <a:lumOff val="0"/>
+              <a:alphaOff val="0"/>
+            </a:schemeClr>
+          </a:solidFill>
+          <a:prstDash val="solid"/>
+        </a:ln>
+        <a:effectLst/>
+      </dsp:spPr>
+      <dsp:style>
+        <a:lnRef idx="2">
+          <a:scrgbClr r="0" g="0" b="0"/>
+        </a:lnRef>
+        <a:fillRef idx="1">
+          <a:scrgbClr r="0" g="0" b="0"/>
+        </a:fillRef>
+        <a:effectRef idx="0">
+          <a:scrgbClr r="0" g="0" b="0"/>
+        </a:effectRef>
+        <a:fontRef idx="minor">
+          <a:schemeClr val="lt1"/>
+        </a:fontRef>
+      </dsp:style>
+    </dsp:sp>
+    <dsp:sp modelId="{5928BC4F-D24E-4B7F-84E6-BDF6725C9A9E}">
+      <dsp:nvSpPr>
+        <dsp:cNvPr id="0" name=""/>
+        <dsp:cNvSpPr/>
+      </dsp:nvSpPr>
+      <dsp:spPr>
+        <a:xfrm>
+          <a:off x="2433459" y="0"/>
+          <a:ext cx="1275159" cy="809726"/>
+        </a:xfrm>
+        <a:prstGeom prst="roundRect">
+          <a:avLst>
+            <a:gd name="adj" fmla="val 10000"/>
+          </a:avLst>
+        </a:prstGeom>
+        <a:solidFill>
+          <a:schemeClr val="lt1">
+            <a:alpha val="90000"/>
+            <a:hueOff val="0"/>
+            <a:satOff val="0"/>
+            <a:lumOff val="0"/>
+            <a:alphaOff val="0"/>
+          </a:schemeClr>
+        </a:solidFill>
+        <a:ln w="25400" cap="flat" cmpd="sng" algn="ctr">
+          <a:solidFill>
+            <a:schemeClr val="accent1">
+              <a:hueOff val="0"/>
+              <a:satOff val="0"/>
+              <a:lumOff val="0"/>
+              <a:alphaOff val="0"/>
+            </a:schemeClr>
+          </a:solidFill>
+          <a:prstDash val="solid"/>
+        </a:ln>
+        <a:effectLst/>
+      </dsp:spPr>
+      <dsp:style>
+        <a:lnRef idx="2">
+          <a:scrgbClr r="0" g="0" b="0"/>
+        </a:lnRef>
+        <a:fillRef idx="1">
+          <a:scrgbClr r="0" g="0" b="0"/>
+        </a:fillRef>
+        <a:effectRef idx="0">
+          <a:scrgbClr r="0" g="0" b="0"/>
+        </a:effectRef>
+        <a:fontRef idx="minor"/>
+      </dsp:style>
+      <dsp:txBody>
+        <a:bodyPr spcFirstLastPara="0" vert="horz" wrap="square" lIns="118110" tIns="118110" rIns="118110" bIns="118110" numCol="1" spcCol="1270" anchor="ctr" anchorCtr="0">
+          <a:noAutofit/>
+        </a:bodyPr>
+        <a:lstStyle/>
+        <a:p>
+          <a:pPr lvl="0" algn="ctr" defTabSz="1377950">
+            <a:lnSpc>
+              <a:spcPct val="90000"/>
+            </a:lnSpc>
+            <a:spcBef>
+              <a:spcPct val="0"/>
+            </a:spcBef>
+            <a:spcAft>
+              <a:spcPct val="35000"/>
+            </a:spcAft>
+          </a:pPr>
+          <a:endParaRPr lang="es-PY" sz="3100" kern="1200"/>
+        </a:p>
+      </dsp:txBody>
+      <dsp:txXfrm>
+        <a:off x="2457175" y="23716"/>
+        <a:ext cx="1227727" cy="762294"/>
+      </dsp:txXfrm>
+    </dsp:sp>
+    <dsp:sp modelId="{1CA24C27-E6A3-426E-99E1-7BD085C1490A}">
+      <dsp:nvSpPr>
+        <dsp:cNvPr id="0" name=""/>
+        <dsp:cNvSpPr/>
+      </dsp:nvSpPr>
+      <dsp:spPr>
+        <a:xfrm>
+          <a:off x="2339578" y="969544"/>
+          <a:ext cx="1275159" cy="809726"/>
+        </a:xfrm>
+        <a:prstGeom prst="roundRect">
+          <a:avLst>
+            <a:gd name="adj" fmla="val 10000"/>
+          </a:avLst>
+        </a:prstGeom>
+        <a:solidFill>
+          <a:schemeClr val="accent1">
+            <a:hueOff val="0"/>
+            <a:satOff val="0"/>
+            <a:lumOff val="0"/>
+            <a:alphaOff val="0"/>
+          </a:schemeClr>
+        </a:solidFill>
+        <a:ln w="25400" cap="flat" cmpd="sng" algn="ctr">
+          <a:solidFill>
+            <a:schemeClr val="lt1">
+              <a:hueOff val="0"/>
+              <a:satOff val="0"/>
+              <a:lumOff val="0"/>
+              <a:alphaOff val="0"/>
+            </a:schemeClr>
+          </a:solidFill>
+          <a:prstDash val="solid"/>
+        </a:ln>
+        <a:effectLst/>
+      </dsp:spPr>
+      <dsp:style>
+        <a:lnRef idx="2">
+          <a:scrgbClr r="0" g="0" b="0"/>
+        </a:lnRef>
+        <a:fillRef idx="1">
+          <a:scrgbClr r="0" g="0" b="0"/>
+        </a:fillRef>
+        <a:effectRef idx="0">
+          <a:scrgbClr r="0" g="0" b="0"/>
+        </a:effectRef>
+        <a:fontRef idx="minor">
+          <a:schemeClr val="lt1"/>
+        </a:fontRef>
+      </dsp:style>
+    </dsp:sp>
+    <dsp:sp modelId="{1AEB0B79-0DED-4168-94B5-D945BC3D9CAE}">
+      <dsp:nvSpPr>
+        <dsp:cNvPr id="0" name=""/>
+        <dsp:cNvSpPr/>
+      </dsp:nvSpPr>
+      <dsp:spPr>
+        <a:xfrm>
+          <a:off x="2481262" y="1104144"/>
+          <a:ext cx="1275159" cy="809726"/>
+        </a:xfrm>
+        <a:prstGeom prst="roundRect">
+          <a:avLst>
+            <a:gd name="adj" fmla="val 10000"/>
+          </a:avLst>
+        </a:prstGeom>
+        <a:solidFill>
+          <a:schemeClr val="lt1">
+            <a:alpha val="90000"/>
+            <a:hueOff val="0"/>
+            <a:satOff val="0"/>
+            <a:lumOff val="0"/>
+            <a:alphaOff val="0"/>
+          </a:schemeClr>
+        </a:solidFill>
+        <a:ln w="25400" cap="flat" cmpd="sng" algn="ctr">
+          <a:solidFill>
+            <a:schemeClr val="accent1">
+              <a:hueOff val="0"/>
+              <a:satOff val="0"/>
+              <a:lumOff val="0"/>
+              <a:alphaOff val="0"/>
+            </a:schemeClr>
+          </a:solidFill>
+          <a:prstDash val="solid"/>
+        </a:ln>
+        <a:effectLst/>
+      </dsp:spPr>
+      <dsp:style>
+        <a:lnRef idx="2">
+          <a:scrgbClr r="0" g="0" b="0"/>
+        </a:lnRef>
+        <a:fillRef idx="1">
+          <a:scrgbClr r="0" g="0" b="0"/>
+        </a:fillRef>
+        <a:effectRef idx="0">
+          <a:scrgbClr r="0" g="0" b="0"/>
+        </a:effectRef>
+        <a:fontRef idx="minor"/>
+      </dsp:style>
+      <dsp:txBody>
+        <a:bodyPr spcFirstLastPara="0" vert="horz" wrap="square" lIns="118110" tIns="118110" rIns="118110" bIns="118110" numCol="1" spcCol="1270" anchor="ctr" anchorCtr="0">
+          <a:noAutofit/>
+        </a:bodyPr>
+        <a:lstStyle/>
+        <a:p>
+          <a:pPr lvl="0" algn="ctr" defTabSz="1377950">
+            <a:lnSpc>
+              <a:spcPct val="90000"/>
+            </a:lnSpc>
+            <a:spcBef>
+              <a:spcPct val="0"/>
+            </a:spcBef>
+            <a:spcAft>
+              <a:spcPct val="35000"/>
+            </a:spcAft>
+          </a:pPr>
+          <a:r>
+            <a:rPr lang="es-PY" sz="3100" kern="1200" dirty="0" smtClean="0"/>
+            <a:t>Cloud</a:t>
+          </a:r>
+          <a:endParaRPr lang="es-PY" sz="3100" kern="1200" dirty="0"/>
+        </a:p>
+      </dsp:txBody>
+      <dsp:txXfrm>
+        <a:off x="2504978" y="1127860"/>
+        <a:ext cx="1227727" cy="762294"/>
+      </dsp:txXfrm>
+    </dsp:sp>
+    <dsp:sp modelId="{48A6C2B8-1AB7-48F7-92DE-E88EF2C094F4}">
+      <dsp:nvSpPr>
+        <dsp:cNvPr id="0" name=""/>
+        <dsp:cNvSpPr/>
+      </dsp:nvSpPr>
+      <dsp:spPr>
+        <a:xfrm>
+          <a:off x="4677370" y="2150129"/>
+          <a:ext cx="1275159" cy="809726"/>
+        </a:xfrm>
+        <a:prstGeom prst="roundRect">
+          <a:avLst>
+            <a:gd name="adj" fmla="val 10000"/>
+          </a:avLst>
+        </a:prstGeom>
+        <a:solidFill>
+          <a:schemeClr val="accent1">
+            <a:hueOff val="0"/>
+            <a:satOff val="0"/>
+            <a:lumOff val="0"/>
+            <a:alphaOff val="0"/>
+          </a:schemeClr>
+        </a:solidFill>
+        <a:ln w="25400" cap="flat" cmpd="sng" algn="ctr">
+          <a:solidFill>
+            <a:schemeClr val="lt1">
+              <a:hueOff val="0"/>
+              <a:satOff val="0"/>
+              <a:lumOff val="0"/>
+              <a:alphaOff val="0"/>
+            </a:schemeClr>
+          </a:solidFill>
+          <a:prstDash val="solid"/>
+        </a:ln>
+        <a:effectLst/>
+      </dsp:spPr>
+      <dsp:style>
+        <a:lnRef idx="2">
+          <a:scrgbClr r="0" g="0" b="0"/>
+        </a:lnRef>
+        <a:fillRef idx="1">
+          <a:scrgbClr r="0" g="0" b="0"/>
+        </a:fillRef>
+        <a:effectRef idx="0">
+          <a:scrgbClr r="0" g="0" b="0"/>
+        </a:effectRef>
+        <a:fontRef idx="minor">
+          <a:schemeClr val="lt1"/>
+        </a:fontRef>
+      </dsp:style>
+    </dsp:sp>
+    <dsp:sp modelId="{E6A647B9-8ED1-4A0F-9BF1-FF67182E4178}">
+      <dsp:nvSpPr>
+        <dsp:cNvPr id="0" name=""/>
+        <dsp:cNvSpPr/>
+      </dsp:nvSpPr>
+      <dsp:spPr>
+        <a:xfrm>
+          <a:off x="4819054" y="2284729"/>
+          <a:ext cx="1275159" cy="809726"/>
+        </a:xfrm>
+        <a:prstGeom prst="roundRect">
+          <a:avLst>
+            <a:gd name="adj" fmla="val 10000"/>
+          </a:avLst>
+        </a:prstGeom>
+        <a:solidFill>
+          <a:schemeClr val="lt1">
+            <a:alpha val="90000"/>
+            <a:hueOff val="0"/>
+            <a:satOff val="0"/>
+            <a:lumOff val="0"/>
+            <a:alphaOff val="0"/>
+          </a:schemeClr>
+        </a:solidFill>
+        <a:ln w="25400" cap="flat" cmpd="sng" algn="ctr">
+          <a:solidFill>
+            <a:schemeClr val="accent1">
+              <a:hueOff val="0"/>
+              <a:satOff val="0"/>
+              <a:lumOff val="0"/>
+              <a:alphaOff val="0"/>
+            </a:schemeClr>
+          </a:solidFill>
+          <a:prstDash val="solid"/>
+        </a:ln>
+        <a:effectLst/>
+      </dsp:spPr>
+      <dsp:style>
+        <a:lnRef idx="2">
+          <a:scrgbClr r="0" g="0" b="0"/>
+        </a:lnRef>
+        <a:fillRef idx="1">
+          <a:scrgbClr r="0" g="0" b="0"/>
+        </a:fillRef>
+        <a:effectRef idx="0">
+          <a:scrgbClr r="0" g="0" b="0"/>
+        </a:effectRef>
+        <a:fontRef idx="minor"/>
+      </dsp:style>
+      <dsp:txBody>
+        <a:bodyPr spcFirstLastPara="0" vert="horz" wrap="square" lIns="118110" tIns="118110" rIns="118110" bIns="118110" numCol="1" spcCol="1270" anchor="ctr" anchorCtr="0">
+          <a:noAutofit/>
+        </a:bodyPr>
+        <a:lstStyle/>
+        <a:p>
+          <a:pPr lvl="0" algn="ctr" defTabSz="1377950">
+            <a:lnSpc>
+              <a:spcPct val="90000"/>
+            </a:lnSpc>
+            <a:spcBef>
+              <a:spcPct val="0"/>
+            </a:spcBef>
+            <a:spcAft>
+              <a:spcPct val="35000"/>
+            </a:spcAft>
+          </a:pPr>
+          <a:r>
+            <a:rPr lang="es-PY" sz="3100" kern="1200" dirty="0" smtClean="0"/>
+            <a:t>API</a:t>
+          </a:r>
+          <a:endParaRPr lang="es-PY" sz="3100" kern="1200" dirty="0"/>
+        </a:p>
+      </dsp:txBody>
+      <dsp:txXfrm>
+        <a:off x="4842770" y="2308445"/>
+        <a:ext cx="1227727" cy="762294"/>
+      </dsp:txXfrm>
+    </dsp:sp>
+    <dsp:sp modelId="{34A75FB4-723F-4439-A7C4-F14A8F7E956C}">
+      <dsp:nvSpPr>
+        <dsp:cNvPr id="0" name=""/>
+        <dsp:cNvSpPr/>
+      </dsp:nvSpPr>
+      <dsp:spPr>
+        <a:xfrm>
+          <a:off x="3118842" y="2150129"/>
+          <a:ext cx="1275159" cy="809726"/>
+        </a:xfrm>
+        <a:prstGeom prst="roundRect">
+          <a:avLst>
+            <a:gd name="adj" fmla="val 10000"/>
+          </a:avLst>
+        </a:prstGeom>
+        <a:solidFill>
+          <a:schemeClr val="accent1">
+            <a:hueOff val="0"/>
+            <a:satOff val="0"/>
+            <a:lumOff val="0"/>
+            <a:alphaOff val="0"/>
+          </a:schemeClr>
+        </a:solidFill>
+        <a:ln w="25400" cap="flat" cmpd="sng" algn="ctr">
+          <a:solidFill>
+            <a:schemeClr val="lt1">
+              <a:hueOff val="0"/>
+              <a:satOff val="0"/>
+              <a:lumOff val="0"/>
+              <a:alphaOff val="0"/>
+            </a:schemeClr>
+          </a:solidFill>
+          <a:prstDash val="solid"/>
+        </a:ln>
+        <a:effectLst/>
+      </dsp:spPr>
+      <dsp:style>
+        <a:lnRef idx="2">
+          <a:scrgbClr r="0" g="0" b="0"/>
+        </a:lnRef>
+        <a:fillRef idx="1">
+          <a:scrgbClr r="0" g="0" b="0"/>
+        </a:fillRef>
+        <a:effectRef idx="0">
+          <a:scrgbClr r="0" g="0" b="0"/>
+        </a:effectRef>
+        <a:fontRef idx="minor">
+          <a:schemeClr val="lt1"/>
+        </a:fontRef>
+      </dsp:style>
+    </dsp:sp>
+    <dsp:sp modelId="{F47EEAB3-7389-451F-A3A3-DA43E45BA65F}">
+      <dsp:nvSpPr>
+        <dsp:cNvPr id="0" name=""/>
+        <dsp:cNvSpPr/>
+      </dsp:nvSpPr>
+      <dsp:spPr>
+        <a:xfrm>
+          <a:off x="3260526" y="2284729"/>
+          <a:ext cx="1275159" cy="809726"/>
+        </a:xfrm>
+        <a:prstGeom prst="roundRect">
+          <a:avLst>
+            <a:gd name="adj" fmla="val 10000"/>
+          </a:avLst>
+        </a:prstGeom>
+        <a:solidFill>
+          <a:schemeClr val="lt1">
+            <a:alpha val="90000"/>
+            <a:hueOff val="0"/>
+            <a:satOff val="0"/>
+            <a:lumOff val="0"/>
+            <a:alphaOff val="0"/>
+          </a:schemeClr>
+        </a:solidFill>
+        <a:ln w="25400" cap="flat" cmpd="sng" algn="ctr">
+          <a:solidFill>
+            <a:schemeClr val="accent1">
+              <a:hueOff val="0"/>
+              <a:satOff val="0"/>
+              <a:lumOff val="0"/>
+              <a:alphaOff val="0"/>
+            </a:schemeClr>
+          </a:solidFill>
+          <a:prstDash val="solid"/>
+        </a:ln>
+        <a:effectLst/>
+      </dsp:spPr>
+      <dsp:style>
+        <a:lnRef idx="2">
+          <a:scrgbClr r="0" g="0" b="0"/>
+        </a:lnRef>
+        <a:fillRef idx="1">
+          <a:scrgbClr r="0" g="0" b="0"/>
+        </a:fillRef>
+        <a:effectRef idx="0">
+          <a:scrgbClr r="0" g="0" b="0"/>
+        </a:effectRef>
+        <a:fontRef idx="minor"/>
+      </dsp:style>
+      <dsp:txBody>
+        <a:bodyPr spcFirstLastPara="0" vert="horz" wrap="square" lIns="118110" tIns="118110" rIns="118110" bIns="118110" numCol="1" spcCol="1270" anchor="ctr" anchorCtr="0">
+          <a:noAutofit/>
+        </a:bodyPr>
+        <a:lstStyle/>
+        <a:p>
+          <a:pPr lvl="0" algn="ctr" defTabSz="1377950">
+            <a:lnSpc>
+              <a:spcPct val="90000"/>
+            </a:lnSpc>
+            <a:spcBef>
+              <a:spcPct val="0"/>
+            </a:spcBef>
+            <a:spcAft>
+              <a:spcPct val="35000"/>
+            </a:spcAft>
+          </a:pPr>
+          <a:r>
+            <a:rPr lang="es-PY" sz="3100" kern="1200" dirty="0" err="1" smtClean="0"/>
+            <a:t>Movil</a:t>
+          </a:r>
+          <a:endParaRPr lang="es-PY" sz="3100" kern="1200" dirty="0"/>
+        </a:p>
+      </dsp:txBody>
+      <dsp:txXfrm>
+        <a:off x="3284242" y="2308445"/>
+        <a:ext cx="1227727" cy="762294"/>
+      </dsp:txXfrm>
+    </dsp:sp>
+    <dsp:sp modelId="{07FCCA52-BB8D-4DB9-9543-1B930300276F}">
+      <dsp:nvSpPr>
+        <dsp:cNvPr id="0" name=""/>
+        <dsp:cNvSpPr/>
+      </dsp:nvSpPr>
+      <dsp:spPr>
+        <a:xfrm>
+          <a:off x="1560314" y="2150129"/>
+          <a:ext cx="1275159" cy="809726"/>
+        </a:xfrm>
+        <a:prstGeom prst="roundRect">
+          <a:avLst>
+            <a:gd name="adj" fmla="val 10000"/>
+          </a:avLst>
+        </a:prstGeom>
+        <a:solidFill>
+          <a:schemeClr val="accent1">
+            <a:hueOff val="0"/>
+            <a:satOff val="0"/>
+            <a:lumOff val="0"/>
+            <a:alphaOff val="0"/>
+          </a:schemeClr>
+        </a:solidFill>
+        <a:ln w="25400" cap="flat" cmpd="sng" algn="ctr">
+          <a:solidFill>
+            <a:schemeClr val="lt1">
+              <a:hueOff val="0"/>
+              <a:satOff val="0"/>
+              <a:lumOff val="0"/>
+              <a:alphaOff val="0"/>
+            </a:schemeClr>
+          </a:solidFill>
+          <a:prstDash val="solid"/>
+        </a:ln>
+        <a:effectLst/>
+      </dsp:spPr>
+      <dsp:style>
+        <a:lnRef idx="2">
+          <a:scrgbClr r="0" g="0" b="0"/>
+        </a:lnRef>
+        <a:fillRef idx="1">
+          <a:scrgbClr r="0" g="0" b="0"/>
+        </a:fillRef>
+        <a:effectRef idx="0">
+          <a:scrgbClr r="0" g="0" b="0"/>
+        </a:effectRef>
+        <a:fontRef idx="minor">
+          <a:schemeClr val="lt1"/>
+        </a:fontRef>
+      </dsp:style>
+    </dsp:sp>
+    <dsp:sp modelId="{FA67FBA9-6222-48D3-BF50-52842D33B548}">
+      <dsp:nvSpPr>
+        <dsp:cNvPr id="0" name=""/>
+        <dsp:cNvSpPr/>
+      </dsp:nvSpPr>
+      <dsp:spPr>
+        <a:xfrm>
+          <a:off x="1701998" y="2284729"/>
+          <a:ext cx="1275159" cy="809726"/>
+        </a:xfrm>
+        <a:prstGeom prst="roundRect">
+          <a:avLst>
+            <a:gd name="adj" fmla="val 10000"/>
+          </a:avLst>
+        </a:prstGeom>
+        <a:solidFill>
+          <a:schemeClr val="lt1">
+            <a:alpha val="90000"/>
+            <a:hueOff val="0"/>
+            <a:satOff val="0"/>
+            <a:lumOff val="0"/>
+            <a:alphaOff val="0"/>
+          </a:schemeClr>
+        </a:solidFill>
+        <a:ln w="25400" cap="flat" cmpd="sng" algn="ctr">
+          <a:solidFill>
+            <a:schemeClr val="accent1">
+              <a:hueOff val="0"/>
+              <a:satOff val="0"/>
+              <a:lumOff val="0"/>
+              <a:alphaOff val="0"/>
+            </a:schemeClr>
+          </a:solidFill>
+          <a:prstDash val="solid"/>
+        </a:ln>
+        <a:effectLst/>
+      </dsp:spPr>
+      <dsp:style>
+        <a:lnRef idx="2">
+          <a:scrgbClr r="0" g="0" b="0"/>
+        </a:lnRef>
+        <a:fillRef idx="1">
+          <a:scrgbClr r="0" g="0" b="0"/>
+        </a:fillRef>
+        <a:effectRef idx="0">
+          <a:scrgbClr r="0" g="0" b="0"/>
+        </a:effectRef>
+        <a:fontRef idx="minor"/>
+      </dsp:style>
+      <dsp:txBody>
+        <a:bodyPr spcFirstLastPara="0" vert="horz" wrap="square" lIns="118110" tIns="118110" rIns="118110" bIns="118110" numCol="1" spcCol="1270" anchor="ctr" anchorCtr="0">
+          <a:noAutofit/>
+        </a:bodyPr>
+        <a:lstStyle/>
+        <a:p>
+          <a:pPr lvl="0" algn="ctr" defTabSz="1377950">
+            <a:lnSpc>
+              <a:spcPct val="90000"/>
+            </a:lnSpc>
+            <a:spcBef>
+              <a:spcPct val="0"/>
+            </a:spcBef>
+            <a:spcAft>
+              <a:spcPct val="35000"/>
+            </a:spcAft>
+          </a:pPr>
+          <a:r>
+            <a:rPr lang="es-PY" sz="3100" kern="1200" dirty="0" smtClean="0"/>
+            <a:t>Tablet</a:t>
+          </a:r>
+          <a:endParaRPr lang="es-PY" sz="3100" kern="1200" dirty="0"/>
+        </a:p>
+      </dsp:txBody>
+      <dsp:txXfrm>
+        <a:off x="1725714" y="2308445"/>
+        <a:ext cx="1227727" cy="762294"/>
+      </dsp:txXfrm>
+    </dsp:sp>
+    <dsp:sp modelId="{8AE5CD53-4287-4360-9FDC-9F118CD5C58F}">
+      <dsp:nvSpPr>
+        <dsp:cNvPr id="0" name=""/>
+        <dsp:cNvSpPr/>
+      </dsp:nvSpPr>
+      <dsp:spPr>
+        <a:xfrm>
+          <a:off x="1785" y="2150129"/>
+          <a:ext cx="1275159" cy="809726"/>
+        </a:xfrm>
+        <a:prstGeom prst="roundRect">
+          <a:avLst>
+            <a:gd name="adj" fmla="val 10000"/>
+          </a:avLst>
+        </a:prstGeom>
+        <a:solidFill>
+          <a:schemeClr val="accent1">
+            <a:hueOff val="0"/>
+            <a:satOff val="0"/>
+            <a:lumOff val="0"/>
+            <a:alphaOff val="0"/>
+          </a:schemeClr>
+        </a:solidFill>
+        <a:ln w="25400" cap="flat" cmpd="sng" algn="ctr">
+          <a:solidFill>
+            <a:schemeClr val="lt1">
+              <a:hueOff val="0"/>
+              <a:satOff val="0"/>
+              <a:lumOff val="0"/>
+              <a:alphaOff val="0"/>
+            </a:schemeClr>
+          </a:solidFill>
+          <a:prstDash val="solid"/>
+        </a:ln>
+        <a:effectLst/>
+      </dsp:spPr>
+      <dsp:style>
+        <a:lnRef idx="2">
+          <a:scrgbClr r="0" g="0" b="0"/>
+        </a:lnRef>
+        <a:fillRef idx="1">
+          <a:scrgbClr r="0" g="0" b="0"/>
+        </a:fillRef>
+        <a:effectRef idx="0">
+          <a:scrgbClr r="0" g="0" b="0"/>
+        </a:effectRef>
+        <a:fontRef idx="minor">
+          <a:schemeClr val="lt1"/>
+        </a:fontRef>
+      </dsp:style>
+    </dsp:sp>
+    <dsp:sp modelId="{D4E7D986-CB17-494D-B913-E8D7C0556865}">
+      <dsp:nvSpPr>
+        <dsp:cNvPr id="0" name=""/>
+        <dsp:cNvSpPr/>
+      </dsp:nvSpPr>
+      <dsp:spPr>
+        <a:xfrm>
+          <a:off x="143470" y="2284729"/>
+          <a:ext cx="1275159" cy="809726"/>
+        </a:xfrm>
+        <a:prstGeom prst="roundRect">
+          <a:avLst>
+            <a:gd name="adj" fmla="val 10000"/>
+          </a:avLst>
+        </a:prstGeom>
+        <a:solidFill>
+          <a:schemeClr val="lt1">
+            <a:alpha val="90000"/>
+            <a:hueOff val="0"/>
+            <a:satOff val="0"/>
+            <a:lumOff val="0"/>
+            <a:alphaOff val="0"/>
+          </a:schemeClr>
+        </a:solidFill>
+        <a:ln w="25400" cap="flat" cmpd="sng" algn="ctr">
+          <a:solidFill>
+            <a:schemeClr val="accent1">
+              <a:hueOff val="0"/>
+              <a:satOff val="0"/>
+              <a:lumOff val="0"/>
+              <a:alphaOff val="0"/>
+            </a:schemeClr>
+          </a:solidFill>
+          <a:prstDash val="solid"/>
+        </a:ln>
+        <a:effectLst/>
+      </dsp:spPr>
+      <dsp:style>
+        <a:lnRef idx="2">
+          <a:scrgbClr r="0" g="0" b="0"/>
+        </a:lnRef>
+        <a:fillRef idx="1">
+          <a:scrgbClr r="0" g="0" b="0"/>
+        </a:fillRef>
+        <a:effectRef idx="0">
+          <a:scrgbClr r="0" g="0" b="0"/>
+        </a:effectRef>
+        <a:fontRef idx="minor"/>
+      </dsp:style>
+      <dsp:txBody>
+        <a:bodyPr spcFirstLastPara="0" vert="horz" wrap="square" lIns="118110" tIns="118110" rIns="118110" bIns="118110" numCol="1" spcCol="1270" anchor="ctr" anchorCtr="0">
+          <a:noAutofit/>
+        </a:bodyPr>
+        <a:lstStyle/>
+        <a:p>
+          <a:pPr lvl="0" algn="ctr" defTabSz="1377950">
+            <a:lnSpc>
+              <a:spcPct val="90000"/>
+            </a:lnSpc>
+            <a:spcBef>
+              <a:spcPct val="0"/>
+            </a:spcBef>
+            <a:spcAft>
+              <a:spcPct val="35000"/>
+            </a:spcAft>
+          </a:pPr>
+          <a:r>
+            <a:rPr lang="es-PY" sz="3100" kern="1200" dirty="0" smtClean="0"/>
+            <a:t>PC</a:t>
+          </a:r>
+          <a:endParaRPr lang="es-PY" sz="3100" kern="1200" dirty="0"/>
+        </a:p>
+      </dsp:txBody>
+      <dsp:txXfrm>
+        <a:off x="167186" y="2308445"/>
+        <a:ext cx="1227727" cy="762294"/>
+      </dsp:txXfrm>
+    </dsp:sp>
+  </dsp:spTree>
+</dsp:drawing>
+</file>
+
+<file path=ppt/diagrams/layout1.xml><?xml version="1.0" encoding="utf-8"?>
+<dgm:layoutDef xmlns:dgm="http://schemas.openxmlformats.org/drawingml/2006/diagram" xmlns:a="http://schemas.openxmlformats.org/drawingml/2006/main" uniqueId="urn:microsoft.com/office/officeart/2005/8/layout/hierarchy1">
+  <dgm:title val=""/>
+  <dgm:desc val=""/>
+  <dgm:catLst>
+    <dgm:cat type="hierarchy" pri="2000"/>
+  </dgm:catLst>
+  <dgm:sampData>
+    <dgm:dataModel>
+      <dgm:ptLst>
+        <dgm:pt modelId="0" type="doc"/>
+        <dgm:pt modelId="1">
+          <dgm:prSet phldr="1"/>
+        </dgm:pt>
+        <dgm:pt modelId="2">
+          <dgm:prSet phldr="1"/>
+        </dgm:pt>
+        <dgm:pt modelId="21">
+          <dgm:prSet phldr="1"/>
+        </dgm:pt>
+        <dgm:pt modelId="22">
+          <dgm:prSet phldr="1"/>
+        </dgm:pt>
+        <dgm:pt modelId="3">
+          <dgm:prSet phldr="1"/>
+        </dgm:pt>
+        <dgm:pt modelId="31">
+          <dgm:prSet phldr="1"/>
+        </dgm:pt>
+      </dgm:ptLst>
+      <dgm:cxnLst>
+        <dgm:cxn modelId="4" srcId="0" destId="1" srcOrd="0" destOrd="0"/>
+        <dgm:cxn modelId="5" srcId="1" destId="2" srcOrd="0" destOrd="0"/>
+        <dgm:cxn modelId="6" srcId="1" destId="3" srcOrd="1" destOrd="0"/>
+        <dgm:cxn modelId="23" srcId="2" destId="21" srcOrd="0" destOrd="0"/>
+        <dgm:cxn modelId="24" srcId="2" destId="22" srcOrd="1" destOrd="0"/>
+        <dgm:cxn modelId="33" srcId="3" destId="31" srcOrd="0" destOrd="0"/>
+      </dgm:cxnLst>
+      <dgm:bg/>
+      <dgm:whole/>
+    </dgm:dataModel>
+  </dgm:sampData>
+  <dgm:styleData>
+    <dgm:dataModel>
+      <dgm:ptLst>
+        <dgm:pt modelId="0" type="doc"/>
+        <dgm:pt modelId="1"/>
+        <dgm:pt modelId="11"/>
+        <dgm:pt modelId="12"/>
+      </dgm:ptLst>
+      <dgm:cxnLst>
+        <dgm:cxn modelId="2" srcId="0" destId="1" srcOrd="0" destOrd="0"/>
+        <dgm:cxn modelId="13" srcId="1" destId="11" srcOrd="0" destOrd="0"/>
+        <dgm:cxn modelId="14" srcId="1" destId="12" srcOrd="1" destOrd="0"/>
+      </dgm:cxnLst>
+      <dgm:bg/>
+      <dgm:whole/>
+    </dgm:dataModel>
+  </dgm:styleData>
+  <dgm:clrData>
+    <dgm:dataModel>
+      <dgm:ptLst>
+        <dgm:pt modelId="0" type="doc"/>
+        <dgm:pt modelId="1"/>
+        <dgm:pt modelId="2"/>
+        <dgm:pt modelId="21"/>
+        <dgm:pt modelId="211"/>
+        <dgm:pt modelId="3"/>
+        <dgm:pt modelId="31"/>
+        <dgm:pt modelId="311"/>
+      </dgm:ptLst>
+      <dgm:cxnLst>
+        <dgm:cxn modelId="4" srcId="0" destId="1" srcOrd="0" destOrd="0"/>
+        <dgm:cxn modelId="5" srcId="1" destId="2" srcOrd="0" destOrd="0"/>
+        <dgm:cxn modelId="6" srcId="1" destId="3" srcOrd="1" destOrd="0"/>
+        <dgm:cxn modelId="23" srcId="2" destId="21" srcOrd="0" destOrd="0"/>
+        <dgm:cxn modelId="24" srcId="21" destId="211" srcOrd="0" destOrd="0"/>
+        <dgm:cxn modelId="33" srcId="3" destId="31" srcOrd="0" destOrd="0"/>
+        <dgm:cxn modelId="34" srcId="31" destId="311" srcOrd="0" destOrd="0"/>
+      </dgm:cxnLst>
+      <dgm:bg/>
+      <dgm:whole/>
+    </dgm:dataModel>
+  </dgm:clrData>
+  <dgm:layoutNode name="hierChild1">
+    <dgm:varLst>
+      <dgm:chPref val="1"/>
+      <dgm:dir/>
+      <dgm:animOne val="branch"/>
+      <dgm:animLvl val="lvl"/>
+      <dgm:resizeHandles/>
+    </dgm:varLst>
+    <dgm:choose name="Name0">
+      <dgm:if name="Name1" func="var" arg="dir" op="equ" val="norm">
+        <dgm:alg type="hierChild">
+          <dgm:param type="linDir" val="fromL"/>
+        </dgm:alg>
+      </dgm:if>
+      <dgm:else name="Name2">
+        <dgm:alg type="hierChild">
+          <dgm:param type="linDir" val="fromR"/>
+        </dgm:alg>
+      </dgm:else>
+    </dgm:choose>
+    <dgm:shape xmlns:r="http://schemas.openxmlformats.org/officeDocument/2006/relationships" r:blip="">
+      <dgm:adjLst/>
+    </dgm:shape>
+    <dgm:presOf/>
+    <dgm:constrLst>
+      <dgm:constr type="primFontSz" for="des" ptType="node" op="equ" val="65"/>
+      <dgm:constr type="w" for="des" forName="composite" refType="w"/>
+      <dgm:constr type="h" for="des" forName="composite" refType="w" refFor="des" refForName="composite" fact="0.667"/>
+      <dgm:constr type="w" for="des" forName="composite2" refType="w" refFor="des" refForName="composite"/>
+      <dgm:constr type="h" for="des" forName="composite2" refType="h" refFor="des" refForName="composite"/>
+      <dgm:constr type="w" for="des" forName="composite3" refType="w" refFor="des" refForName="composite"/>
+      <dgm:constr type="h" for="des" forName="composite3" refType="h" refFor="des" refForName="composite"/>
+      <dgm:constr type="w" for="des" forName="composite4" refType="w" refFor="des" refForName="composite"/>
+      <dgm:constr type="h" for="des" forName="composite4" refType="h" refFor="des" refForName="composite"/>
+      <dgm:constr type="w" for="des" forName="composite5" refType="w" refFor="des" refForName="composite"/>
+      <dgm:constr type="h" for="des" forName="composite5" refType="h" refFor="des" refForName="composite"/>
+      <dgm:constr type="sibSp" refType="w" refFor="des" refForName="composite" fact="0.1"/>
+      <dgm:constr type="sibSp" for="des" forName="hierChild2" refType="sibSp"/>
+      <dgm:constr type="sibSp" for="des" forName="hierChild3" refType="sibSp"/>
+      <dgm:constr type="sibSp" for="des" forName="hierChild4" refType="sibSp"/>
+      <dgm:constr type="sibSp" for="des" forName="hierChild5" refType="sibSp"/>
+      <dgm:constr type="sibSp" for="des" forName="hierChild6" refType="sibSp"/>
+      <dgm:constr type="sp" for="des" forName="hierRoot1" refType="h" refFor="des" refForName="composite" fact="0.25"/>
+      <dgm:constr type="sp" for="des" forName="hierRoot2" refType="sp" refFor="des" refForName="hierRoot1"/>
+      <dgm:constr type="sp" for="des" forName="hierRoot3" refType="sp" refFor="des" refForName="hierRoot1"/>
+      <dgm:constr type="sp" for="des" forName="hierRoot4" refType="sp" refFor="des" refForName="hierRoot1"/>
+      <dgm:constr type="sp" for="des" forName="hierRoot5" refType="sp" refFor="des" refForName="hierRoot1"/>
+    </dgm:constrLst>
+    <dgm:ruleLst/>
+    <dgm:forEach name="Name3" axis="ch">
+      <dgm:forEach name="Name4" axis="self" ptType="node">
+        <dgm:layoutNode name="hierRoot1">
+          <dgm:alg type="hierRoot"/>
+          <dgm:shape xmlns:r="http://schemas.openxmlformats.org/officeDocument/2006/relationships" r:blip="">
+            <dgm:adjLst/>
+          </dgm:shape>
+          <dgm:presOf/>
+          <dgm:constrLst>
+            <dgm:constr type="bendDist" for="des" ptType="parTrans" refType="sp" fact="0.5"/>
+          </dgm:constrLst>
+          <dgm:ruleLst/>
+          <dgm:layoutNode name="composite">
+            <dgm:alg type="composite"/>
+            <dgm:shape xmlns:r="http://schemas.openxmlformats.org/officeDocument/2006/relationships" r:blip="">
+              <dgm:adjLst/>
+            </dgm:shape>
+            <dgm:presOf/>
+            <dgm:constrLst>
+              <dgm:constr type="w" for="ch" forName="background" refType="w" fact="0.9"/>
+              <dgm:constr type="h" for="ch" forName="background" refType="w" refFor="ch" refForName="background" fact="0.635"/>
+              <dgm:constr type="t" for="ch" forName="background"/>
+              <dgm:constr type="l" for="ch" forName="background"/>
+              <dgm:constr type="w" for="ch" forName="text" refType="w" fact="0.9"/>
+              <dgm:constr type="h" for="ch" forName="text" refType="w" refFor="ch" refForName="text" fact="0.635"/>
+              <dgm:constr type="t" for="ch" forName="text" refType="w" fact="0.095"/>
+              <dgm:constr type="l" for="ch" forName="text" refType="w" fact="0.1"/>
+            </dgm:constrLst>
+            <dgm:ruleLst/>
+            <dgm:layoutNode name="background" styleLbl="node0" moveWith="text">
+              <dgm:alg type="sp"/>
+              <dgm:shape xmlns:r="http://schemas.openxmlformats.org/officeDocument/2006/relationships" type="roundRect" r:blip="">
+                <dgm:adjLst>
+                  <dgm:adj idx="1" val="0.1"/>
+                </dgm:adjLst>
+              </dgm:shape>
+              <dgm:presOf/>
+              <dgm:constrLst/>
+              <dgm:ruleLst/>
+            </dgm:layoutNode>
+            <dgm:layoutNode name="text" styleLbl="fgAcc0">
+              <dgm:varLst>
+                <dgm:chPref val="3"/>
+              </dgm:varLst>
+              <dgm:alg type="tx"/>
+              <dgm:shape xmlns:r="http://schemas.openxmlformats.org/officeDocument/2006/relationships" type="roundRect" r:blip="">
+                <dgm:adjLst>
+                  <dgm:adj idx="1" val="0.1"/>
+                </dgm:adjLst>
+              </dgm:shape>
+              <dgm:presOf axis="self"/>
+              <dgm:constrLst>
+                <dgm:constr type="tMarg" refType="primFontSz" fact="0.3"/>
+                <dgm:constr type="bMarg" refType="primFontSz" fact="0.3"/>
+                <dgm:constr type="lMarg" refType="primFontSz" fact="0.3"/>
+                <dgm:constr type="rMarg" refType="primFontSz" fact="0.3"/>
+              </dgm:constrLst>
+              <dgm:ruleLst>
+                <dgm:rule type="primFontSz" val="5" fact="NaN" max="NaN"/>
+              </dgm:ruleLst>
+            </dgm:layoutNode>
+          </dgm:layoutNode>
+          <dgm:layoutNode name="hierChild2">
+            <dgm:choose name="Name5">
+              <dgm:if name="Name6" func="var" arg="dir" op="equ" val="norm">
+                <dgm:alg type="hierChild">
+                  <dgm:param type="linDir" val="fromL"/>
+                </dgm:alg>
+              </dgm:if>
+              <dgm:else name="Name7">
+                <dgm:alg type="hierChild">
+                  <dgm:param type="linDir" val="fromR"/>
+                </dgm:alg>
+              </dgm:else>
+            </dgm:choose>
+            <dgm:shape xmlns:r="http://schemas.openxmlformats.org/officeDocument/2006/relationships" r:blip="">
+              <dgm:adjLst/>
+            </dgm:shape>
+            <dgm:presOf/>
+            <dgm:constrLst/>
+            <dgm:ruleLst/>
+            <dgm:forEach name="Name8" axis="ch">
+              <dgm:forEach name="Name9" axis="self" ptType="parTrans" cnt="1">
+                <dgm:layoutNode name="Name10">
+                  <dgm:alg type="conn">
+                    <dgm:param type="dim" val="1D"/>
+                    <dgm:param type="endSty" val="noArr"/>
+                    <dgm:param type="connRout" val="bend"/>
+                    <dgm:param type="bendPt" val="end"/>
+                    <dgm:param type="begPts" val="bCtr"/>
+                    <dgm:param type="endPts" val="tCtr"/>
+                    <dgm:param type="srcNode" val="background"/>
+                    <dgm:param type="dstNode" val="background2"/>
+                  </dgm:alg>
+                  <dgm:shape xmlns:r="http://schemas.openxmlformats.org/officeDocument/2006/relationships" type="conn" r:blip="" zOrderOff="-999">
+                    <dgm:adjLst/>
+                  </dgm:shape>
+                  <dgm:presOf axis="self"/>
+                  <dgm:constrLst>
+                    <dgm:constr type="begPad"/>
+                    <dgm:constr type="endPad"/>
+                  </dgm:constrLst>
+                  <dgm:ruleLst/>
+                </dgm:layoutNode>
+              </dgm:forEach>
+              <dgm:forEach name="Name11" axis="self" ptType="node">
+                <dgm:layoutNode name="hierRoot2">
+                  <dgm:alg type="hierRoot"/>
+                  <dgm:shape xmlns:r="http://schemas.openxmlformats.org/officeDocument/2006/relationships" r:blip="">
+                    <dgm:adjLst/>
+                  </dgm:shape>
+                  <dgm:presOf/>
+                  <dgm:constrLst>
+                    <dgm:constr type="bendDist" for="des" ptType="parTrans" refType="sp" fact="0.5"/>
+                  </dgm:constrLst>
+                  <dgm:ruleLst/>
+                  <dgm:layoutNode name="composite2">
+                    <dgm:alg type="composite"/>
+                    <dgm:shape xmlns:r="http://schemas.openxmlformats.org/officeDocument/2006/relationships" r:blip="">
+                      <dgm:adjLst/>
+                    </dgm:shape>
+                    <dgm:presOf/>
+                    <dgm:constrLst>
+                      <dgm:constr type="w" for="ch" forName="background2" refType="w" fact="0.9"/>
+                      <dgm:constr type="h" for="ch" forName="background2" refType="w" refFor="ch" refForName="background2" fact="0.635"/>
+                      <dgm:constr type="t" for="ch" forName="background2"/>
+                      <dgm:constr type="l" for="ch" forName="background2"/>
+                      <dgm:constr type="w" for="ch" forName="text2" refType="w" fact="0.9"/>
+                      <dgm:constr type="h" for="ch" forName="text2" refType="w" refFor="ch" refForName="text2" fact="0.635"/>
+                      <dgm:constr type="t" for="ch" forName="text2" refType="w" fact="0.095"/>
+                      <dgm:constr type="l" for="ch" forName="text2" refType="w" fact="0.1"/>
+                    </dgm:constrLst>
+                    <dgm:ruleLst/>
+                    <dgm:layoutNode name="background2" moveWith="text2">
+                      <dgm:alg type="sp"/>
+                      <dgm:shape xmlns:r="http://schemas.openxmlformats.org/officeDocument/2006/relationships" type="roundRect" r:blip="">
+                        <dgm:adjLst>
+                          <dgm:adj idx="1" val="0.1"/>
+                        </dgm:adjLst>
+                      </dgm:shape>
+                      <dgm:presOf/>
+                      <dgm:constrLst/>
+                      <dgm:ruleLst/>
+                    </dgm:layoutNode>
+                    <dgm:layoutNode name="text2" styleLbl="fgAcc2">
+                      <dgm:varLst>
+                        <dgm:chPref val="3"/>
+                      </dgm:varLst>
+                      <dgm:alg type="tx"/>
+                      <dgm:shape xmlns:r="http://schemas.openxmlformats.org/officeDocument/2006/relationships" type="roundRect" r:blip="">
+                        <dgm:adjLst>
+                          <dgm:adj idx="1" val="0.1"/>
+                        </dgm:adjLst>
+                      </dgm:shape>
+                      <dgm:presOf axis="self"/>
+                      <dgm:constrLst>
+                        <dgm:constr type="tMarg" refType="primFontSz" fact="0.3"/>
+                        <dgm:constr type="bMarg" refType="primFontSz" fact="0.3"/>
+                        <dgm:constr type="lMarg" refType="primFontSz" fact="0.3"/>
+                        <dgm:constr type="rMarg" refType="primFontSz" fact="0.3"/>
+                      </dgm:constrLst>
+                      <dgm:ruleLst>
+                        <dgm:rule type="primFontSz" val="5" fact="NaN" max="NaN"/>
+                      </dgm:ruleLst>
+                    </dgm:layoutNode>
+                  </dgm:layoutNode>
+                  <dgm:layoutNode name="hierChild3">
+                    <dgm:choose name="Name12">
+                      <dgm:if name="Name13" func="var" arg="dir" op="equ" val="norm">
+                        <dgm:alg type="hierChild">
+                          <dgm:param type="linDir" val="fromL"/>
+                        </dgm:alg>
+                      </dgm:if>
+                      <dgm:else name="Name14">
+                        <dgm:alg type="hierChild">
+                          <dgm:param type="linDir" val="fromR"/>
+                        </dgm:alg>
+                      </dgm:else>
+                    </dgm:choose>
+                    <dgm:shape xmlns:r="http://schemas.openxmlformats.org/officeDocument/2006/relationships" r:blip="">
+                      <dgm:adjLst/>
+                    </dgm:shape>
+                    <dgm:presOf/>
+                    <dgm:constrLst/>
+                    <dgm:ruleLst/>
+                    <dgm:forEach name="Name15" axis="ch">
+                      <dgm:forEach name="Name16" axis="self" ptType="parTrans" cnt="1">
+                        <dgm:layoutNode name="Name17">
+                          <dgm:alg type="conn">
+                            <dgm:param type="dim" val="1D"/>
+                            <dgm:param type="endSty" val="noArr"/>
+                            <dgm:param type="connRout" val="bend"/>
+                            <dgm:param type="bendPt" val="end"/>
+                            <dgm:param type="begPts" val="bCtr"/>
+                            <dgm:param type="endPts" val="tCtr"/>
+                            <dgm:param type="srcNode" val="background2"/>
+                            <dgm:param type="dstNode" val="background3"/>
+                          </dgm:alg>
+                          <dgm:shape xmlns:r="http://schemas.openxmlformats.org/officeDocument/2006/relationships" type="conn" r:blip="" zOrderOff="-999">
+                            <dgm:adjLst/>
+                          </dgm:shape>
+                          <dgm:presOf axis="self"/>
+                          <dgm:constrLst>
+                            <dgm:constr type="begPad"/>
+                            <dgm:constr type="endPad"/>
+                          </dgm:constrLst>
+                          <dgm:ruleLst/>
+                        </dgm:layoutNode>
+                      </dgm:forEach>
+                      <dgm:forEach name="Name18" axis="self" ptType="node">
+                        <dgm:layoutNode name="hierRoot3">
+                          <dgm:alg type="hierRoot"/>
+                          <dgm:shape xmlns:r="http://schemas.openxmlformats.org/officeDocument/2006/relationships" r:blip="">
+                            <dgm:adjLst/>
+                          </dgm:shape>
+                          <dgm:presOf/>
+                          <dgm:constrLst>
+                            <dgm:constr type="bendDist" for="des" ptType="parTrans" refType="sp" fact="0.5"/>
+                          </dgm:constrLst>
+                          <dgm:ruleLst/>
+                          <dgm:layoutNode name="composite3">
+                            <dgm:alg type="composite"/>
+                            <dgm:shape xmlns:r="http://schemas.openxmlformats.org/officeDocument/2006/relationships" r:blip="">
+                              <dgm:adjLst/>
+                            </dgm:shape>
+                            <dgm:presOf/>
+                            <dgm:constrLst>
+                              <dgm:constr type="w" for="ch" forName="background3" refType="w" fact="0.9"/>
+                              <dgm:constr type="h" for="ch" forName="background3" refType="w" refFor="ch" refForName="background3" fact="0.635"/>
+                              <dgm:constr type="t" for="ch" forName="background3"/>
+                              <dgm:constr type="l" for="ch" forName="background3"/>
+                              <dgm:constr type="w" for="ch" forName="text3" refType="w" fact="0.9"/>
+                              <dgm:constr type="h" for="ch" forName="text3" refType="w" refFor="ch" refForName="text3" fact="0.635"/>
+                              <dgm:constr type="t" for="ch" forName="text3" refType="w" fact="0.095"/>
+                              <dgm:constr type="l" for="ch" forName="text3" refType="w" fact="0.1"/>
+                            </dgm:constrLst>
+                            <dgm:ruleLst/>
+                            <dgm:layoutNode name="background3" moveWith="text3">
+                              <dgm:alg type="sp"/>
+                              <dgm:shape xmlns:r="http://schemas.openxmlformats.org/officeDocument/2006/relationships" type="roundRect" r:blip="">
+                                <dgm:adjLst>
+                                  <dgm:adj idx="1" val="0.1"/>
+                                </dgm:adjLst>
+                              </dgm:shape>
+                              <dgm:presOf/>
+                              <dgm:constrLst/>
+                              <dgm:ruleLst/>
+                            </dgm:layoutNode>
+                            <dgm:layoutNode name="text3" styleLbl="fgAcc3">
+                              <dgm:varLst>
+                                <dgm:chPref val="3"/>
+                              </dgm:varLst>
+                              <dgm:alg type="tx"/>
+                              <dgm:shape xmlns:r="http://schemas.openxmlformats.org/officeDocument/2006/relationships" type="roundRect" r:blip="">
+                                <dgm:adjLst>
+                                  <dgm:adj idx="1" val="0.1"/>
+                                </dgm:adjLst>
+                              </dgm:shape>
+                              <dgm:presOf axis="self"/>
+                              <dgm:constrLst>
+                                <dgm:constr type="tMarg" refType="primFontSz" fact="0.3"/>
+                                <dgm:constr type="bMarg" refType="primFontSz" fact="0.3"/>
+                                <dgm:constr type="lMarg" refType="primFontSz" fact="0.3"/>
+                                <dgm:constr type="rMarg" refType="primFontSz" fact="0.3"/>
+                              </dgm:constrLst>
+                              <dgm:ruleLst>
+                                <dgm:rule type="primFontSz" val="5" fact="NaN" max="NaN"/>
+                              </dgm:ruleLst>
+                            </dgm:layoutNode>
+                          </dgm:layoutNode>
+                          <dgm:layoutNode name="hierChild4">
+                            <dgm:choose name="Name19">
+                              <dgm:if name="Name20" func="var" arg="dir" op="equ" val="norm">
+                                <dgm:alg type="hierChild">
+                                  <dgm:param type="linDir" val="fromL"/>
+                                </dgm:alg>
+                              </dgm:if>
+                              <dgm:else name="Name21">
+                                <dgm:alg type="hierChild">
+                                  <dgm:param type="linDir" val="fromR"/>
+                                </dgm:alg>
+                              </dgm:else>
+                            </dgm:choose>
+                            <dgm:shape xmlns:r="http://schemas.openxmlformats.org/officeDocument/2006/relationships" r:blip="">
+                              <dgm:adjLst/>
+                            </dgm:shape>
+                            <dgm:presOf/>
+                            <dgm:constrLst/>
+                            <dgm:ruleLst/>
+                            <dgm:forEach name="repeat" axis="ch">
+                              <dgm:forEach name="Name22" axis="self" ptType="parTrans" cnt="1">
+                                <dgm:layoutNode name="Name23">
+                                  <dgm:choose name="Name24">
+                                    <dgm:if name="Name25" axis="self" func="depth" op="lte" val="4">
+                                      <dgm:alg type="conn">
+                                        <dgm:param type="dim" val="1D"/>
+                                        <dgm:param type="endSty" val="noArr"/>
+                                        <dgm:param type="connRout" val="bend"/>
+                                        <dgm:param type="bendPt" val="end"/>
+                                        <dgm:param type="begPts" val="bCtr"/>
+                                        <dgm:param type="endPts" val="tCtr"/>
+                                        <dgm:param type="srcNode" val="background3"/>
+                                        <dgm:param type="dstNode" val="background4"/>
+                                      </dgm:alg>
+                                    </dgm:if>
+                                    <dgm:else name="Name26">
+                                      <dgm:alg type="conn">
+                                        <dgm:param type="dim" val="1D"/>
+                                        <dgm:param type="endSty" val="noArr"/>
+                                        <dgm:param type="connRout" val="bend"/>
+                                        <dgm:param type="bendPt" val="end"/>
+                                        <dgm:param type="begPts" val="bCtr"/>
+                                        <dgm:param type="endPts" val="tCtr"/>
+                                        <dgm:param type="srcNode" val="background4"/>
+                                        <dgm:param type="dstNode" val="background4"/>
+                                      </dgm:alg>
+                                    </dgm:else>
+                                  </dgm:choose>
+                                  <dgm:shape xmlns:r="http://schemas.openxmlformats.org/officeDocument/2006/relationships" type="conn" r:blip="" zOrderOff="-999">
+                                    <dgm:adjLst/>
+                                  </dgm:shape>
+                                  <dgm:presOf axis="self"/>
+                                  <dgm:constrLst>
+                                    <dgm:constr type="begPad"/>
+                                    <dgm:constr type="endPad"/>
+                                  </dgm:constrLst>
+                                  <dgm:ruleLst/>
+                                </dgm:layoutNode>
+                              </dgm:forEach>
+                              <dgm:forEach name="Name27" axis="self" ptType="node">
+                                <dgm:layoutNode name="hierRoot4">
+                                  <dgm:alg type="hierRoot"/>
+                                  <dgm:shape xmlns:r="http://schemas.openxmlformats.org/officeDocument/2006/relationships" r:blip="">
+                                    <dgm:adjLst/>
+                                  </dgm:shape>
+                                  <dgm:presOf/>
+                                  <dgm:constrLst>
+                                    <dgm:constr type="bendDist" for="des" ptType="parTrans" refType="sp" fact="0.5"/>
+                                  </dgm:constrLst>
+                                  <dgm:ruleLst/>
+                                  <dgm:layoutNode name="composite4">
+                                    <dgm:alg type="composite"/>
+                                    <dgm:shape xmlns:r="http://schemas.openxmlformats.org/officeDocument/2006/relationships" r:blip="">
+                                      <dgm:adjLst/>
+                                    </dgm:shape>
+                                    <dgm:presOf/>
+                                    <dgm:constrLst>
+                                      <dgm:constr type="w" for="ch" forName="background4" refType="w" fact="0.9"/>
+                                      <dgm:constr type="h" for="ch" forName="background4" refType="w" refFor="ch" refForName="background4" fact="0.635"/>
+                                      <dgm:constr type="t" for="ch" forName="background4"/>
+                                      <dgm:constr type="l" for="ch" forName="background4"/>
+                                      <dgm:constr type="w" for="ch" forName="text4" refType="w" fact="0.9"/>
+                                      <dgm:constr type="h" for="ch" forName="text4" refType="w" refFor="ch" refForName="text4" fact="0.635"/>
+                                      <dgm:constr type="t" for="ch" forName="text4" refType="w" fact="0.095"/>
+                                      <dgm:constr type="l" for="ch" forName="text4" refType="w" fact="0.1"/>
+                                    </dgm:constrLst>
+                                    <dgm:ruleLst/>
+                                    <dgm:layoutNode name="background4" moveWith="text4">
+                                      <dgm:alg type="sp"/>
+                                      <dgm:shape xmlns:r="http://schemas.openxmlformats.org/officeDocument/2006/relationships" type="roundRect" r:blip="">
+                                        <dgm:adjLst>
+                                          <dgm:adj idx="1" val="0.1"/>
+                                        </dgm:adjLst>
+                                      </dgm:shape>
+                                      <dgm:presOf/>
+                                      <dgm:constrLst/>
+                                      <dgm:ruleLst/>
+                                    </dgm:layoutNode>
+                                    <dgm:layoutNode name="text4" styleLbl="fgAcc4">
+                                      <dgm:varLst>
+                                        <dgm:chPref val="3"/>
+                                      </dgm:varLst>
+                                      <dgm:alg type="tx"/>
+                                      <dgm:shape xmlns:r="http://schemas.openxmlformats.org/officeDocument/2006/relationships" type="roundRect" r:blip="">
+                                        <dgm:adjLst>
+                                          <dgm:adj idx="1" val="0.1"/>
+                                        </dgm:adjLst>
+                                      </dgm:shape>
+                                      <dgm:presOf axis="self"/>
+                                      <dgm:constrLst>
+                                        <dgm:constr type="tMarg" refType="primFontSz" fact="0.3"/>
+                                        <dgm:constr type="bMarg" refType="primFontSz" fact="0.3"/>
+                                        <dgm:constr type="lMarg" refType="primFontSz" fact="0.3"/>
+                                        <dgm:constr type="rMarg" refType="primFontSz" fact="0.3"/>
+                                      </dgm:constrLst>
+                                      <dgm:ruleLst>
+                                        <dgm:rule type="primFontSz" val="5" fact="NaN" max="NaN"/>
+                                      </dgm:ruleLst>
+                                    </dgm:layoutNode>
+                                  </dgm:layoutNode>
+                                  <dgm:layoutNode name="hierChild5">
+                                    <dgm:choose name="Name28">
+                                      <dgm:if name="Name29" func="var" arg="dir" op="equ" val="norm">
+                                        <dgm:alg type="hierChild">
+                                          <dgm:param type="linDir" val="fromL"/>
+                                        </dgm:alg>
+                                      </dgm:if>
+                                      <dgm:else name="Name30">
+                                        <dgm:alg type="hierChild">
+                                          <dgm:param type="linDir" val="fromR"/>
+                                        </dgm:alg>
+                                      </dgm:else>
+                                    </dgm:choose>
+                                    <dgm:shape xmlns:r="http://schemas.openxmlformats.org/officeDocument/2006/relationships" r:blip="">
+                                      <dgm:adjLst/>
+                                    </dgm:shape>
+                                    <dgm:presOf/>
+                                    <dgm:constrLst/>
+                                    <dgm:ruleLst/>
+                                    <dgm:forEach name="Name31" ref="repeat"/>
+                                  </dgm:layoutNode>
+                                </dgm:layoutNode>
+                              </dgm:forEach>
+                            </dgm:forEach>
+                          </dgm:layoutNode>
+                        </dgm:layoutNode>
+                      </dgm:forEach>
+                    </dgm:forEach>
+                  </dgm:layoutNode>
+                </dgm:layoutNode>
+              </dgm:forEach>
+            </dgm:forEach>
+          </dgm:layoutNode>
+        </dgm:layoutNode>
+      </dgm:forEach>
+    </dgm:forEach>
+  </dgm:layoutNode>
+</dgm:layoutDef>
+</file>
+
+<file path=ppt/diagrams/quickStyle1.xml><?xml version="1.0" encoding="utf-8"?>
+<dgm:styleDef xmlns:dgm="http://schemas.openxmlformats.org/drawingml/2006/diagram" xmlns:a="http://schemas.openxmlformats.org/drawingml/2006/main" uniqueId="urn:microsoft.com/office/officeart/2005/8/quickstyle/simple1">
+  <dgm:title val=""/>
+  <dgm:desc val=""/>
+  <dgm:catLst>
+    <dgm:cat type="simple" pri="10100"/>
+  </dgm:catLst>
+  <dgm:scene3d>
+    <a:camera prst="orthographicFront"/>
+    <a:lightRig rig="threePt" dir="t"/>
+  </dgm:scene3d>
+  <dgm:styleLbl name="node0">
+    <dgm:scene3d>
+      <a:camera prst="orthographicFront"/>
+      <a:lightRig rig="threePt" dir="t"/>
+    </dgm:scene3d>
+    <dgm:sp3d/>
+    <dgm:txPr/>
+    <dgm:style>
+      <a:lnRef idx="2">
+        <a:scrgbClr r="0" g="0" b="0"/>
+      </a:lnRef>
+      <a:fillRef idx="1">
+        <a:scrgbClr r="0" g="0" b="0"/>
+      </a:fillRef>
+      <a:effectRef idx="0">
+        <a:scrgbClr r="0" g="0" b="0"/>
+      </a:effectRef>
+      <a:fontRef idx="minor">
+        <a:schemeClr val="lt1"/>
+      </a:fontRef>
+    </dgm:style>
+  </dgm:styleLbl>
+  <dgm:styleLbl name="lnNode1">
+    <dgm:scene3d>
+      <a:camera prst="orthographicFront"/>
+      <a:lightRig rig="threePt" dir="t"/>
+    </dgm:scene3d>
+    <dgm:sp3d/>
+    <dgm:txPr/>
+    <dgm:style>
+      <a:lnRef idx="2">
+        <a:scrgbClr r="0" g="0" b="0"/>
+      </a:lnRef>
+      <a:fillRef idx="1">
+        <a:scrgbClr r="0" g="0" b="0"/>
+      </a:fillRef>
+      <a:effectRef idx="0">
+        <a:scrgbClr r="0" g="0" b="0"/>
+      </a:effectRef>
+      <a:fontRef idx="minor">
+        <a:schemeClr val="lt1"/>
+      </a:fontRef>
+    </dgm:style>
+  </dgm:styleLbl>
+  <dgm:styleLbl name="vennNode1">
+    <dgm:scene3d>
+      <a:camera prst="orthographicFront"/>
+      <a:lightRig rig="threePt" dir="t"/>
+    </dgm:scene3d>
+    <dgm:sp3d/>
+    <dgm:txPr/>
+    <dgm:style>
+      <a:lnRef idx="2">
+        <a:scrgbClr r="0" g="0" b="0"/>
+      </a:lnRef>
+      <a:fillRef idx="1">
+        <a:scrgbClr r="0" g="0" b="0"/>
+      </a:fillRef>
+      <a:effectRef idx="0">
+        <a:scrgbClr r="0" g="0" b="0"/>
+      </a:effectRef>
+      <a:fontRef idx="minor">
+        <a:schemeClr val="tx1"/>
+      </a:fontRef>
+    </dgm:style>
+  </dgm:styleLbl>
+  <dgm:styleLbl name="alignNode1">
+    <dgm:scene3d>
+      <a:camera prst="orthographicFront"/>
+      <a:lightRig rig="threePt" dir="t"/>
+    </dgm:scene3d>
+    <dgm:sp3d/>
+    <dgm:txPr/>
+    <dgm:style>
+      <a:lnRef idx="2">
+        <a:scrgbClr r="0" g="0" b="0"/>
+      </a:lnRef>
+      <a:fillRef idx="1">
+        <a:scrgbClr r="0" g="0" b="0"/>
+      </a:fillRef>
+      <a:effectRef idx="0">
+        <a:scrgbClr r="0" g="0" b="0"/>
+      </a:effectRef>
+      <a:fontRef idx="minor">
+        <a:schemeClr val="lt1"/>
+      </a:fontRef>
+    </dgm:style>
+  </dgm:styleLbl>
+  <dgm:styleLbl name="node1">
+    <dgm:scene3d>
+      <a:camera prst="orthographicFront"/>
+      <a:lightRig rig="threePt" dir="t"/>
+    </dgm:scene3d>
+    <dgm:sp3d/>
+    <dgm:txPr/>
+    <dgm:style>
+      <a:lnRef idx="2">
+        <a:scrgbClr r="0" g="0" b="0"/>
+      </a:lnRef>
+      <a:fillRef idx="1">
+        <a:scrgbClr r="0" g="0" b="0"/>
+      </a:fillRef>
+      <a:effectRef idx="0">
+        <a:scrgbClr r="0" g="0" b="0"/>
+      </a:effectRef>
+      <a:fontRef idx="minor">
+        <a:schemeClr val="lt1"/>
+      </a:fontRef>
+    </dgm:style>
+  </dgm:styleLbl>
+  <dgm:styleLbl name="node2">
+    <dgm:scene3d>
+      <a:camera prst="orthographicFront"/>
+      <a:lightRig rig="threePt" dir="t"/>
+    </dgm:scene3d>
+    <dgm:sp3d/>
+    <dgm:txPr/>
+    <dgm:style>
+      <a:lnRef idx="2">
+        <a:scrgbClr r="0" g="0" b="0"/>
+      </a:lnRef>
+      <a:fillRef idx="1">
+        <a:scrgbClr r="0" g="0" b="0"/>
+      </a:fillRef>
+      <a:effectRef idx="0">
+        <a:scrgbClr r="0" g="0" b="0"/>
+      </a:effectRef>
+      <a:fontRef idx="minor">
+        <a:schemeClr val="lt1"/>
+      </a:fontRef>
+    </dgm:style>
+  </dgm:styleLbl>
+  <dgm:styleLbl name="node3">
+    <dgm:scene3d>
+      <a:camera prst="orthographicFront"/>
+      <a:lightRig rig="threePt" dir="t"/>
+    </dgm:scene3d>
+    <dgm:sp3d/>
+    <dgm:txPr/>
+    <dgm:style>
+      <a:lnRef idx="2">
+        <a:scrgbClr r="0" g="0" b="0"/>
+      </a:lnRef>
+      <a:fillRef idx="1">
+        <a:scrgbClr r="0" g="0" b="0"/>
+      </a:fillRef>
+      <a:effectRef idx="0">
+        <a:scrgbClr r="0" g="0" b="0"/>
+      </a:effectRef>
+      <a:fontRef idx="minor">
+        <a:schemeClr val="lt1"/>
+      </a:fontRef>
+    </dgm:style>
+  </dgm:styleLbl>
+  <dgm:styleLbl name="node4">
+    <dgm:scene3d>
+      <a:camera prst="orthographicFront"/>
+      <a:lightRig rig="threePt" dir="t"/>
+    </dgm:scene3d>
+    <dgm:sp3d/>
+    <dgm:txPr/>
+    <dgm:style>
+      <a:lnRef idx="2">
+        <a:scrgbClr r="0" g="0" b="0"/>
+      </a:lnRef>
+      <a:fillRef idx="1">
+        <a:scrgbClr r="0" g="0" b="0"/>
+      </a:fillRef>
+      <a:effectRef idx="0">
+        <a:scrgbClr r="0" g="0" b="0"/>
+      </a:effectRef>
+      <a:fontRef idx="minor">
+        <a:schemeClr val="lt1"/>
+      </a:fontRef>
+    </dgm:style>
+  </dgm:styleLbl>
+  <dgm:styleLbl name="fgImgPlace1">
+    <dgm:scene3d>
+      <a:camera prst="orthographicFront"/>
+      <a:lightRig rig="threePt" dir="t"/>
+    </dgm:scene3d>
+    <dgm:sp3d/>
+    <dgm:txPr/>
+    <dgm:style>
+      <a:lnRef idx="2">
+        <a:scrgbClr r="0" g="0" b="0"/>
+      </a:lnRef>
+      <a:fillRef idx="1">
+        <a:scrgbClr r="0" g="0" b="0"/>
+      </a:fillRef>
+      <a:effectRef idx="0">
+        <a:scrgbClr r="0" g="0" b="0"/>
+      </a:effectRef>
+      <a:fontRef idx="minor"/>
+    </dgm:style>
+  </dgm:styleLbl>
+  <dgm:styleLbl name="alignImgPlace1">
+    <dgm:scene3d>
+      <a:camera prst="orthographicFront"/>
+      <a:lightRig rig="threePt" dir="t"/>
+    </dgm:scene3d>
+    <dgm:sp3d/>
+    <dgm:txPr/>
+    <dgm:style>
+      <a:lnRef idx="2">
+        <a:scrgbClr r="0" g="0" b="0"/>
+      </a:lnRef>
+      <a:fillRef idx="1">
+        <a:scrgbClr r="0" g="0" b="0"/>
+      </a:fillRef>
+      <a:effectRef idx="0">
+        <a:scrgbClr r="0" g="0" b="0"/>
+      </a:effectRef>
+      <a:fontRef idx="minor"/>
+    </dgm:style>
+  </dgm:styleLbl>
+  <dgm:styleLbl name="bgImgPlace1">
+    <dgm:scene3d>
+      <a:camera prst="orthographicFront"/>
+      <a:lightRig rig="threePt" dir="t"/>
+    </dgm:scene3d>
+    <dgm:sp3d/>
+    <dgm:txPr/>
+    <dgm:style>
+      <a:lnRef idx="2">
+        <a:scrgbClr r="0" g="0" b="0"/>
+      </a:lnRef>
+      <a:fillRef idx="1">
+        <a:scrgbClr r="0" g="0" b="0"/>
+      </a:fillRef>
+      <a:effectRef idx="0">
+        <a:scrgbClr r="0" g="0" b="0"/>
+      </a:effectRef>
+      <a:fontRef idx="minor"/>
+    </dgm:style>
+  </dgm:styleLbl>
+  <dgm:styleLbl name="sibTrans2D1">
+    <dgm:scene3d>
+      <a:camera prst="orthographicFront"/>
+      <a:lightRig rig="threePt" dir="t"/>
+    </dgm:scene3d>
+    <dgm:sp3d/>
+    <dgm:txPr/>
+    <dgm:style>
+      <a:lnRef idx="0">
+        <a:scrgbClr r="0" g="0" b="0"/>
+      </a:lnRef>
+      <a:fillRef idx="1">
+        <a:scrgbClr r="0" g="0" b="0"/>
+      </a:fillRef>
+      <a:effectRef idx="0">
+        <a:scrgbClr r="0" g="0" b="0"/>
+      </a:effectRef>
+      <a:fontRef idx="minor">
+        <a:schemeClr val="lt1"/>
+      </a:fontRef>
+    </dgm:style>
+  </dgm:styleLbl>
+  <dgm:styleLbl name="fgSibTrans2D1">
+    <dgm:scene3d>
+      <a:camera prst="orthographicFront"/>
+      <a:lightRig rig="threePt" dir="t"/>
+    </dgm:scene3d>
+    <dgm:sp3d/>
+    <dgm:txPr/>
+    <dgm:style>
+      <a:lnRef idx="0">
+        <a:scrgbClr r="0" g="0" b="0"/>
+      </a:lnRef>
+      <a:fillRef idx="1">
+        <a:scrgbClr r="0" g="0" b="0"/>
+      </a:fillRef>
+      <a:effectRef idx="0">
+        <a:scrgbClr r="0" g="0" b="0"/>
+      </a:effectRef>
+      <a:fontRef idx="minor">
+        <a:schemeClr val="lt1"/>
+      </a:fontRef>
+    </dgm:style>
+  </dgm:styleLbl>
+  <dgm:styleLbl name="bgSibTrans2D1">
+    <dgm:scene3d>
+      <a:camera prst="orthographicFront"/>
+      <a:lightRig rig="threePt" dir="t"/>
+    </dgm:scene3d>
+    <dgm:sp3d/>
+    <dgm:txPr/>
+    <dgm:style>
+      <a:lnRef idx="0">
+        <a:scrgbClr r="0" g="0" b="0"/>
+      </a:lnRef>
+      <a:fillRef idx="1">
+        <a:scrgbClr r="0" g="0" b="0"/>
+      </a:fillRef>
+      <a:effectRef idx="0">
+        <a:scrgbClr r="0" g="0" b="0"/>
+      </a:effectRef>
+      <a:fontRef idx="minor">
+        <a:schemeClr val="lt1"/>
+      </a:fontRef>
+    </dgm:style>
+  </dgm:styleLbl>
+  <dgm:styleLbl name="sibTrans1D1">
+    <dgm:scene3d>
+      <a:camera prst="orthographicFront"/>
+      <a:lightRig rig="threePt" dir="t"/>
+    </dgm:scene3d>
+    <dgm:sp3d/>
+    <dgm:txPr/>
+    <dgm:style>
+      <a:lnRef idx="1">
+        <a:scrgbClr r="0" g="0" b="0"/>
+      </a:lnRef>
+      <a:fillRef idx="0">
+        <a:scrgbClr r="0" g="0" b="0"/>
+      </a:fillRef>
+      <a:effectRef idx="0">
+        <a:scrgbClr r="0" g="0" b="0"/>
+      </a:effectRef>
+      <a:fontRef idx="minor"/>
+    </dgm:style>
+  </dgm:styleLbl>
+  <dgm:styleLbl name="callout">
+    <dgm:scene3d>
+      <a:camera prst="orthographicFront"/>
+      <a:lightRig rig="threePt" dir="t"/>
+    </dgm:scene3d>
+    <dgm:sp3d/>
+    <dgm:txPr/>
+    <dgm:style>
+      <a:lnRef idx="2">
+        <a:scrgbClr r="0" g="0" b="0"/>
+      </a:lnRef>
+      <a:fillRef idx="1">
+        <a:scrgbClr r="0" g="0" b="0"/>
+      </a:fillRef>
+      <a:effectRef idx="0">
+        <a:scrgbClr r="0" g="0" b="0"/>
+      </a:effectRef>
+      <a:fontRef idx="minor"/>
+    </dgm:style>
+  </dgm:styleLbl>
+  <dgm:styleLbl name="asst0">
+    <dgm:scene3d>
+      <a:camera prst="orthographicFront"/>
+      <a:lightRig rig="threePt" dir="t"/>
+    </dgm:scene3d>
+    <dgm:sp3d/>
+    <dgm:txPr/>
+    <dgm:style>
+      <a:lnRef idx="2">
+        <a:scrgbClr r="0" g="0" b="0"/>
+      </a:lnRef>
+      <a:fillRef idx="1">
+        <a:scrgbClr r="0" g="0" b="0"/>
+      </a:fillRef>
+      <a:effectRef idx="0">
+        <a:scrgbClr r="0" g="0" b="0"/>
+      </a:effectRef>
+      <a:fontRef idx="minor">
+        <a:schemeClr val="lt1"/>
+      </a:fontRef>
+    </dgm:style>
+  </dgm:styleLbl>
+  <dgm:styleLbl name="asst1">
+    <dgm:scene3d>
+      <a:camera prst="orthographicFront"/>
+      <a:lightRig rig="threePt" dir="t"/>
+    </dgm:scene3d>
+    <dgm:sp3d/>
+    <dgm:txPr/>
+    <dgm:style>
+      <a:lnRef idx="2">
+        <a:scrgbClr r="0" g="0" b="0"/>
+      </a:lnRef>
+      <a:fillRef idx="1">
+        <a:scrgbClr r="0" g="0" b="0"/>
+      </a:fillRef>
+      <a:effectRef idx="0">
+        <a:scrgbClr r="0" g="0" b="0"/>
+      </a:effectRef>
+      <a:fontRef idx="minor">
+        <a:schemeClr val="lt1"/>
+      </a:fontRef>
+    </dgm:style>
+  </dgm:styleLbl>
+  <dgm:styleLbl name="asst2">
+    <dgm:scene3d>
+      <a:camera prst="orthographicFront"/>
+      <a:lightRig rig="threePt" dir="t"/>
+    </dgm:scene3d>
+    <dgm:sp3d/>
+    <dgm:txPr/>
+    <dgm:style>
+      <a:lnRef idx="2">
+        <a:scrgbClr r="0" g="0" b="0"/>
+      </a:lnRef>
+      <a:fillRef idx="1">
+        <a:scrgbClr r="0" g="0" b="0"/>
+      </a:fillRef>
+      <a:effectRef idx="0">
+        <a:scrgbClr r="0" g="0" b="0"/>
+      </a:effectRef>
+      <a:fontRef idx="minor">
+        <a:schemeClr val="lt1"/>
+      </a:fontRef>
+    </dgm:style>
+  </dgm:styleLbl>
+  <dgm:styleLbl name="asst3">
+    <dgm:scene3d>
+      <a:camera prst="orthographicFront"/>
+      <a:lightRig rig="threePt" dir="t"/>
+    </dgm:scene3d>
+    <dgm:sp3d/>
+    <dgm:txPr/>
+    <dgm:style>
+      <a:lnRef idx="2">
+        <a:scrgbClr r="0" g="0" b="0"/>
+      </a:lnRef>
+      <a:fillRef idx="1">
+        <a:scrgbClr r="0" g="0" b="0"/>
+      </a:fillRef>
+      <a:effectRef idx="0">
+        <a:scrgbClr r="0" g="0" b="0"/>
+      </a:effectRef>
+      <a:fontRef idx="minor">
+        <a:schemeClr val="lt1"/>
+      </a:fontRef>
+    </dgm:style>
+  </dgm:styleLbl>
+  <dgm:styleLbl name="asst4">
+    <dgm:scene3d>
+      <a:camera prst="orthographicFront"/>
+      <a:lightRig rig="threePt" dir="t"/>
+    </dgm:scene3d>
+    <dgm:sp3d/>
+    <dgm:txPr/>
+    <dgm:style>
+      <a:lnRef idx="2">
+        <a:scrgbClr r="0" g="0" b="0"/>
+      </a:lnRef>
+      <a:fillRef idx="1">
+        <a:scrgbClr r="0" g="0" b="0"/>
+      </a:fillRef>
+      <a:effectRef idx="0">
+        <a:scrgbClr r="0" g="0" b="0"/>
+      </a:effectRef>
+      <a:fontRef idx="minor">
+        <a:schemeClr val="lt1"/>
+      </a:fontRef>
+    </dgm:style>
+  </dgm:styleLbl>
+  <dgm:styleLbl name="parChTrans2D1">
+    <dgm:scene3d>
+      <a:camera prst="orthographicFront"/>
+      <a:lightRig rig="threePt" dir="t"/>
+    </dgm:scene3d>
+    <dgm:sp3d/>
+    <dgm:txPr/>
+    <dgm:style>
+      <a:lnRef idx="2">
+        <a:scrgbClr r="0" g="0" b="0"/>
+      </a:lnRef>
+      <a:fillRef idx="1">
+        <a:scrgbClr r="0" g="0" b="0"/>
+      </a:fillRef>
+      <a:effectRef idx="0">
+        <a:scrgbClr r="0" g="0" b="0"/>
+      </a:effectRef>
+      <a:fontRef idx="minor">
+        <a:schemeClr val="lt1"/>
+      </a:fontRef>
+    </dgm:style>
+  </dgm:styleLbl>
+  <dgm:styleLbl name="parChTrans2D2">
+    <dgm:scene3d>
+      <a:camera prst="orthographicFront"/>
+      <a:lightRig rig="threePt" dir="t"/>
+    </dgm:scene3d>
+    <dgm:sp3d/>
+    <dgm:txPr/>
+    <dgm:style>
+      <a:lnRef idx="2">
+        <a:scrgbClr r="0" g="0" b="0"/>
+      </a:lnRef>
+      <a:fillRef idx="1">
+        <a:scrgbClr r="0" g="0" b="0"/>
+      </a:fillRef>
+      <a:effectRef idx="0">
+        <a:scrgbClr r="0" g="0" b="0"/>
+      </a:effectRef>
+      <a:fontRef idx="minor">
+        <a:schemeClr val="lt1"/>
+      </a:fontRef>
+    </dgm:style>
+  </dgm:styleLbl>
+  <dgm:styleLbl name="parChTrans2D3">
+    <dgm:scene3d>
+      <a:camera prst="orthographicFront"/>
+      <a:lightRig rig="threePt" dir="t"/>
+    </dgm:scene3d>
+    <dgm:sp3d/>
+    <dgm:txPr/>
+    <dgm:style>
+      <a:lnRef idx="2">
+        <a:scrgbClr r="0" g="0" b="0"/>
+      </a:lnRef>
+      <a:fillRef idx="1">
+        <a:scrgbClr r="0" g="0" b="0"/>
+      </a:fillRef>
+      <a:effectRef idx="0">
+        <a:scrgbClr r="0" g="0" b="0"/>
+      </a:effectRef>
+      <a:fontRef idx="minor">
+        <a:schemeClr val="lt1"/>
+      </a:fontRef>
+    </dgm:style>
+  </dgm:styleLbl>
+  <dgm:styleLbl name="parChTrans2D4">
+    <dgm:scene3d>
+      <a:camera prst="orthographicFront"/>
+      <a:lightRig rig="threePt" dir="t"/>
+    </dgm:scene3d>
+    <dgm:sp3d/>
+    <dgm:txPr/>
+    <dgm:style>
+      <a:lnRef idx="2">
+        <a:scrgbClr r="0" g="0" b="0"/>
+      </a:lnRef>
+      <a:fillRef idx="1">
+        <a:scrgbClr r="0" g="0" b="0"/>
+      </a:fillRef>
+      <a:effectRef idx="0">
+        <a:scrgbClr r="0" g="0" b="0"/>
+      </a:effectRef>
+      <a:fontRef idx="minor">
+        <a:schemeClr val="lt1"/>
+      </a:fontRef>
+    </dgm:style>
+  </dgm:styleLbl>
+  <dgm:styleLbl name="parChTrans1D1">
+    <dgm:scene3d>
+      <a:camera prst="orthographicFront"/>
+      <a:lightRig rig="threePt" dir="t"/>
+    </dgm:scene3d>
+    <dgm:sp3d/>
+    <dgm:txPr/>
+    <dgm:style>
+      <a:lnRef idx="2">
+        <a:scrgbClr r="0" g="0" b="0"/>
+      </a:lnRef>
+      <a:fillRef idx="0">
+        <a:scrgbClr r="0" g="0" b="0"/>
+      </a:fillRef>
+      <a:effectRef idx="0">
+        <a:scrgbClr r="0" g="0" b="0"/>
+      </a:effectRef>
+      <a:fontRef idx="minor"/>
+    </dgm:style>
+  </dgm:styleLbl>
+  <dgm:styleLbl name="parChTrans1D2">
+    <dgm:scene3d>
+      <a:camera prst="orthographicFront"/>
+      <a:lightRig rig="threePt" dir="t"/>
+    </dgm:scene3d>
+    <dgm:sp3d/>
+    <dgm:txPr/>
+    <dgm:style>
+      <a:lnRef idx="2">
+        <a:scrgbClr r="0" g="0" b="0"/>
+      </a:lnRef>
+      <a:fillRef idx="0">
+        <a:scrgbClr r="0" g="0" b="0"/>
+      </a:fillRef>
+      <a:effectRef idx="0">
+        <a:scrgbClr r="0" g="0" b="0"/>
+      </a:effectRef>
+      <a:fontRef idx="minor"/>
+    </dgm:style>
+  </dgm:styleLbl>
+  <dgm:styleLbl name="parChTrans1D3">
+    <dgm:scene3d>
+      <a:camera prst="orthographicFront"/>
+      <a:lightRig rig="threePt" dir="t"/>
+    </dgm:scene3d>
+    <dgm:sp3d/>
+    <dgm:txPr/>
+    <dgm:style>
+      <a:lnRef idx="2">
+        <a:scrgbClr r="0" g="0" b="0"/>
+      </a:lnRef>
+      <a:fillRef idx="0">
+        <a:scrgbClr r="0" g="0" b="0"/>
+      </a:fillRef>
+      <a:effectRef idx="0">
+        <a:scrgbClr r="0" g="0" b="0"/>
+      </a:effectRef>
+      <a:fontRef idx="minor"/>
+    </dgm:style>
+  </dgm:styleLbl>
+  <dgm:styleLbl name="parChTrans1D4">
+    <dgm:scene3d>
+      <a:camera prst="orthographicFront"/>
+      <a:lightRig rig="threePt" dir="t"/>
+    </dgm:scene3d>
+    <dgm:sp3d/>
+    <dgm:txPr/>
+    <dgm:style>
+      <a:lnRef idx="2">
+        <a:scrgbClr r="0" g="0" b="0"/>
+      </a:lnRef>
+      <a:fillRef idx="0">
+        <a:scrgbClr r="0" g="0" b="0"/>
+      </a:fillRef>
+      <a:effectRef idx="0">
+        <a:scrgbClr r="0" g="0" b="0"/>
+      </a:effectRef>
+      <a:fontRef idx="minor"/>
+    </dgm:style>
+  </dgm:styleLbl>
+  <dgm:styleLbl name="fgAcc1">
+    <dgm:scene3d>
+      <a:camera prst="orthographicFront"/>
+      <a:lightRig rig="threePt" dir="t"/>
+    </dgm:scene3d>
+    <dgm:sp3d/>
+    <dgm:txPr/>
+    <dgm:style>
+      <a:lnRef idx="2">
+        <a:scrgbClr r="0" g="0" b="0"/>
+      </a:lnRef>
+      <a:fillRef idx="1">
+        <a:scrgbClr r="0" g="0" b="0"/>
+      </a:fillRef>
+      <a:effectRef idx="0">
+        <a:scrgbClr r="0" g="0" b="0"/>
+      </a:effectRef>
+      <a:fontRef idx="minor"/>
+    </dgm:style>
+  </dgm:styleLbl>
+  <dgm:styleLbl name="conFgAcc1">
+    <dgm:scene3d>
+      <a:camera prst="orthographicFront"/>
+      <a:lightRig rig="threePt" dir="t"/>
+    </dgm:scene3d>
+    <dgm:sp3d/>
+    <dgm:txPr/>
+    <dgm:style>
+      <a:lnRef idx="2">
+        <a:scrgbClr r="0" g="0" b="0"/>
+      </a:lnRef>
+      <a:fillRef idx="1">
+        <a:scrgbClr r="0" g="0" b="0"/>
+      </a:fillRef>
+      <a:effectRef idx="0">
+        <a:scrgbClr r="0" g="0" b="0"/>
+      </a:effectRef>
+      <a:fontRef idx="minor"/>
+    </dgm:style>
+  </dgm:styleLbl>
+  <dgm:styleLbl name="alignAcc1">
+    <dgm:scene3d>
+      <a:camera prst="orthographicFront"/>
+      <a:lightRig rig="threePt" dir="t"/>
+    </dgm:scene3d>
+    <dgm:sp3d/>
+    <dgm:txPr/>
+    <dgm:style>
+      <a:lnRef idx="2">
+        <a:scrgbClr r="0" g="0" b="0"/>
+      </a:lnRef>
+      <a:fillRef idx="1">
+        <a:scrgbClr r="0" g="0" b="0"/>
+      </a:fillRef>
+      <a:effectRef idx="0">
+        <a:scrgbClr r="0" g="0" b="0"/>
+      </a:effectRef>
+      <a:fontRef idx="minor"/>
+    </dgm:style>
+  </dgm:styleLbl>
+  <dgm:styleLbl name="trAlignAcc1">
+    <dgm:scene3d>
+      <a:camera prst="orthographicFront"/>
+      <a:lightRig rig="threePt" dir="t"/>
+    </dgm:scene3d>
+    <dgm:sp3d/>
+    <dgm:txPr/>
+    <dgm:style>
+      <a:lnRef idx="1">
+        <a:scrgbClr r="0" g="0" b="0"/>
+      </a:lnRef>
+      <a:fillRef idx="1">
+        <a:scrgbClr r="0" g="0" b="0"/>
+      </a:fillRef>
+      <a:effectRef idx="0">
+        <a:scrgbClr r="0" g="0" b="0"/>
+      </a:effectRef>
+      <a:fontRef idx="minor"/>
+    </dgm:style>
+  </dgm:styleLbl>
+  <dgm:styleLbl name="bgAcc1">
+    <dgm:scene3d>
+      <a:camera prst="orthographicFront"/>
+      <a:lightRig rig="threePt" dir="t"/>
+    </dgm:scene3d>
+    <dgm:sp3d/>
+    <dgm:txPr/>
+    <dgm:style>
+      <a:lnRef idx="2">
+        <a:scrgbClr r="0" g="0" b="0"/>
+      </a:lnRef>
+      <a:fillRef idx="1">
+        <a:scrgbClr r="0" g="0" b="0"/>
+      </a:fillRef>
+      <a:effectRef idx="0">
+        <a:scrgbClr r="0" g="0" b="0"/>
+      </a:effectRef>
+      <a:fontRef idx="minor"/>
+    </dgm:style>
+  </dgm:styleLbl>
+  <dgm:styleLbl name="solidFgAcc1">
+    <dgm:scene3d>
+      <a:camera prst="orthographicFront"/>
+      <a:lightRig rig="threePt" dir="t"/>
+    </dgm:scene3d>
+    <dgm:sp3d/>
+    <dgm:txPr/>
+    <dgm:style>
+      <a:lnRef idx="2">
+        <a:scrgbClr r="0" g="0" b="0"/>
+      </a:lnRef>
+      <a:fillRef idx="1">
+        <a:scrgbClr r="0" g="0" b="0"/>
+      </a:fillRef>
+      <a:effectRef idx="0">
+        <a:scrgbClr r="0" g="0" b="0"/>
+      </a:effectRef>
+      <a:fontRef idx="minor"/>
+    </dgm:style>
+  </dgm:styleLbl>
+  <dgm:styleLbl name="solidAlignAcc1">
+    <dgm:scene3d>
+      <a:camera prst="orthographicFront"/>
+      <a:lightRig rig="threePt" dir="t"/>
+    </dgm:scene3d>
+    <dgm:sp3d/>
+    <dgm:txPr/>
+    <dgm:style>
+      <a:lnRef idx="2">
+        <a:scrgbClr r="0" g="0" b="0"/>
+      </a:lnRef>
+      <a:fillRef idx="1">
+        <a:scrgbClr r="0" g="0" b="0"/>
+      </a:fillRef>
+      <a:effectRef idx="0">
+        <a:scrgbClr r="0" g="0" b="0"/>
+      </a:effectRef>
+      <a:fontRef idx="minor"/>
+    </dgm:style>
+  </dgm:styleLbl>
+  <dgm:styleLbl name="solidBgAcc1">
+    <dgm:scene3d>
+      <a:camera prst="orthographicFront"/>
+      <a:lightRig rig="threePt" dir="t"/>
+    </dgm:scene3d>
+    <dgm:sp3d/>
+    <dgm:txPr/>
+    <dgm:style>
+      <a:lnRef idx="2">
+        <a:scrgbClr r="0" g="0" b="0"/>
+      </a:lnRef>
+      <a:fillRef idx="1">
+        <a:scrgbClr r="0" g="0" b="0"/>
+      </a:fillRef>
+      <a:effectRef idx="0">
+        <a:scrgbClr r="0" g="0" b="0"/>
+      </a:effectRef>
+      <a:fontRef idx="minor"/>
+    </dgm:style>
+  </dgm:styleLbl>
+  <dgm:styleLbl name="fgAccFollowNode1">
+    <dgm:scene3d>
+      <a:camera prst="orthographicFront"/>
+      <a:lightRig rig="threePt" dir="t"/>
+    </dgm:scene3d>
+    <dgm:sp3d/>
+    <dgm:txPr/>
+    <dgm:style>
+      <a:lnRef idx="2">
+        <a:scrgbClr r="0" g="0" b="0"/>
+      </a:lnRef>
+      <a:fillRef idx="1">
+        <a:scrgbClr r="0" g="0" b="0"/>
+      </a:fillRef>
+      <a:effectRef idx="0">
+        <a:scrgbClr r="0" g="0" b="0"/>
+      </a:effectRef>
+      <a:fontRef idx="minor"/>
+    </dgm:style>
+  </dgm:styleLbl>
+  <dgm:styleLbl name="alignAccFollowNode1">
+    <dgm:scene3d>
+      <a:camera prst="orthographicFront"/>
+      <a:lightRig rig="threePt" dir="t"/>
+    </dgm:scene3d>
+    <dgm:sp3d/>
+    <dgm:txPr/>
+    <dgm:style>
+      <a:lnRef idx="2">
+        <a:scrgbClr r="0" g="0" b="0"/>
+      </a:lnRef>
+      <a:fillRef idx="1">
+        <a:scrgbClr r="0" g="0" b="0"/>
+      </a:fillRef>
+      <a:effectRef idx="0">
+        <a:scrgbClr r="0" g="0" b="0"/>
+      </a:effectRef>
+      <a:fontRef idx="minor"/>
+    </dgm:style>
+  </dgm:styleLbl>
+  <dgm:styleLbl name="bgAccFollowNode1">
+    <dgm:scene3d>
+      <a:camera prst="orthographicFront"/>
+      <a:lightRig rig="threePt" dir="t"/>
+    </dgm:scene3d>
+    <dgm:sp3d/>
+    <dgm:txPr/>
+    <dgm:style>
+      <a:lnRef idx="2">
+        <a:scrgbClr r="0" g="0" b="0"/>
+      </a:lnRef>
+      <a:fillRef idx="1">
+        <a:scrgbClr r="0" g="0" b="0"/>
+      </a:fillRef>
+      <a:effectRef idx="0">
+        <a:scrgbClr r="0" g="0" b="0"/>
+      </a:effectRef>
+      <a:fontRef idx="minor"/>
+    </dgm:style>
+  </dgm:styleLbl>
+  <dgm:styleLbl name="fgAcc0">
+    <dgm:scene3d>
+      <a:camera prst="orthographicFront"/>
+      <a:lightRig rig="threePt" dir="t"/>
+    </dgm:scene3d>
+    <dgm:sp3d/>
+    <dgm:txPr/>
+    <dgm:style>
+      <a:lnRef idx="2">
+        <a:scrgbClr r="0" g="0" b="0"/>
+      </a:lnRef>
+      <a:fillRef idx="1">
+        <a:scrgbClr r="0" g="0" b="0"/>
+      </a:fillRef>
+      <a:effectRef idx="0">
+        <a:scrgbClr r="0" g="0" b="0"/>
+      </a:effectRef>
+      <a:fontRef idx="minor"/>
+    </dgm:style>
+  </dgm:styleLbl>
+  <dgm:styleLbl name="fgAcc2">
+    <dgm:scene3d>
+      <a:camera prst="orthographicFront"/>
+      <a:lightRig rig="threePt" dir="t"/>
+    </dgm:scene3d>
+    <dgm:sp3d/>
+    <dgm:txPr/>
+    <dgm:style>
+      <a:lnRef idx="2">
+        <a:scrgbClr r="0" g="0" b="0"/>
+      </a:lnRef>
+      <a:fillRef idx="1">
+        <a:scrgbClr r="0" g="0" b="0"/>
+      </a:fillRef>
+      <a:effectRef idx="0">
+        <a:scrgbClr r="0" g="0" b="0"/>
+      </a:effectRef>
+      <a:fontRef idx="minor"/>
+    </dgm:style>
+  </dgm:styleLbl>
+  <dgm:styleLbl name="fgAcc3">
+    <dgm:scene3d>
+      <a:camera prst="orthographicFront"/>
+      <a:lightRig rig="threePt" dir="t"/>
+    </dgm:scene3d>
+    <dgm:sp3d/>
+    <dgm:txPr/>
+    <dgm:style>
+      <a:lnRef idx="2">
+        <a:scrgbClr r="0" g="0" b="0"/>
+      </a:lnRef>
+      <a:fillRef idx="1">
+        <a:scrgbClr r="0" g="0" b="0"/>
+      </a:fillRef>
+      <a:effectRef idx="0">
+        <a:scrgbClr r="0" g="0" b="0"/>
+      </a:effectRef>
+      <a:fontRef idx="minor"/>
+    </dgm:style>
+  </dgm:styleLbl>
+  <dgm:styleLbl name="fgAcc4">
+    <dgm:scene3d>
+      <a:camera prst="orthographicFront"/>
+      <a:lightRig rig="threePt" dir="t"/>
+    </dgm:scene3d>
+    <dgm:sp3d/>
+    <dgm:txPr/>
+    <dgm:style>
+      <a:lnRef idx="2">
+        <a:scrgbClr r="0" g="0" b="0"/>
+      </a:lnRef>
+      <a:fillRef idx="1">
+        <a:scrgbClr r="0" g="0" b="0"/>
+      </a:fillRef>
+      <a:effectRef idx="0">
+        <a:scrgbClr r="0" g="0" b="0"/>
+      </a:effectRef>
+      <a:fontRef idx="minor"/>
+    </dgm:style>
+  </dgm:styleLbl>
+  <dgm:styleLbl name="bgShp">
+    <dgm:scene3d>
+      <a:camera prst="orthographicFront"/>
+      <a:lightRig rig="threePt" dir="t"/>
+    </dgm:scene3d>
+    <dgm:sp3d/>
+    <dgm:txPr/>
+    <dgm:style>
+      <a:lnRef idx="0">
+        <a:scrgbClr r="0" g="0" b="0"/>
+      </a:lnRef>
+      <a:fillRef idx="1">
+        <a:scrgbClr r="0" g="0" b="0"/>
+      </a:fillRef>
+      <a:effectRef idx="0">
+        <a:scrgbClr r="0" g="0" b="0"/>
+      </a:effectRef>
+      <a:fontRef idx="minor"/>
+    </dgm:style>
+  </dgm:styleLbl>
+  <dgm:styleLbl name="dkBgShp">
+    <dgm:scene3d>
+      <a:camera prst="orthographicFront"/>
+      <a:lightRig rig="threePt" dir="t"/>
+    </dgm:scene3d>
+    <dgm:sp3d/>
+    <dgm:txPr/>
+    <dgm:style>
+      <a:lnRef idx="0">
+        <a:scrgbClr r="0" g="0" b="0"/>
+      </a:lnRef>
+      <a:fillRef idx="1">
+        <a:scrgbClr r="0" g="0" b="0"/>
+      </a:fillRef>
+      <a:effectRef idx="0">
+        <a:scrgbClr r="0" g="0" b="0"/>
+      </a:effectRef>
+      <a:fontRef idx="minor"/>
+    </dgm:style>
+  </dgm:styleLbl>
+  <dgm:styleLbl name="trBgShp">
+    <dgm:scene3d>
+      <a:camera prst="orthographicFront"/>
+      <a:lightRig rig="threePt" dir="t"/>
+    </dgm:scene3d>
+    <dgm:sp3d/>
+    <dgm:txPr/>
+    <dgm:style>
+      <a:lnRef idx="0">
+        <a:scrgbClr r="0" g="0" b="0"/>
+      </a:lnRef>
+      <a:fillRef idx="1">
+        <a:scrgbClr r="0" g="0" b="0"/>
+      </a:fillRef>
+      <a:effectRef idx="0">
+        <a:scrgbClr r="0" g="0" b="0"/>
+      </a:effectRef>
+      <a:fontRef idx="minor"/>
+    </dgm:style>
+  </dgm:styleLbl>
+  <dgm:styleLbl name="fgShp">
+    <dgm:scene3d>
+      <a:camera prst="orthographicFront"/>
+      <a:lightRig rig="threePt" dir="t"/>
+    </dgm:scene3d>
+    <dgm:sp3d/>
+    <dgm:txPr/>
+    <dgm:style>
+      <a:lnRef idx="2">
+        <a:scrgbClr r="0" g="0" b="0"/>
+      </a:lnRef>
+      <a:fillRef idx="1">
+        <a:scrgbClr r="0" g="0" b="0"/>
+      </a:fillRef>
+      <a:effectRef idx="0">
+        <a:scrgbClr r="0" g="0" b="0"/>
+      </a:effectRef>
+      <a:fontRef idx="minor"/>
+    </dgm:style>
+  </dgm:styleLbl>
+  <dgm:styleLbl name="revTx">
+    <dgm:scene3d>
+      <a:camera prst="orthographicFront"/>
+      <a:lightRig rig="threePt" dir="t"/>
+    </dgm:scene3d>
+    <dgm:sp3d/>
+    <dgm:txPr/>
+    <dgm:style>
+      <a:lnRef idx="0">
+        <a:scrgbClr r="0" g="0" b="0"/>
+      </a:lnRef>
+      <a:fillRef idx="0">
+        <a:scrgbClr r="0" g="0" b="0"/>
+      </a:fillRef>
+      <a:effectRef idx="0">
+        <a:scrgbClr r="0" g="0" b="0"/>
+      </a:effectRef>
+      <a:fontRef idx="minor"/>
+    </dgm:style>
+  </dgm:styleLbl>
+</dgm:styleDef>
 </file>
 
 <file path=ppt/slideLayouts/slideLayout1.xml><?xml version="1.0" encoding="utf-8"?>
@@ -298,7 +4215,7 @@
           <a:p>
             <a:fld id="{665E11CC-8458-44FA-A540-E93D76E42C56}" type="datetimeFigureOut">
               <a:rPr lang="es-PY" smtClean="0"/>
-              <a:t>07/11/2018</a:t>
+              <a:t>19/11/2018</a:t>
             </a:fld>
             <a:endParaRPr lang="es-PY"/>
           </a:p>
@@ -468,7 +4385,7 @@
           <a:p>
             <a:fld id="{665E11CC-8458-44FA-A540-E93D76E42C56}" type="datetimeFigureOut">
               <a:rPr lang="es-PY" smtClean="0"/>
-              <a:t>07/11/2018</a:t>
+              <a:t>19/11/2018</a:t>
             </a:fld>
             <a:endParaRPr lang="es-PY"/>
           </a:p>
@@ -648,7 +4565,7 @@
           <a:p>
             <a:fld id="{665E11CC-8458-44FA-A540-E93D76E42C56}" type="datetimeFigureOut">
               <a:rPr lang="es-PY" smtClean="0"/>
-              <a:t>07/11/2018</a:t>
+              <a:t>19/11/2018</a:t>
             </a:fld>
             <a:endParaRPr lang="es-PY"/>
           </a:p>
@@ -818,7 +4735,7 @@
           <a:p>
             <a:fld id="{665E11CC-8458-44FA-A540-E93D76E42C56}" type="datetimeFigureOut">
               <a:rPr lang="es-PY" smtClean="0"/>
-              <a:t>07/11/2018</a:t>
+              <a:t>19/11/2018</a:t>
             </a:fld>
             <a:endParaRPr lang="es-PY"/>
           </a:p>
@@ -1064,7 +4981,7 @@
           <a:p>
             <a:fld id="{665E11CC-8458-44FA-A540-E93D76E42C56}" type="datetimeFigureOut">
               <a:rPr lang="es-PY" smtClean="0"/>
-              <a:t>07/11/2018</a:t>
+              <a:t>19/11/2018</a:t>
             </a:fld>
             <a:endParaRPr lang="es-PY"/>
           </a:p>
@@ -1352,7 +5269,7 @@
           <a:p>
             <a:fld id="{665E11CC-8458-44FA-A540-E93D76E42C56}" type="datetimeFigureOut">
               <a:rPr lang="es-PY" smtClean="0"/>
-              <a:t>07/11/2018</a:t>
+              <a:t>19/11/2018</a:t>
             </a:fld>
             <a:endParaRPr lang="es-PY"/>
           </a:p>
@@ -1774,7 +5691,7 @@
           <a:p>
             <a:fld id="{665E11CC-8458-44FA-A540-E93D76E42C56}" type="datetimeFigureOut">
               <a:rPr lang="es-PY" smtClean="0"/>
-              <a:t>07/11/2018</a:t>
+              <a:t>19/11/2018</a:t>
             </a:fld>
             <a:endParaRPr lang="es-PY"/>
           </a:p>
@@ -1892,7 +5809,7 @@
           <a:p>
             <a:fld id="{665E11CC-8458-44FA-A540-E93D76E42C56}" type="datetimeFigureOut">
               <a:rPr lang="es-PY" smtClean="0"/>
-              <a:t>07/11/2018</a:t>
+              <a:t>19/11/2018</a:t>
             </a:fld>
             <a:endParaRPr lang="es-PY"/>
           </a:p>
@@ -1987,7 +5904,7 @@
           <a:p>
             <a:fld id="{665E11CC-8458-44FA-A540-E93D76E42C56}" type="datetimeFigureOut">
               <a:rPr lang="es-PY" smtClean="0"/>
-              <a:t>07/11/2018</a:t>
+              <a:t>19/11/2018</a:t>
             </a:fld>
             <a:endParaRPr lang="es-PY"/>
           </a:p>
@@ -2264,7 +6181,7 @@
           <a:p>
             <a:fld id="{665E11CC-8458-44FA-A540-E93D76E42C56}" type="datetimeFigureOut">
               <a:rPr lang="es-PY" smtClean="0"/>
-              <a:t>07/11/2018</a:t>
+              <a:t>19/11/2018</a:t>
             </a:fld>
             <a:endParaRPr lang="es-PY"/>
           </a:p>
@@ -2517,7 +6434,7 @@
           <a:p>
             <a:fld id="{665E11CC-8458-44FA-A540-E93D76E42C56}" type="datetimeFigureOut">
               <a:rPr lang="es-PY" smtClean="0"/>
-              <a:t>07/11/2018</a:t>
+              <a:t>19/11/2018</a:t>
             </a:fld>
             <a:endParaRPr lang="es-PY"/>
           </a:p>
@@ -2730,7 +6647,7 @@
           <a:p>
             <a:fld id="{665E11CC-8458-44FA-A540-E93D76E42C56}" type="datetimeFigureOut">
               <a:rPr lang="es-PY" smtClean="0"/>
-              <a:t>07/11/2018</a:t>
+              <a:t>19/11/2018</a:t>
             </a:fld>
             <a:endParaRPr lang="es-PY"/>
           </a:p>
@@ -3267,6 +7184,327 @@
       </p:grpSpPr>
       <p:sp>
         <p:nvSpPr>
+          <p:cNvPr id="2" name="1 CuadroTexto"/>
+          <p:cNvSpPr txBox="1"/>
+          <p:nvPr/>
+        </p:nvSpPr>
+        <p:spPr>
+          <a:xfrm>
+            <a:off x="343642" y="1124744"/>
+            <a:ext cx="8800358" cy="4524315"/>
+          </a:xfrm>
+          <a:prstGeom prst="rect">
+            <a:avLst/>
+          </a:prstGeom>
+          <a:noFill/>
+        </p:spPr>
+        <p:txBody>
+          <a:bodyPr wrap="none" rtlCol="0">
+            <a:spAutoFit/>
+          </a:bodyPr>
+          <a:lstStyle/>
+          <a:p>
+            <a:r>
+              <a:rPr lang="es-PY" sz="2400" dirty="0" smtClean="0">
+                <a:latin typeface="Cooper Black" panose="0208090404030B020404" pitchFamily="18" charset="0"/>
+              </a:rPr>
+              <a:t>Algunas Otras Plataformas:</a:t>
+            </a:r>
+          </a:p>
+          <a:p>
+            <a:endParaRPr lang="es-PY" sz="2400" dirty="0" smtClean="0">
+              <a:latin typeface="Cooper Black" panose="0208090404030B020404" pitchFamily="18" charset="0"/>
+            </a:endParaRPr>
+          </a:p>
+          <a:p>
+            <a:r>
+              <a:rPr lang="es-PY" sz="2400" dirty="0"/>
+              <a:t> https://www.carriots.com/ </a:t>
+            </a:r>
+            <a:endParaRPr lang="es-PY" sz="2400" dirty="0" smtClean="0"/>
+          </a:p>
+          <a:p>
+            <a:r>
+              <a:rPr lang="es-PY" sz="2400" dirty="0" smtClean="0"/>
+              <a:t>https</a:t>
+            </a:r>
+            <a:r>
+              <a:rPr lang="es-PY" sz="2400" dirty="0"/>
+              <a:t>://www.aylanetworks.com/ </a:t>
+            </a:r>
+            <a:endParaRPr lang="es-PY" sz="2400" dirty="0" smtClean="0"/>
+          </a:p>
+          <a:p>
+            <a:r>
+              <a:rPr lang="es-PY" sz="2400" dirty="0" smtClean="0"/>
+              <a:t>https</a:t>
+            </a:r>
+            <a:r>
+              <a:rPr lang="es-PY" sz="2400" dirty="0"/>
+              <a:t>://aws.amazon.com/es/iot/ </a:t>
+            </a:r>
+            <a:endParaRPr lang="es-PY" sz="2400" dirty="0" smtClean="0"/>
+          </a:p>
+          <a:p>
+            <a:r>
+              <a:rPr lang="es-PY" sz="2400" dirty="0" smtClean="0"/>
+              <a:t>https</a:t>
+            </a:r>
+            <a:r>
+              <a:rPr lang="es-PY" sz="2400" dirty="0"/>
+              <a:t>://cloud.google.com/solutions/iot/ </a:t>
+            </a:r>
+            <a:endParaRPr lang="es-PY" sz="2400" dirty="0" smtClean="0"/>
+          </a:p>
+          <a:p>
+            <a:r>
+              <a:rPr lang="es-PY" sz="2400" dirty="0" smtClean="0"/>
+              <a:t>https</a:t>
+            </a:r>
+            <a:r>
+              <a:rPr lang="es-PY" sz="2400" dirty="0"/>
+              <a:t>://www.ibm.com/internet-of-things/ </a:t>
+            </a:r>
+            <a:endParaRPr lang="es-PY" sz="2400" dirty="0" smtClean="0"/>
+          </a:p>
+          <a:p>
+            <a:r>
+              <a:rPr lang="es-PY" sz="2400" dirty="0" smtClean="0"/>
+              <a:t>https</a:t>
+            </a:r>
+            <a:r>
+              <a:rPr lang="es-PY" sz="2400" dirty="0"/>
+              <a:t>://www.microsoft.com/en-us/internet-of-things/azure-iot-suite </a:t>
+            </a:r>
+          </a:p>
+          <a:p>
+            <a:r>
+              <a:rPr lang="es-PY" sz="2400" dirty="0" smtClean="0"/>
+              <a:t>https</a:t>
+            </a:r>
+            <a:r>
+              <a:rPr lang="es-PY" sz="2400" dirty="0"/>
+              <a:t>://www.thingworx.com/ </a:t>
+            </a:r>
+            <a:endParaRPr lang="es-PY" sz="2400" dirty="0" smtClean="0"/>
+          </a:p>
+          <a:p>
+            <a:r>
+              <a:rPr lang="es-PY" sz="2400" dirty="0" smtClean="0"/>
+              <a:t>https</a:t>
+            </a:r>
+            <a:r>
+              <a:rPr lang="es-PY" sz="2400" dirty="0"/>
+              <a:t>://www.xively.com/ </a:t>
+            </a:r>
+            <a:endParaRPr lang="es-PY" sz="2400" dirty="0" smtClean="0"/>
+          </a:p>
+          <a:p>
+            <a:r>
+              <a:rPr lang="es-PY" sz="2400" dirty="0"/>
+              <a:t>http://www.zatar.com</a:t>
+            </a:r>
+            <a:r>
+              <a:rPr lang="es-PY" sz="2400" dirty="0" smtClean="0"/>
+              <a:t>/</a:t>
+            </a:r>
+          </a:p>
+          <a:p>
+            <a:r>
+              <a:rPr lang="es-PY" sz="2400" dirty="0"/>
+              <a:t>http://www.dojot.com.br</a:t>
+            </a:r>
+            <a:r>
+              <a:rPr lang="es-PY" sz="2400" dirty="0" smtClean="0"/>
+              <a:t>/</a:t>
+            </a:r>
+          </a:p>
+        </p:txBody>
+      </p:sp>
+    </p:spTree>
+    <p:extLst>
+      <p:ext uri="{BB962C8B-B14F-4D97-AF65-F5344CB8AC3E}">
+        <p14:creationId xmlns:p14="http://schemas.microsoft.com/office/powerpoint/2010/main" val="1049350360"/>
+      </p:ext>
+    </p:extLst>
+  </p:cSld>
+  <p:clrMapOvr>
+    <a:masterClrMapping/>
+  </p:clrMapOvr>
+  <p:timing>
+    <p:tnLst>
+      <p:par>
+        <p:cTn id="1" dur="indefinite" restart="never" nodeType="tmRoot"/>
+      </p:par>
+    </p:tnLst>
+  </p:timing>
+</p:sld>
+</file>
+
+<file path=ppt/slides/slide11.xml><?xml version="1.0" encoding="utf-8"?>
+<p:sld xmlns:a="http://schemas.openxmlformats.org/drawingml/2006/main" xmlns:r="http://schemas.openxmlformats.org/officeDocument/2006/relationships" xmlns:p="http://schemas.openxmlformats.org/presentationml/2006/main">
+  <p:cSld>
+    <p:spTree>
+      <p:nvGrpSpPr>
+        <p:cNvPr id="1" name=""/>
+        <p:cNvGrpSpPr/>
+        <p:nvPr/>
+      </p:nvGrpSpPr>
+      <p:grpSpPr>
+        <a:xfrm>
+          <a:off x="0" y="0"/>
+          <a:ext cx="0" cy="0"/>
+          <a:chOff x="0" y="0"/>
+          <a:chExt cx="0" cy="0"/>
+        </a:xfrm>
+      </p:grpSpPr>
+      <p:pic>
+        <p:nvPicPr>
+          <p:cNvPr id="3075" name="Picture 3"/>
+          <p:cNvPicPr>
+            <a:picLocks noChangeAspect="1" noChangeArrowheads="1"/>
+          </p:cNvPicPr>
+          <p:nvPr/>
+        </p:nvPicPr>
+        <p:blipFill>
+          <a:blip r:embed="rId2">
+            <a:extLst>
+              <a:ext uri="{28A0092B-C50C-407E-A947-70E740481C1C}">
+                <a14:useLocalDpi xmlns:a14="http://schemas.microsoft.com/office/drawing/2010/main" val="0"/>
+              </a:ext>
+            </a:extLst>
+          </a:blip>
+          <a:srcRect/>
+          <a:stretch>
+            <a:fillRect/>
+          </a:stretch>
+        </p:blipFill>
+        <p:spPr bwMode="auto">
+          <a:xfrm>
+            <a:off x="3347864" y="1418730"/>
+            <a:ext cx="5131097" cy="3065417"/>
+          </a:xfrm>
+          <a:prstGeom prst="rect">
+            <a:avLst/>
+          </a:prstGeom>
+          <a:noFill/>
+          <a:ln>
+            <a:noFill/>
+          </a:ln>
+          <a:extLst>
+            <a:ext uri="{909E8E84-426E-40DD-AFC4-6F175D3DCCD1}">
+              <a14:hiddenFill xmlns:a14="http://schemas.microsoft.com/office/drawing/2010/main">
+                <a:solidFill>
+                  <a:schemeClr val="accent1"/>
+                </a:solidFill>
+              </a14:hiddenFill>
+            </a:ext>
+            <a:ext uri="{91240B29-F687-4F45-9708-019B960494DF}">
+              <a14:hiddenLine xmlns:a14="http://schemas.microsoft.com/office/drawing/2010/main" w="9525">
+                <a:solidFill>
+                  <a:schemeClr val="tx1"/>
+                </a:solidFill>
+                <a:miter lim="800000"/>
+                <a:headEnd/>
+                <a:tailEnd/>
+              </a14:hiddenLine>
+            </a:ext>
+          </a:extLst>
+        </p:spPr>
+      </p:pic>
+      <p:pic>
+        <p:nvPicPr>
+          <p:cNvPr id="3076" name="Picture 4"/>
+          <p:cNvPicPr>
+            <a:picLocks noChangeAspect="1" noChangeArrowheads="1"/>
+          </p:cNvPicPr>
+          <p:nvPr/>
+        </p:nvPicPr>
+        <p:blipFill>
+          <a:blip r:embed="rId3" cstate="print">
+            <a:extLst>
+              <a:ext uri="{28A0092B-C50C-407E-A947-70E740481C1C}">
+                <a14:useLocalDpi xmlns:a14="http://schemas.microsoft.com/office/drawing/2010/main" val="0"/>
+              </a:ext>
+            </a:extLst>
+          </a:blip>
+          <a:srcRect/>
+          <a:stretch>
+            <a:fillRect/>
+          </a:stretch>
+        </p:blipFill>
+        <p:spPr bwMode="auto">
+          <a:xfrm>
+            <a:off x="0" y="3707402"/>
+            <a:ext cx="4889700" cy="2313886"/>
+          </a:xfrm>
+          <a:prstGeom prst="rect">
+            <a:avLst/>
+          </a:prstGeom>
+          <a:noFill/>
+          <a:ln>
+            <a:noFill/>
+          </a:ln>
+          <a:extLst>
+            <a:ext uri="{909E8E84-426E-40DD-AFC4-6F175D3DCCD1}">
+              <a14:hiddenFill xmlns:a14="http://schemas.microsoft.com/office/drawing/2010/main">
+                <a:solidFill>
+                  <a:schemeClr val="accent1"/>
+                </a:solidFill>
+              </a14:hiddenFill>
+            </a:ext>
+            <a:ext uri="{91240B29-F687-4F45-9708-019B960494DF}">
+              <a14:hiddenLine xmlns:a14="http://schemas.microsoft.com/office/drawing/2010/main" w="9525">
+                <a:solidFill>
+                  <a:schemeClr val="tx1"/>
+                </a:solidFill>
+                <a:miter lim="800000"/>
+                <a:headEnd/>
+                <a:tailEnd/>
+              </a14:hiddenLine>
+            </a:ext>
+          </a:extLst>
+        </p:spPr>
+      </p:pic>
+    </p:spTree>
+    <p:extLst>
+      <p:ext uri="{BB962C8B-B14F-4D97-AF65-F5344CB8AC3E}">
+        <p14:creationId xmlns:p14="http://schemas.microsoft.com/office/powerpoint/2010/main" val="1382645282"/>
+      </p:ext>
+    </p:extLst>
+  </p:cSld>
+  <p:clrMapOvr>
+    <a:masterClrMapping/>
+  </p:clrMapOvr>
+  <p:timing>
+    <p:tnLst>
+      <p:par>
+        <p:cTn id="1" dur="indefinite" restart="never" nodeType="tmRoot"/>
+      </p:par>
+    </p:tnLst>
+  </p:timing>
+</p:sld>
+</file>
+
+<file path=ppt/slides/slide12.xml><?xml version="1.0" encoding="utf-8"?>
+<p:sld xmlns:a="http://schemas.openxmlformats.org/drawingml/2006/main" xmlns:r="http://schemas.openxmlformats.org/officeDocument/2006/relationships" xmlns:p="http://schemas.openxmlformats.org/presentationml/2006/main">
+  <p:cSld>
+    <p:spTree>
+      <p:nvGrpSpPr>
+        <p:cNvPr id="1" name=""/>
+        <p:cNvGrpSpPr/>
+        <p:nvPr/>
+      </p:nvGrpSpPr>
+      <p:grpSpPr>
+        <a:xfrm>
+          <a:off x="0" y="0"/>
+          <a:ext cx="0" cy="0"/>
+          <a:chOff x="0" y="0"/>
+          <a:chExt cx="0" cy="0"/>
+        </a:xfrm>
+      </p:grpSpPr>
+      <p:sp>
+        <p:nvSpPr>
           <p:cNvPr id="2" name="AutoShape 2" descr="Resultado de la imagen para thingspeak"/>
           <p:cNvSpPr>
             <a:spLocks noChangeAspect="1" noChangeArrowheads="1"/>
@@ -3737,7 +7975,7 @@
 </p:sld>
 </file>
 
-<file path=ppt/slides/slide11.xml><?xml version="1.0" encoding="utf-8"?>
+<file path=ppt/slides/slide13.xml><?xml version="1.0" encoding="utf-8"?>
 <p:sld xmlns:a="http://schemas.openxmlformats.org/drawingml/2006/main" xmlns:r="http://schemas.openxmlformats.org/officeDocument/2006/relationships" xmlns:p="http://schemas.openxmlformats.org/presentationml/2006/main">
   <p:cSld>
     <p:spTree>
@@ -3888,7 +8126,6 @@
               <a:rPr lang="es-PY" dirty="0"/>
               <a:t>)</a:t>
             </a:r>
-            <a:endParaRPr lang="es-PY" dirty="0"/>
           </a:p>
           <a:p>
             <a:pPr marL="285750" indent="-285750">
@@ -5404,162 +9641,38 @@
           <a:chExt cx="0" cy="0"/>
         </a:xfrm>
       </p:grpSpPr>
-      <p:sp>
-        <p:nvSpPr>
-          <p:cNvPr id="2" name="1 CuadroTexto"/>
-          <p:cNvSpPr txBox="1"/>
-          <p:nvPr/>
-        </p:nvSpPr>
-        <p:spPr>
-          <a:xfrm>
-            <a:off x="343642" y="1124744"/>
-            <a:ext cx="8800358" cy="4524315"/>
-          </a:xfrm>
-          <a:prstGeom prst="rect">
-            <a:avLst/>
-          </a:prstGeom>
-          <a:noFill/>
-        </p:spPr>
-        <p:txBody>
-          <a:bodyPr wrap="none" rtlCol="0">
-            <a:spAutoFit/>
-          </a:bodyPr>
-          <a:lstStyle/>
-          <a:p>
-            <a:r>
-              <a:rPr lang="es-PY" sz="2400" dirty="0" smtClean="0">
-                <a:latin typeface="Cooper Black" panose="0208090404030B020404" pitchFamily="18" charset="0"/>
-              </a:rPr>
-              <a:t>Algunas Otras Plataformas:</a:t>
-            </a:r>
-          </a:p>
-          <a:p>
-            <a:endParaRPr lang="es-PY" sz="2400" dirty="0" smtClean="0">
-              <a:latin typeface="Cooper Black" panose="0208090404030B020404" pitchFamily="18" charset="0"/>
-            </a:endParaRPr>
-          </a:p>
-          <a:p>
-            <a:r>
-              <a:rPr lang="es-PY" sz="2400" dirty="0"/>
-              <a:t> https://www.carriots.com/ </a:t>
-            </a:r>
-            <a:endParaRPr lang="es-PY" sz="2400" dirty="0" smtClean="0"/>
-          </a:p>
-          <a:p>
-            <a:r>
-              <a:rPr lang="es-PY" sz="2400" dirty="0" smtClean="0"/>
-              <a:t>https</a:t>
-            </a:r>
-            <a:r>
-              <a:rPr lang="es-PY" sz="2400" dirty="0"/>
-              <a:t>://www.aylanetworks.com/ </a:t>
-            </a:r>
-            <a:endParaRPr lang="es-PY" sz="2400" dirty="0" smtClean="0"/>
-          </a:p>
-          <a:p>
-            <a:r>
-              <a:rPr lang="es-PY" sz="2400" dirty="0" smtClean="0"/>
-              <a:t>https</a:t>
-            </a:r>
-            <a:r>
-              <a:rPr lang="es-PY" sz="2400" dirty="0"/>
-              <a:t>://aws.amazon.com/es/iot/ </a:t>
-            </a:r>
-            <a:endParaRPr lang="es-PY" sz="2400" dirty="0" smtClean="0"/>
-          </a:p>
-          <a:p>
-            <a:r>
-              <a:rPr lang="es-PY" sz="2400" dirty="0" smtClean="0"/>
-              <a:t>https</a:t>
-            </a:r>
-            <a:r>
-              <a:rPr lang="es-PY" sz="2400" dirty="0"/>
-              <a:t>://cloud.google.com/solutions/iot/ </a:t>
-            </a:r>
-            <a:endParaRPr lang="es-PY" sz="2400" dirty="0" smtClean="0"/>
-          </a:p>
-          <a:p>
-            <a:r>
-              <a:rPr lang="es-PY" sz="2400" dirty="0" smtClean="0"/>
-              <a:t>https</a:t>
-            </a:r>
-            <a:r>
-              <a:rPr lang="es-PY" sz="2400" dirty="0"/>
-              <a:t>://www.ibm.com/internet-of-things/ </a:t>
-            </a:r>
-            <a:endParaRPr lang="es-PY" sz="2400" dirty="0" smtClean="0"/>
-          </a:p>
-          <a:p>
-            <a:r>
-              <a:rPr lang="es-PY" sz="2400" dirty="0" smtClean="0"/>
-              <a:t>https</a:t>
-            </a:r>
-            <a:r>
-              <a:rPr lang="es-PY" sz="2400" dirty="0"/>
-              <a:t>://www.microsoft.com/en-us/internet-of-things/azure-iot-suite </a:t>
-            </a:r>
-          </a:p>
-          <a:p>
-            <a:r>
-              <a:rPr lang="es-PY" sz="2400" dirty="0" smtClean="0"/>
-              <a:t>https</a:t>
-            </a:r>
-            <a:r>
-              <a:rPr lang="es-PY" sz="2400" dirty="0"/>
-              <a:t>://www.thingworx.com/ </a:t>
-            </a:r>
-            <a:endParaRPr lang="es-PY" sz="2400" dirty="0" smtClean="0"/>
-          </a:p>
-          <a:p>
-            <a:r>
-              <a:rPr lang="es-PY" sz="2400" dirty="0" smtClean="0"/>
-              <a:t>https</a:t>
-            </a:r>
-            <a:r>
-              <a:rPr lang="es-PY" sz="2400" dirty="0"/>
-              <a:t>://www.xively.com/ </a:t>
-            </a:r>
-            <a:endParaRPr lang="es-PY" sz="2400" dirty="0" smtClean="0"/>
-          </a:p>
-          <a:p>
-            <a:r>
-              <a:rPr lang="es-PY" sz="2400" dirty="0"/>
-              <a:t>http://www.zatar.com</a:t>
-            </a:r>
-            <a:r>
-              <a:rPr lang="es-PY" sz="2400" dirty="0" smtClean="0"/>
-              <a:t>/</a:t>
-            </a:r>
-          </a:p>
-          <a:p>
-            <a:r>
-              <a:rPr lang="es-PY" sz="2400" dirty="0"/>
-              <a:t>http://www.dojot.com.br</a:t>
-            </a:r>
-            <a:r>
-              <a:rPr lang="es-PY" sz="2400" dirty="0" smtClean="0"/>
-              <a:t>/</a:t>
-            </a:r>
-          </a:p>
-        </p:txBody>
-      </p:sp>
+      <p:graphicFrame>
+        <p:nvGraphicFramePr>
+          <p:cNvPr id="2" name="1 Diagrama"/>
+          <p:cNvGraphicFramePr/>
+          <p:nvPr>
+            <p:extLst>
+              <p:ext uri="{D42A27DB-BD31-4B8C-83A1-F6EECF244321}">
+                <p14:modId xmlns:p14="http://schemas.microsoft.com/office/powerpoint/2010/main" val="1806598864"/>
+              </p:ext>
+            </p:extLst>
+          </p:nvPr>
+        </p:nvGraphicFramePr>
+        <p:xfrm>
+          <a:off x="1524000" y="1397000"/>
+          <a:ext cx="6096000" cy="4064000"/>
+        </p:xfrm>
+        <a:graphic>
+          <a:graphicData uri="http://schemas.openxmlformats.org/drawingml/2006/diagram">
+            <dgm:relIds xmlns:dgm="http://schemas.openxmlformats.org/drawingml/2006/diagram" xmlns:r="http://schemas.openxmlformats.org/officeDocument/2006/relationships" r:dm="rId2" r:lo="rId3" r:qs="rId4" r:cs="rId5"/>
+          </a:graphicData>
+        </a:graphic>
+      </p:graphicFrame>
     </p:spTree>
     <p:extLst>
       <p:ext uri="{BB962C8B-B14F-4D97-AF65-F5344CB8AC3E}">
-        <p14:creationId xmlns:p14="http://schemas.microsoft.com/office/powerpoint/2010/main" val="1049350360"/>
+        <p14:creationId xmlns:p14="http://schemas.microsoft.com/office/powerpoint/2010/main" val="1233146065"/>
       </p:ext>
     </p:extLst>
   </p:cSld>
   <p:clrMapOvr>
     <a:masterClrMapping/>
   </p:clrMapOvr>
-  <p:timing>
-    <p:tnLst>
-      <p:par>
-        <p:cTn id="1" dur="indefinite" restart="never" nodeType="tmRoot"/>
-      </p:par>
-    </p:tnLst>
-  </p:timing>
 </p:sld>
 </file>
 
@@ -5582,7 +9695,7 @@
       </p:grpSpPr>
       <p:pic>
         <p:nvPicPr>
-          <p:cNvPr id="3075" name="Picture 3"/>
+          <p:cNvPr id="1026" name="Picture 2" descr="https://cdn-images-1.medium.com/max/1600/1*LnC1xybOndpJWJErAPFe8A.png"/>
           <p:cNvPicPr>
             <a:picLocks noChangeAspect="1" noChangeArrowheads="1"/>
           </p:cNvPicPr>
@@ -5603,87 +9716,20 @@
         </p:blipFill>
         <p:spPr bwMode="auto">
           <a:xfrm>
-            <a:off x="3347864" y="1418730"/>
-            <a:ext cx="5131097" cy="3065417"/>
+            <a:off x="127997" y="2177480"/>
+            <a:ext cx="8728241" cy="4680520"/>
           </a:xfrm>
           <a:prstGeom prst="rect">
             <a:avLst/>
           </a:prstGeom>
           <a:noFill/>
-          <a:ln>
-            <a:noFill/>
-          </a:ln>
           <a:extLst>
             <a:ext uri="{909E8E84-426E-40DD-AFC4-6F175D3DCCD1}">
               <a14:hiddenFill xmlns:a14="http://schemas.microsoft.com/office/drawing/2010/main">
                 <a:solidFill>
-                  <a:schemeClr val="accent1"/>
+                  <a:srgbClr val="FFFFFF"/>
                 </a:solidFill>
               </a14:hiddenFill>
-            </a:ext>
-            <a:ext uri="{91240B29-F687-4F45-9708-019B960494DF}">
-              <a14:hiddenLine xmlns:a14="http://schemas.microsoft.com/office/drawing/2010/main" w="9525">
-                <a:solidFill>
-                  <a:schemeClr val="tx1"/>
-                </a:solidFill>
-                <a:miter lim="800000"/>
-                <a:headEnd/>
-                <a:tailEnd/>
-              </a14:hiddenLine>
-            </a:ext>
-          </a:extLst>
-        </p:spPr>
-      </p:pic>
-      <p:pic>
-        <p:nvPicPr>
-          <p:cNvPr id="3076" name="Picture 4"/>
-          <p:cNvPicPr>
-            <a:picLocks noChangeAspect="1" noChangeArrowheads="1"/>
-          </p:cNvPicPr>
-          <p:nvPr/>
-        </p:nvPicPr>
-        <p:blipFill>
-          <a:blip r:embed="rId3" cstate="print">
-            <a:extLst>
-              <a:ext uri="{28A0092B-C50C-407E-A947-70E740481C1C}">
-                <a14:useLocalDpi xmlns:a14="http://schemas.microsoft.com/office/drawing/2010/main" val="0"/>
-              </a:ext>
-            </a:extLst>
-          </a:blip>
-          <a:srcRect/>
-          <a:stretch>
-            <a:fillRect/>
-          </a:stretch>
-        </p:blipFill>
-        <p:spPr bwMode="auto">
-          <a:xfrm>
-            <a:off x="0" y="3707402"/>
-            <a:ext cx="4889700" cy="2313886"/>
-          </a:xfrm>
-          <a:prstGeom prst="rect">
-            <a:avLst/>
-          </a:prstGeom>
-          <a:noFill/>
-          <a:ln>
-            <a:noFill/>
-          </a:ln>
-          <a:extLst>
-            <a:ext uri="{909E8E84-426E-40DD-AFC4-6F175D3DCCD1}">
-              <a14:hiddenFill xmlns:a14="http://schemas.microsoft.com/office/drawing/2010/main">
-                <a:solidFill>
-                  <a:schemeClr val="accent1"/>
-                </a:solidFill>
-              </a14:hiddenFill>
-            </a:ext>
-            <a:ext uri="{91240B29-F687-4F45-9708-019B960494DF}">
-              <a14:hiddenLine xmlns:a14="http://schemas.microsoft.com/office/drawing/2010/main" w="9525">
-                <a:solidFill>
-                  <a:schemeClr val="tx1"/>
-                </a:solidFill>
-                <a:miter lim="800000"/>
-                <a:headEnd/>
-                <a:tailEnd/>
-              </a14:hiddenLine>
             </a:ext>
           </a:extLst>
         </p:spPr>
@@ -5691,20 +9737,13 @@
     </p:spTree>
     <p:extLst>
       <p:ext uri="{BB962C8B-B14F-4D97-AF65-F5344CB8AC3E}">
-        <p14:creationId xmlns:p14="http://schemas.microsoft.com/office/powerpoint/2010/main" val="1382645282"/>
+        <p14:creationId xmlns:p14="http://schemas.microsoft.com/office/powerpoint/2010/main" val="2502859115"/>
       </p:ext>
     </p:extLst>
   </p:cSld>
   <p:clrMapOvr>
     <a:masterClrMapping/>
   </p:clrMapOvr>
-  <p:timing>
-    <p:tnLst>
-      <p:par>
-        <p:cTn id="1" dur="indefinite" restart="never" nodeType="tmRoot"/>
-      </p:par>
-    </p:tnLst>
-  </p:timing>
 </p:sld>
 </file>
 
